--- a/docs/blog/journal_club/2025-01-15_bifurcations/index.pptx
+++ b/docs/blog/journal_club/2025-01-15_bifurcations/index.pptx
@@ -1,6 +1,6 @@
 
 <file path=ppt/presentation.xml><?xml version="1.0" encoding="utf-8"?>
-<p:presentation xmlns:a="http://schemas.openxmlformats.org/drawingml/2006/main" xmlns:r="http://schemas.openxmlformats.org/officeDocument/2006/relationships" xmlns:p="http://schemas.openxmlformats.org/presentationml/2006/main" saveSubsetFonts="1" autoCompressPictures="0">
+<p:presentation xmlns:a="http://schemas.openxmlformats.org/drawingml/2006/main" xmlns:p="http://schemas.openxmlformats.org/presentationml/2006/main" xmlns:r="http://schemas.openxmlformats.org/officeDocument/2006/relationships" autoCompressPictures="0" saveSubsetFonts="1">
   <p:sldMasterIdLst>
     <p:sldMasterId id="2147483648" r:id="rId1"/>
   </p:sldMasterIdLst>
@@ -14,8 +14,8 @@
     <p:sldId id="259" r:id="rId5"/>
     <p:sldId id="260" r:id="rId6"/>
     <p:sldId id="261" r:id="rId7"/>
-    <p:sldId id="263" r:id="rId8"/>
-    <p:sldId id="267" r:id="rId9"/>
+    <p:sldId id="262" r:id="rId8"/>
+    <p:sldId id="263" r:id="rId9"/>
     <p:sldId id="264" r:id="rId10"/>
     <p:sldId id="265" r:id="rId11"/>
     <p:sldId id="266" r:id="rId12"/>
@@ -26,8 +26,8 @@
     <a:defPPr>
       <a:defRPr lang="en-US"/>
     </a:defPPr>
-    <a:lvl1pPr marL="0" algn="l" defTabSz="457200" rtl="0" eaLnBrk="1" latinLnBrk="0" hangingPunct="1">
-      <a:defRPr sz="1800" kern="1200">
+    <a:lvl1pPr algn="l" defTabSz="457200" eaLnBrk="1" hangingPunct="1" latinLnBrk="0" marL="0" rtl="0">
+      <a:defRPr kern="1200" sz="1800">
         <a:solidFill>
           <a:schemeClr val="tx1"/>
         </a:solidFill>
@@ -36,8 +36,8 @@
         <a:cs typeface="+mn-cs"/>
       </a:defRPr>
     </a:lvl1pPr>
-    <a:lvl2pPr marL="457200" algn="l" defTabSz="457200" rtl="0" eaLnBrk="1" latinLnBrk="0" hangingPunct="1">
-      <a:defRPr sz="1800" kern="1200">
+    <a:lvl2pPr algn="l" defTabSz="457200" eaLnBrk="1" hangingPunct="1" latinLnBrk="0" marL="457200" rtl="0">
+      <a:defRPr kern="1200" sz="1800">
         <a:solidFill>
           <a:schemeClr val="tx1"/>
         </a:solidFill>
@@ -46,8 +46,8 @@
         <a:cs typeface="+mn-cs"/>
       </a:defRPr>
     </a:lvl2pPr>
-    <a:lvl3pPr marL="914400" algn="l" defTabSz="457200" rtl="0" eaLnBrk="1" latinLnBrk="0" hangingPunct="1">
-      <a:defRPr sz="1800" kern="1200">
+    <a:lvl3pPr algn="l" defTabSz="457200" eaLnBrk="1" hangingPunct="1" latinLnBrk="0" marL="914400" rtl="0">
+      <a:defRPr kern="1200" sz="1800">
         <a:solidFill>
           <a:schemeClr val="tx1"/>
         </a:solidFill>
@@ -56,8 +56,8 @@
         <a:cs typeface="+mn-cs"/>
       </a:defRPr>
     </a:lvl3pPr>
-    <a:lvl4pPr marL="1371600" algn="l" defTabSz="457200" rtl="0" eaLnBrk="1" latinLnBrk="0" hangingPunct="1">
-      <a:defRPr sz="1800" kern="1200">
+    <a:lvl4pPr algn="l" defTabSz="457200" eaLnBrk="1" hangingPunct="1" latinLnBrk="0" marL="1371600" rtl="0">
+      <a:defRPr kern="1200" sz="1800">
         <a:solidFill>
           <a:schemeClr val="tx1"/>
         </a:solidFill>
@@ -66,8 +66,8 @@
         <a:cs typeface="+mn-cs"/>
       </a:defRPr>
     </a:lvl4pPr>
-    <a:lvl5pPr marL="1828800" algn="l" defTabSz="457200" rtl="0" eaLnBrk="1" latinLnBrk="0" hangingPunct="1">
-      <a:defRPr sz="1800" kern="1200">
+    <a:lvl5pPr algn="l" defTabSz="457200" eaLnBrk="1" hangingPunct="1" latinLnBrk="0" marL="1828800" rtl="0">
+      <a:defRPr kern="1200" sz="1800">
         <a:solidFill>
           <a:schemeClr val="tx1"/>
         </a:solidFill>
@@ -76,8 +76,8 @@
         <a:cs typeface="+mn-cs"/>
       </a:defRPr>
     </a:lvl5pPr>
-    <a:lvl6pPr marL="2286000" algn="l" defTabSz="457200" rtl="0" eaLnBrk="1" latinLnBrk="0" hangingPunct="1">
-      <a:defRPr sz="1800" kern="1200">
+    <a:lvl6pPr algn="l" defTabSz="457200" eaLnBrk="1" hangingPunct="1" latinLnBrk="0" marL="2286000" rtl="0">
+      <a:defRPr kern="1200" sz="1800">
         <a:solidFill>
           <a:schemeClr val="tx1"/>
         </a:solidFill>
@@ -86,8 +86,8 @@
         <a:cs typeface="+mn-cs"/>
       </a:defRPr>
     </a:lvl6pPr>
-    <a:lvl7pPr marL="2743200" algn="l" defTabSz="457200" rtl="0" eaLnBrk="1" latinLnBrk="0" hangingPunct="1">
-      <a:defRPr sz="1800" kern="1200">
+    <a:lvl7pPr algn="l" defTabSz="457200" eaLnBrk="1" hangingPunct="1" latinLnBrk="0" marL="2743200" rtl="0">
+      <a:defRPr kern="1200" sz="1800">
         <a:solidFill>
           <a:schemeClr val="tx1"/>
         </a:solidFill>
@@ -96,8 +96,8 @@
         <a:cs typeface="+mn-cs"/>
       </a:defRPr>
     </a:lvl7pPr>
-    <a:lvl8pPr marL="3200400" algn="l" defTabSz="457200" rtl="0" eaLnBrk="1" latinLnBrk="0" hangingPunct="1">
-      <a:defRPr sz="1800" kern="1200">
+    <a:lvl8pPr algn="l" defTabSz="457200" eaLnBrk="1" hangingPunct="1" latinLnBrk="0" marL="3200400" rtl="0">
+      <a:defRPr kern="1200" sz="1800">
         <a:solidFill>
           <a:schemeClr val="tx1"/>
         </a:solidFill>
@@ -106,8 +106,8 @@
         <a:cs typeface="+mn-cs"/>
       </a:defRPr>
     </a:lvl8pPr>
-    <a:lvl9pPr marL="3657600" algn="l" defTabSz="457200" rtl="0" eaLnBrk="1" latinLnBrk="0" hangingPunct="1">
-      <a:defRPr sz="1800" kern="1200">
+    <a:lvl9pPr algn="l" defTabSz="457200" eaLnBrk="1" hangingPunct="1" latinLnBrk="0" marL="3657600" rtl="0">
+      <a:defRPr kern="1200" sz="1800">
         <a:solidFill>
           <a:schemeClr val="tx1"/>
         </a:solidFill>
@@ -218,7 +218,7 @@
           <a:p>
             <a:fld id="{0F9C1CCF-B725-44A7-AA57-5E433BD85C9F}" type="datetimeFigureOut">
               <a:rPr lang="en-US" smtClean="0"/>
-              <a:t>1/15/25</a:t>
+              <a:t>1/2/22</a:t>
             </a:fld>
             <a:endParaRPr lang="en-US"/>
           </a:p>
@@ -529,24 +529,25 @@
           <a:bodyPr/>
           <a:lstStyle/>
           <a:p>
-            <a:pPr marL="0" lvl="0" indent="0">
+            <a:pPr lvl="0" indent="0" marL="0">
               <a:buNone/>
             </a:pPr>
             <a:r>
+              <a:rPr/>
               <a:t>In this vicinity the quasiperiodic character of the bounce motion is broken, since the effective potential of the motion there is changing at the time scales of the instantaneous bounce period and can no longer be considered slowly varying. Close to the separatrix the second invariant is therefore not conserved. At two consecutive separatrix crossings corresponding to bifurcations off the equator and back, the invariant exhibits jumps. As a result by the time the particle resumes its motion across the equator it accumulates a nonzero change in the second invariant. Each bifurcation also leads to radial and pitch angle jumps.</a:t>
             </a:r>
           </a:p>
           <a:p>
-            <a:pPr marL="0" lvl="0" indent="0">
+            <a:pPr lvl="0" indent="0" marL="0">
               <a:buNone/>
             </a:pPr>
-            <a:endParaRPr/>
-          </a:p>
-          <a:p>
-            <a:pPr marL="0" lvl="0" indent="0">
+          </a:p>
+          <a:p>
+            <a:pPr lvl="0" indent="0" marL="0">
               <a:buNone/>
             </a:pPr>
             <a:r>
+              <a:rPr/>
               <a:t>Particles that undergo drift orbit bifurcations (blue color) violate the second invariant J at bifurcations, when the period of the bounce and the drift motions are no longer separated.</a:t>
             </a:r>
           </a:p>
@@ -577,9 +578,6 @@
       </p:sp>
     </p:spTree>
   </p:cSld>
-  <p:clrMapOvr>
-    <a:masterClrMapping/>
-  </p:clrMapOvr>
 </p:notes>
 </file>
 
@@ -627,95 +625,12 @@
           <a:bodyPr/>
           <a:lstStyle/>
           <a:p>
-            <a:r>
-              <a:rPr lang="en-US" b="0" dirty="0">
-                <a:solidFill>
-                  <a:srgbClr val="657B83"/>
-                </a:solidFill>
-                <a:effectLst/>
-                <a:latin typeface="Menlo" panose="020B0609030804020204" pitchFamily="49" charset="0"/>
-              </a:rPr>
-              <a:t>The thick red line connects average invariant values, while thin red lines show the lower and the upper envelopes. Invariant jumps at all radial locations exhibit similar qualitative dependence on the initial conditions. At small initial values, the jumps are predominantly ballistic: </a:t>
-            </a:r>
-            <a:r>
-              <a:rPr lang="en-US" b="0" dirty="0" err="1">
-                <a:solidFill>
-                  <a:srgbClr val="657B83"/>
-                </a:solidFill>
-                <a:effectLst/>
-                <a:latin typeface="Menlo" panose="020B0609030804020204" pitchFamily="49" charset="0"/>
-              </a:rPr>
-              <a:t>hDIi</a:t>
-            </a:r>
-            <a:r>
-              <a:rPr lang="en-US" b="0" dirty="0">
-                <a:solidFill>
-                  <a:srgbClr val="657B83"/>
-                </a:solidFill>
-                <a:effectLst/>
-                <a:latin typeface="Menlo" panose="020B0609030804020204" pitchFamily="49" charset="0"/>
-              </a:rPr>
-              <a:t> = hIk+1 − </a:t>
-            </a:r>
-            <a:r>
-              <a:rPr lang="en-US" b="0" dirty="0" err="1">
-                <a:solidFill>
-                  <a:srgbClr val="657B83"/>
-                </a:solidFill>
-                <a:effectLst/>
-                <a:latin typeface="Menlo" panose="020B0609030804020204" pitchFamily="49" charset="0"/>
-              </a:rPr>
-              <a:t>Iki</a:t>
-            </a:r>
-            <a:r>
-              <a:rPr lang="en-US" b="0" dirty="0">
-                <a:solidFill>
-                  <a:srgbClr val="657B83"/>
-                </a:solidFill>
-                <a:effectLst/>
-                <a:latin typeface="Menlo" panose="020B0609030804020204" pitchFamily="49" charset="0"/>
-              </a:rPr>
-              <a:t> h(DI)2i1/2, shifting to the diffusion regime at larger values: </a:t>
-            </a:r>
-            <a:r>
-              <a:rPr lang="en-US" b="0" dirty="0" err="1">
-                <a:solidFill>
-                  <a:srgbClr val="657B83"/>
-                </a:solidFill>
-                <a:effectLst/>
-                <a:latin typeface="Menlo" panose="020B0609030804020204" pitchFamily="49" charset="0"/>
-              </a:rPr>
-              <a:t>hDIi</a:t>
-            </a:r>
-            <a:r>
-              <a:rPr lang="en-US" b="0" dirty="0">
-                <a:solidFill>
-                  <a:srgbClr val="657B83"/>
-                </a:solidFill>
-                <a:effectLst/>
-                <a:latin typeface="Menlo" panose="020B0609030804020204" pitchFamily="49" charset="0"/>
-              </a:rPr>
-              <a:t> ’ 0, h(DI)2i ~= 0. Interestingly, at intermediate initial values the average change in the invariant can be negative. The magnitude of jumps in the invariant increases with increase in LM; the larger the </a:t>
-            </a:r>
-            <a:r>
-              <a:rPr lang="en-US" b="0" dirty="0" err="1">
-                <a:solidFill>
-                  <a:srgbClr val="657B83"/>
-                </a:solidFill>
-                <a:effectLst/>
-                <a:latin typeface="Menlo" panose="020B0609030804020204" pitchFamily="49" charset="0"/>
-              </a:rPr>
-              <a:t>daynight</a:t>
-            </a:r>
-            <a:r>
-              <a:rPr lang="en-US" b="0" dirty="0">
-                <a:solidFill>
-                  <a:srgbClr val="657B83"/>
-                </a:solidFill>
-                <a:effectLst/>
-                <a:latin typeface="Menlo" panose="020B0609030804020204" pitchFamily="49" charset="0"/>
-              </a:rPr>
-              <a:t> asymmetry of the magnetic field, the larger the jumps of the invariant at orbit bifurcations.</a:t>
+            <a:pPr lvl="0" indent="0" marL="0">
+              <a:buNone/>
+            </a:pPr>
+            <a:r>
+              <a:rPr/>
+              <a:t>The thick red line connects average invariant values, while thin red lines show the lower and the upper envelopes. Invariant jumps at all radial locations exhibit similar qualitative dependence on the initial conditions. At small initial values, the jumps are predominantly ballistic: hDIi = hIk+1 − Iki h(DI)2i1/2, shifting to the diffusion regime at larger values: hDIi ’ 0, h(DI)2i ~= 0. Interestingly, at intermediate initial values the average change in the invariant can be negative. The magnitude of jumps in the invariant increases with increase in LM; the larger the daynight asymmetry of the magnetic field, the larger the jumps of the invariant at orbit bifurcations.</a:t>
             </a:r>
           </a:p>
         </p:txBody>
@@ -745,9 +660,6 @@
       </p:sp>
     </p:spTree>
   </p:cSld>
-  <p:clrMapOvr>
-    <a:masterClrMapping/>
-  </p:clrMapOvr>
 </p:notes>
 </file>
 
@@ -756,13 +668,7 @@
   <p:cSld>
     <p:spTree>
       <p:nvGrpSpPr>
-        <p:cNvPr id="1" name="">
-          <a:extLst>
-            <a:ext uri="{FF2B5EF4-FFF2-40B4-BE49-F238E27FC236}">
-              <a16:creationId xmlns:a16="http://schemas.microsoft.com/office/drawing/2014/main" id="{62F0FE82-439A-ECF9-171D-623D16F73603}"/>
-            </a:ext>
-          </a:extLst>
-        </p:cNvPr>
+        <p:cNvPr id="1" name=""/>
         <p:cNvGrpSpPr/>
         <p:nvPr/>
       </p:nvGrpSpPr>
@@ -776,13 +682,7 @@
       </p:grpSpPr>
       <p:sp>
         <p:nvSpPr>
-          <p:cNvPr id="2" name="Slide Image Placeholder 1">
-            <a:extLst>
-              <a:ext uri="{FF2B5EF4-FFF2-40B4-BE49-F238E27FC236}">
-                <a16:creationId xmlns:a16="http://schemas.microsoft.com/office/drawing/2014/main" id="{E3719D5A-8BE9-D600-B21F-F9B409BFD629}"/>
-              </a:ext>
-            </a:extLst>
-          </p:cNvPr>
+          <p:cNvPr id="2" name="Slide Image Placeholder 1"/>
           <p:cNvSpPr>
             <a:spLocks noGrp="1" noRot="1" noChangeAspect="1"/>
           </p:cNvSpPr>
@@ -794,13 +694,7 @@
       </p:sp>
       <p:sp>
         <p:nvSpPr>
-          <p:cNvPr id="3" name="Notes Placeholder 2">
-            <a:extLst>
-              <a:ext uri="{FF2B5EF4-FFF2-40B4-BE49-F238E27FC236}">
-                <a16:creationId xmlns:a16="http://schemas.microsoft.com/office/drawing/2014/main" id="{43BDC691-756B-E415-B6F4-24E2D45BB7A7}"/>
-              </a:ext>
-            </a:extLst>
-          </p:cNvPr>
+          <p:cNvPr id="3" name="Notes Placeholder 2"/>
           <p:cNvSpPr>
             <a:spLocks noGrp="1"/>
           </p:cNvSpPr>
@@ -813,38 +707,47 @@
           <a:bodyPr/>
           <a:lstStyle/>
           <a:p>
-            <a:pPr marL="0" lvl="0" indent="0">
+            <a:pPr lvl="0" indent="0" marL="0">
               <a:buNone/>
             </a:pPr>
             <a:r>
-              <a:t>Motivated by minimizing computational time as well as deriving a simplified description of radial and pitch angle transport due to bifurcations which can be used in radiation belt models to capture physics of the bifurcation process, we sought a reduced description of transport due to orbit bifurcations. The changes in the invariant I and the radial position LM of a particle due to two drift orbit bifurcations over the course of one drift orbit depend only on three parameters: their initial values and the bounce phase value prior to the bifurcations. Particle transport due to drift orbit bifurcations can therefore be described by a dynamical map relating the change in three state variables (θ , I, L_M) over a drift orbit.</a:t>
-            </a:r>
-          </a:p>
-          <a:p>
-            <a:pPr marL="0" lvl="0" indent="0">
+              <a:rPr/>
+              <a:t>Motivated by minimizing computational time as well as deriving a simplified description of radial and pitch angle transport due to bifurcations which can be used in radiation belt models to capture physics of the bifurcation process, we sought a reduced description of transport due to orbit bifurcations. The changes in the invariant I and the radial position LM of a particle due to two drift orbit bifurcations over the course of one drift orbit depend only on three parameters: their initial values and the bounce phase value prior to the bifurcations. Particle transport due to drift orbit bifurcations can therefore be described by a dynamical map relating the change in three state variables </a:t>
+            </a:r>
+            <a:r>
+              <a:rPr/>
+              <a:t>(θ , I, L_M)</a:t>
+            </a:r>
+            <a:r>
+              <a:rPr/>
+              <a:t> over a drift orbit.</a:t>
+            </a:r>
+          </a:p>
+          <a:p>
+            <a:pPr lvl="0" indent="0" marL="0">
               <a:buNone/>
             </a:pPr>
-            <a:endParaRPr/>
-          </a:p>
-          <a:p>
-            <a:pPr marL="0" lvl="0" indent="0">
+          </a:p>
+          <a:p>
+            <a:pPr lvl="0" indent="0" marL="0">
               <a:buNone/>
             </a:pPr>
             <a:r>
+              <a:rPr/>
               <a:t>quantified by 〈(ΔL(t))2〉 of ensemble of particles at different initial values of the second invariant. (a) Weak diffusive transport at large initial value of the second invariant; (b) combination of diffusive and ballistic transport at the intermediate value of the second invariant; and (c) large ballistic jumps followed by diffusion at small initial value of the second invariant.</a:t>
             </a:r>
           </a:p>
           <a:p>
-            <a:pPr marL="0" lvl="0" indent="0">
+            <a:pPr lvl="0" indent="0" marL="0">
               <a:buNone/>
             </a:pPr>
-            <a:endParaRPr/>
-          </a:p>
-          <a:p>
-            <a:pPr marL="0" lvl="0" indent="0">
+          </a:p>
+          <a:p>
+            <a:pPr lvl="0" indent="0" marL="0">
               <a:buNone/>
             </a:pPr>
             <a:r>
+              <a:rPr/>
               <a:t>During the first orbit particles exhibit a semi‐coherent outward jump into the diffusion region. Subsequent bifurcations result in broadening of particle distribution along their transport characteristic. After the particle population expands across the whole bifurcation region, the h(DL)2i width stops growing, while the individual particles keep meandering back and forth along the characteristic.</a:t>
             </a:r>
           </a:p>
@@ -852,13 +755,7 @@
       </p:sp>
       <p:sp>
         <p:nvSpPr>
-          <p:cNvPr id="4" name="Slide Number Placeholder 3">
-            <a:extLst>
-              <a:ext uri="{FF2B5EF4-FFF2-40B4-BE49-F238E27FC236}">
-                <a16:creationId xmlns:a16="http://schemas.microsoft.com/office/drawing/2014/main" id="{B55989CE-F9B0-B316-5FAC-53D82F250F84}"/>
-              </a:ext>
-            </a:extLst>
-          </p:cNvPr>
+          <p:cNvPr id="4" name="Slide Number Placeholder 3"/>
           <p:cNvSpPr>
             <a:spLocks noGrp="1"/>
           </p:cNvSpPr>
@@ -880,15 +777,7 @@
         </p:txBody>
       </p:sp>
     </p:spTree>
-    <p:extLst>
-      <p:ext uri="{BB962C8B-B14F-4D97-AF65-F5344CB8AC3E}">
-        <p14:creationId xmlns:p14="http://schemas.microsoft.com/office/powerpoint/2010/main" val="2750401878"/>
-      </p:ext>
-    </p:extLst>
   </p:cSld>
-  <p:clrMapOvr>
-    <a:masterClrMapping/>
-  </p:clrMapOvr>
 </p:notes>
 </file>
 
@@ -936,66 +825,67 @@
           <a:bodyPr/>
           <a:lstStyle/>
           <a:p>
-            <a:pPr marL="0" lvl="0" indent="0">
+            <a:pPr lvl="0" indent="0" marL="0">
               <a:buNone/>
             </a:pPr>
             <a:r>
+              <a:rPr/>
               <a:t>Transport characteristics can intersect the tailward and drift loss cone boundaries of the bifurcating region producing atmospheric and magnetopause losses of the radiation belt particles.</a:t>
             </a:r>
           </a:p>
           <a:p>
-            <a:pPr marL="0" lvl="0" indent="0">
+            <a:pPr lvl="0" indent="0" marL="0">
               <a:buNone/>
             </a:pPr>
-            <a:endParaRPr/>
-          </a:p>
-          <a:p>
-            <a:pPr marL="342900" lvl="0" indent="-342900">
+          </a:p>
+          <a:p>
+            <a:pPr lvl="0" indent="-342900" marL="342900">
               <a:buAutoNum type="arabicParenBoth"/>
             </a:pPr>
             <a:r>
+              <a:rPr/>
               <a:t>the outward electron transport followed by their pitch angle scattering at the regions of high magnetic field curvature and loss into the atmosphere and</a:t>
             </a:r>
           </a:p>
           <a:p>
-            <a:pPr marL="0" lvl="0" indent="0">
+            <a:pPr lvl="0" indent="0" marL="0">
               <a:buNone/>
             </a:pPr>
-            <a:endParaRPr/>
-          </a:p>
-          <a:p>
-            <a:pPr marL="342900" lvl="0" indent="-342900">
+          </a:p>
+          <a:p>
+            <a:pPr lvl="0" indent="-342900" marL="342900">
               <a:buAutoNum type="arabicParenBoth"/>
             </a:pPr>
             <a:r>
+              <a:rPr/>
               <a:t>the inward radial transport causing an increase in particle pitch angle which places them into the magnetopause drift loss cone leading to their escape through the magnetopause on the time scales less than one drift period.</a:t>
             </a:r>
           </a:p>
           <a:p>
-            <a:pPr marL="0" lvl="0" indent="0">
+            <a:pPr lvl="0" indent="0" marL="0">
               <a:buNone/>
             </a:pPr>
-            <a:endParaRPr/>
-          </a:p>
-          <a:p>
-            <a:pPr marL="342900" lvl="0" indent="-342900">
+          </a:p>
+          <a:p>
+            <a:pPr lvl="0" indent="-342900" marL="342900">
               <a:buAutoNum type="alphaLcParenBoth"/>
             </a:pPr>
             <a:r>
+              <a:rPr/>
               <a:t>Total number of particles in the system normalized to the number of particles at the simulation start (blue line); normalized loss rates (red line). (b) Relative contributions of the magnetopause escape and current sheet scattering to the losses at different locations in the bifurcating region after 50 drift periods. (c) Loss time scales (measured in number of drift orbits) at different locations in the region and different initial values of the second invariant. Losses affect the regions adjacent to the tailward and drift loss cone boundaries. Particles from the bulk of the bifurcation regions stay quasi-trapped, meandering back and forth across the region along their transport characteristics.</a:t>
             </a:r>
           </a:p>
           <a:p>
-            <a:pPr marL="0" lvl="0" indent="0">
+            <a:pPr lvl="0" indent="0" marL="0">
               <a:buNone/>
             </a:pPr>
-            <a:endParaRPr/>
-          </a:p>
-          <a:p>
-            <a:pPr marL="0" lvl="0" indent="0">
+          </a:p>
+          <a:p>
+            <a:pPr lvl="0" indent="0" marL="0">
               <a:buNone/>
             </a:pPr>
             <a:r>
+              <a:rPr/>
               <a:t>It follows from Figure 8a that most of the losses take place within the first several drift periods which points to their association with large ballistic jumps and escape either through the tailward or the drift loss cone boundary. After ∼50 drift periods the system reaches a steady state when only &lt;1% of particles are lost over each subsequent drift period. From the entire bifurcating region 20% of particles are lost after 100 drift orbits.</a:t>
             </a:r>
           </a:p>
@@ -1026,9 +916,6 @@
       </p:sp>
     </p:spTree>
   </p:cSld>
-  <p:clrMapOvr>
-    <a:masterClrMapping/>
-  </p:clrMapOvr>
 </p:notes>
 </file>
 
@@ -1076,24 +963,25 @@
           <a:bodyPr/>
           <a:lstStyle/>
           <a:p>
-            <a:pPr marL="0" lvl="0" indent="0">
+            <a:pPr lvl="0" indent="0" marL="0">
               <a:buNone/>
             </a:pPr>
             <a:r>
+              <a:rPr/>
               <a:t>To attain additional acceleration without breaking the first adiabatic invariant, the electron must be transported back outward from point 2 to point 1 along a different path in the phase space without loosing all of its acquired energy and then be radially transported again inward from point 1 to point 2 along the original path.</a:t>
             </a:r>
           </a:p>
           <a:p>
-            <a:pPr marL="0" lvl="0" indent="0">
+            <a:pPr lvl="0" indent="0" marL="0">
               <a:buNone/>
             </a:pPr>
-            <a:endParaRPr/>
-          </a:p>
-          <a:p>
-            <a:pPr marL="0" lvl="0" indent="0">
+          </a:p>
+          <a:p>
+            <a:pPr lvl="0" indent="0" marL="0">
               <a:buNone/>
             </a:pPr>
             <a:r>
+              <a:rPr/>
               <a:t>Pitch angle recirculation due to drift orbit bifurcations can greatly amplify the efficiency of electron energization by radial diffusion. Here snapshots of transport and energization of an ensemble of 5 · 105 1 MeV particles initially at LM0 = 6.6 and I0 = 0.07 (aeq = 80°) due to simultaneous action of radial diffusion and drift orbit bifurcations are shown. Particle energy is indicated with color. (a) Three, (b) 10, and (c) 100 drift periods. The lower left corner corresponds to the inward boundary and maximum energization attained by radial diffusion alone (1.3 MeV), while the upper left corner is populated because of combination of diffusion and recirculation resulting in increased energization of ∼2.5 MeV.</a:t>
             </a:r>
           </a:p>
@@ -1124,9 +1012,6 @@
       </p:sp>
     </p:spTree>
   </p:cSld>
-  <p:clrMapOvr>
-    <a:masterClrMapping/>
-  </p:clrMapOvr>
 </p:notes>
 </file>
 
@@ -1309,7 +1194,7 @@
           <a:p>
             <a:fld id="{241EB5C9-1307-BA42-ABA2-0BC069CD8E7F}" type="datetimeFigureOut">
               <a:rPr lang="en-US" smtClean="0"/>
-              <a:t>1/15/25</a:t>
+              <a:t>1/2/22</a:t>
             </a:fld>
             <a:endParaRPr lang="en-US"/>
           </a:p>
@@ -1477,7 +1362,7 @@
           <a:p>
             <a:fld id="{241EB5C9-1307-BA42-ABA2-0BC069CD8E7F}" type="datetimeFigureOut">
               <a:rPr lang="en-US" smtClean="0"/>
-              <a:t>1/15/25</a:t>
+              <a:t>1/2/22</a:t>
             </a:fld>
             <a:endParaRPr lang="en-US"/>
           </a:p>
@@ -1655,7 +1540,7 @@
           <a:p>
             <a:fld id="{241EB5C9-1307-BA42-ABA2-0BC069CD8E7F}" type="datetimeFigureOut">
               <a:rPr lang="en-US" smtClean="0"/>
-              <a:t>1/15/25</a:t>
+              <a:t>1/2/22</a:t>
             </a:fld>
             <a:endParaRPr lang="en-US"/>
           </a:p>
@@ -1823,7 +1708,7 @@
           <a:p>
             <a:fld id="{241EB5C9-1307-BA42-ABA2-0BC069CD8E7F}" type="datetimeFigureOut">
               <a:rPr lang="en-US" smtClean="0"/>
-              <a:t>1/15/25</a:t>
+              <a:t>1/2/22</a:t>
             </a:fld>
             <a:endParaRPr lang="en-US"/>
           </a:p>
@@ -2068,7 +1953,7 @@
           <a:p>
             <a:fld id="{241EB5C9-1307-BA42-ABA2-0BC069CD8E7F}" type="datetimeFigureOut">
               <a:rPr lang="en-US" smtClean="0"/>
-              <a:t>1/15/25</a:t>
+              <a:t>1/2/22</a:t>
             </a:fld>
             <a:endParaRPr lang="en-US"/>
           </a:p>
@@ -2353,7 +2238,7 @@
           <a:p>
             <a:fld id="{241EB5C9-1307-BA42-ABA2-0BC069CD8E7F}" type="datetimeFigureOut">
               <a:rPr lang="en-US" smtClean="0"/>
-              <a:t>1/15/25</a:t>
+              <a:t>1/2/22</a:t>
             </a:fld>
             <a:endParaRPr lang="en-US"/>
           </a:p>
@@ -2772,7 +2657,7 @@
           <a:p>
             <a:fld id="{241EB5C9-1307-BA42-ABA2-0BC069CD8E7F}" type="datetimeFigureOut">
               <a:rPr lang="en-US" smtClean="0"/>
-              <a:t>1/15/25</a:t>
+              <a:t>1/2/22</a:t>
             </a:fld>
             <a:endParaRPr lang="en-US"/>
           </a:p>
@@ -2889,7 +2774,7 @@
           <a:p>
             <a:fld id="{241EB5C9-1307-BA42-ABA2-0BC069CD8E7F}" type="datetimeFigureOut">
               <a:rPr lang="en-US" smtClean="0"/>
-              <a:t>1/15/25</a:t>
+              <a:t>1/2/22</a:t>
             </a:fld>
             <a:endParaRPr lang="en-US"/>
           </a:p>
@@ -2984,7 +2869,7 @@
           <a:p>
             <a:fld id="{241EB5C9-1307-BA42-ABA2-0BC069CD8E7F}" type="datetimeFigureOut">
               <a:rPr lang="en-US" smtClean="0"/>
-              <a:t>1/15/25</a:t>
+              <a:t>1/2/22</a:t>
             </a:fld>
             <a:endParaRPr lang="en-US"/>
           </a:p>
@@ -3259,7 +3144,7 @@
           <a:p>
             <a:fld id="{241EB5C9-1307-BA42-ABA2-0BC069CD8E7F}" type="datetimeFigureOut">
               <a:rPr lang="en-US" smtClean="0"/>
-              <a:t>1/15/25</a:t>
+              <a:t>1/2/22</a:t>
             </a:fld>
             <a:endParaRPr lang="en-US"/>
           </a:p>
@@ -3511,7 +3396,7 @@
           <a:p>
             <a:fld id="{241EB5C9-1307-BA42-ABA2-0BC069CD8E7F}" type="datetimeFigureOut">
               <a:rPr lang="en-US" smtClean="0"/>
-              <a:t>1/15/25</a:t>
+              <a:t>1/2/22</a:t>
             </a:fld>
             <a:endParaRPr lang="en-US"/>
           </a:p>
@@ -3573,7 +3458,7 @@
 </file>
 
 <file path=ppt/slideMasters/slideMaster1.xml><?xml version="1.0" encoding="utf-8"?>
-<p:sldMaster xmlns:a="http://schemas.openxmlformats.org/drawingml/2006/main" xmlns:r="http://schemas.openxmlformats.org/officeDocument/2006/relationships" xmlns:p="http://schemas.openxmlformats.org/presentationml/2006/main">
+<p:sldMaster xmlns:a="http://schemas.openxmlformats.org/drawingml/2006/main" xmlns:p="http://schemas.openxmlformats.org/presentationml/2006/main" xmlns:r="http://schemas.openxmlformats.org/officeDocument/2006/relationships">
   <p:cSld>
     <p:bg>
       <p:bgRef idx="1001">
@@ -3614,7 +3499,7 @@
           </a:prstGeom>
         </p:spPr>
         <p:txBody>
-          <a:bodyPr vert="horz" lIns="91440" tIns="45720" rIns="91440" bIns="45720" rtlCol="0" anchor="ctr">
+          <a:bodyPr anchor="ctr" bIns="45720" lIns="91440" rIns="91440" rtlCol="0" tIns="45720" vert="horz">
             <a:normAutofit/>
           </a:bodyPr>
           <a:lstStyle/>
@@ -3633,7 +3518,7 @@
             <a:spLocks noGrp="1"/>
           </p:cNvSpPr>
           <p:nvPr>
-            <p:ph type="body" idx="1"/>
+            <p:ph idx="1" type="body"/>
           </p:nvPr>
         </p:nvSpPr>
         <p:spPr>
@@ -3646,7 +3531,7 @@
           </a:prstGeom>
         </p:spPr>
         <p:txBody>
-          <a:bodyPr vert="horz" lIns="91440" tIns="45720" rIns="91440" bIns="45720" rtlCol="0">
+          <a:bodyPr bIns="45720" lIns="91440" rIns="91440" rtlCol="0" tIns="45720" vert="horz">
             <a:normAutofit/>
           </a:bodyPr>
           <a:lstStyle/>
@@ -3694,7 +3579,7 @@
             <a:spLocks noGrp="1"/>
           </p:cNvSpPr>
           <p:nvPr>
-            <p:ph type="dt" sz="half" idx="2"/>
+            <p:ph idx="2" sz="half" type="dt"/>
           </p:nvPr>
         </p:nvSpPr>
         <p:spPr>
@@ -3707,7 +3592,7 @@
           </a:prstGeom>
         </p:spPr>
         <p:txBody>
-          <a:bodyPr vert="horz" lIns="91440" tIns="45720" rIns="91440" bIns="45720" rtlCol="0" anchor="ctr"/>
+          <a:bodyPr anchor="ctr" bIns="45720" lIns="91440" rIns="91440" rtlCol="0" tIns="45720" vert="horz"/>
           <a:lstStyle>
             <a:lvl1pPr algn="l">
               <a:defRPr sz="900">
@@ -3722,7 +3607,7 @@
           <a:p>
             <a:fld id="{241EB5C9-1307-BA42-ABA2-0BC069CD8E7F}" type="datetimeFigureOut">
               <a:rPr lang="en-US" smtClean="0"/>
-              <a:t>1/15/25</a:t>
+              <a:t>1/2/22</a:t>
             </a:fld>
             <a:endParaRPr lang="en-US"/>
           </a:p>
@@ -3735,7 +3620,7 @@
             <a:spLocks noGrp="1"/>
           </p:cNvSpPr>
           <p:nvPr>
-            <p:ph type="ftr" sz="quarter" idx="3"/>
+            <p:ph idx="3" sz="quarter" type="ftr"/>
           </p:nvPr>
         </p:nvSpPr>
         <p:spPr>
@@ -3748,7 +3633,7 @@
           </a:prstGeom>
         </p:spPr>
         <p:txBody>
-          <a:bodyPr vert="horz" lIns="91440" tIns="45720" rIns="91440" bIns="45720" rtlCol="0" anchor="ctr"/>
+          <a:bodyPr anchor="ctr" bIns="45720" lIns="91440" rIns="91440" rtlCol="0" tIns="45720" vert="horz"/>
           <a:lstStyle>
             <a:lvl1pPr algn="ctr">
               <a:defRPr sz="900">
@@ -3772,7 +3657,7 @@
             <a:spLocks noGrp="1"/>
           </p:cNvSpPr>
           <p:nvPr>
-            <p:ph type="sldNum" sz="quarter" idx="4"/>
+            <p:ph idx="4" sz="quarter" type="sldNum"/>
           </p:nvPr>
         </p:nvSpPr>
         <p:spPr>
@@ -3785,7 +3670,7 @@
           </a:prstGeom>
         </p:spPr>
         <p:txBody>
-          <a:bodyPr vert="horz" lIns="91440" tIns="45720" rIns="91440" bIns="45720" rtlCol="0" anchor="ctr"/>
+          <a:bodyPr anchor="ctr" bIns="45720" lIns="91440" rIns="91440" rtlCol="0" tIns="45720" vert="horz"/>
           <a:lstStyle>
             <a:lvl1pPr algn="r">
               <a:defRPr sz="900">
@@ -3813,7 +3698,7 @@
       </p:ext>
     </p:extLst>
   </p:cSld>
-  <p:clrMap bg1="lt1" tx1="dk1" bg2="lt2" tx2="dk2" accent1="accent1" accent2="accent2" accent3="accent3" accent4="accent4" accent5="accent5" accent6="accent6" hlink="hlink" folHlink="folHlink"/>
+  <p:clrMap accent1="accent1" accent2="accent2" accent3="accent3" accent4="accent4" accent5="accent5" accent6="accent6" bg1="lt1" bg2="lt2" folHlink="folHlink" hlink="hlink" tx1="dk1" tx2="dk2"/>
   <p:sldLayoutIdLst>
     <p:sldLayoutId id="2147483649" r:id="rId1"/>
     <p:sldLayoutId id="2147483650" r:id="rId2"/>
@@ -3829,12 +3714,12 @@
   </p:sldLayoutIdLst>
   <p:txStyles>
     <p:titleStyle>
-      <a:lvl1pPr algn="ctr" defTabSz="342900" rtl="0" eaLnBrk="1" latinLnBrk="0" hangingPunct="1">
+      <a:lvl1pPr algn="ctr" defTabSz="342900" eaLnBrk="1" hangingPunct="1" latinLnBrk="0" rtl="0">
         <a:spcBef>
           <a:spcPct val="0"/>
         </a:spcBef>
         <a:buNone/>
-        <a:defRPr sz="3300" kern="1200">
+        <a:defRPr kern="1200" sz="3300">
           <a:solidFill>
             <a:schemeClr val="tx1"/>
           </a:solidFill>
@@ -3845,13 +3730,13 @@
       </a:lvl1pPr>
     </p:titleStyle>
     <p:bodyStyle>
-      <a:lvl1pPr marL="342900" indent="-342900" algn="l" defTabSz="342900" rtl="0" eaLnBrk="1" latinLnBrk="0" hangingPunct="1">
+      <a:lvl1pPr algn="l" defTabSz="342900" eaLnBrk="1" hangingPunct="1" indent="-342900" latinLnBrk="0" marL="342900" rtl="0">
         <a:spcBef>
           <a:spcPct val="20000"/>
         </a:spcBef>
         <a:buFont typeface="Arial"/>
         <a:buChar char="•"/>
-        <a:defRPr sz="2400" kern="1200">
+        <a:defRPr kern="1200" sz="2400">
           <a:solidFill>
             <a:schemeClr val="tx1"/>
           </a:solidFill>
@@ -3860,13 +3745,13 @@
           <a:cs typeface="+mn-cs"/>
         </a:defRPr>
       </a:lvl1pPr>
-      <a:lvl2pPr marL="685800" indent="-342900" algn="l" defTabSz="342900" rtl="0" eaLnBrk="1" latinLnBrk="0" hangingPunct="1">
+      <a:lvl2pPr algn="l" defTabSz="342900" eaLnBrk="1" hangingPunct="1" indent="-342900" latinLnBrk="0" marL="685800" rtl="0">
         <a:spcBef>
           <a:spcPct val="20000"/>
         </a:spcBef>
         <a:buFont typeface="Arial"/>
         <a:buChar char="–"/>
-        <a:defRPr sz="2100" kern="1200">
+        <a:defRPr kern="1200" sz="2100">
           <a:solidFill>
             <a:schemeClr val="tx1"/>
           </a:solidFill>
@@ -3875,13 +3760,13 @@
           <a:cs typeface="+mn-cs"/>
         </a:defRPr>
       </a:lvl2pPr>
-      <a:lvl3pPr marL="1028700" indent="-342900" algn="l" defTabSz="342900" rtl="0" eaLnBrk="1" latinLnBrk="0" hangingPunct="1">
+      <a:lvl3pPr algn="l" defTabSz="342900" eaLnBrk="1" hangingPunct="1" indent="-342900" latinLnBrk="0" marL="1028700" rtl="0">
         <a:spcBef>
           <a:spcPct val="20000"/>
         </a:spcBef>
         <a:buFont typeface="Arial"/>
         <a:buChar char="•"/>
-        <a:defRPr sz="1800" kern="1200">
+        <a:defRPr kern="1200" sz="1800">
           <a:solidFill>
             <a:schemeClr val="tx1"/>
           </a:solidFill>
@@ -3890,13 +3775,13 @@
           <a:cs typeface="+mn-cs"/>
         </a:defRPr>
       </a:lvl3pPr>
-      <a:lvl4pPr marL="1371600" indent="-342900" algn="l" defTabSz="342900" rtl="0" eaLnBrk="1" latinLnBrk="0" hangingPunct="1">
+      <a:lvl4pPr algn="l" defTabSz="342900" eaLnBrk="1" hangingPunct="1" indent="-342900" latinLnBrk="0" marL="1371600" rtl="0">
         <a:spcBef>
           <a:spcPct val="20000"/>
         </a:spcBef>
         <a:buFont typeface="Arial"/>
         <a:buChar char="–"/>
-        <a:defRPr sz="1500" kern="1200">
+        <a:defRPr kern="1200" sz="1500">
           <a:solidFill>
             <a:schemeClr val="tx1"/>
           </a:solidFill>
@@ -3905,13 +3790,13 @@
           <a:cs typeface="+mn-cs"/>
         </a:defRPr>
       </a:lvl4pPr>
-      <a:lvl5pPr marL="1714500" indent="-342900" algn="l" defTabSz="342900" rtl="0" eaLnBrk="1" latinLnBrk="0" hangingPunct="1">
+      <a:lvl5pPr algn="l" defTabSz="342900" eaLnBrk="1" hangingPunct="1" indent="-342900" latinLnBrk="0" marL="1714500" rtl="0">
         <a:spcBef>
           <a:spcPct val="20000"/>
         </a:spcBef>
         <a:buFont typeface="Arial"/>
         <a:buChar char="»"/>
-        <a:defRPr sz="1500" kern="1200">
+        <a:defRPr kern="1200" sz="1500">
           <a:solidFill>
             <a:schemeClr val="tx1"/>
           </a:solidFill>
@@ -3920,13 +3805,13 @@
           <a:cs typeface="+mn-cs"/>
         </a:defRPr>
       </a:lvl5pPr>
-      <a:lvl6pPr marL="2057400" indent="-342900" algn="l" defTabSz="342900" rtl="0" eaLnBrk="1" latinLnBrk="0" hangingPunct="1">
+      <a:lvl6pPr algn="l" defTabSz="342900" eaLnBrk="1" hangingPunct="1" indent="-342900" latinLnBrk="0" marL="2057400" rtl="0">
         <a:spcBef>
           <a:spcPct val="20000"/>
         </a:spcBef>
         <a:buFont typeface="Arial"/>
         <a:buChar char="•"/>
-        <a:defRPr sz="1500" kern="1200">
+        <a:defRPr kern="1200" sz="1500">
           <a:solidFill>
             <a:schemeClr val="tx1"/>
           </a:solidFill>
@@ -3935,13 +3820,13 @@
           <a:cs typeface="+mn-cs"/>
         </a:defRPr>
       </a:lvl6pPr>
-      <a:lvl7pPr marL="2400300" indent="-342900" algn="l" defTabSz="342900" rtl="0" eaLnBrk="1" latinLnBrk="0" hangingPunct="1">
+      <a:lvl7pPr algn="l" defTabSz="342900" eaLnBrk="1" hangingPunct="1" indent="-342900" latinLnBrk="0" marL="2400300" rtl="0">
         <a:spcBef>
           <a:spcPct val="20000"/>
         </a:spcBef>
         <a:buFont typeface="Arial"/>
         <a:buChar char="•"/>
-        <a:defRPr sz="1500" kern="1200">
+        <a:defRPr kern="1200" sz="1500">
           <a:solidFill>
             <a:schemeClr val="tx1"/>
           </a:solidFill>
@@ -3950,13 +3835,13 @@
           <a:cs typeface="+mn-cs"/>
         </a:defRPr>
       </a:lvl7pPr>
-      <a:lvl8pPr marL="2743200" indent="-342900" algn="l" defTabSz="342900" rtl="0" eaLnBrk="1" latinLnBrk="0" hangingPunct="1">
+      <a:lvl8pPr algn="l" defTabSz="342900" eaLnBrk="1" hangingPunct="1" indent="-342900" latinLnBrk="0" marL="2743200" rtl="0">
         <a:spcBef>
           <a:spcPct val="20000"/>
         </a:spcBef>
         <a:buFont typeface="Arial"/>
         <a:buChar char="•"/>
-        <a:defRPr sz="1500" kern="1200">
+        <a:defRPr kern="1200" sz="1500">
           <a:solidFill>
             <a:schemeClr val="tx1"/>
           </a:solidFill>
@@ -3965,13 +3850,13 @@
           <a:cs typeface="+mn-cs"/>
         </a:defRPr>
       </a:lvl8pPr>
-      <a:lvl9pPr marL="3086100" indent="-342900" algn="l" defTabSz="342900" rtl="0" eaLnBrk="1" latinLnBrk="0" hangingPunct="1">
+      <a:lvl9pPr algn="l" defTabSz="342900" eaLnBrk="1" hangingPunct="1" indent="-342900" latinLnBrk="0" marL="3086100" rtl="0">
         <a:spcBef>
           <a:spcPct val="20000"/>
         </a:spcBef>
         <a:buFont typeface="Arial"/>
         <a:buChar char="•"/>
-        <a:defRPr sz="1500" kern="1200">
+        <a:defRPr kern="1200" sz="1500">
           <a:solidFill>
             <a:schemeClr val="tx1"/>
           </a:solidFill>
@@ -3985,8 +3870,8 @@
       <a:defPPr>
         <a:defRPr lang="en-US"/>
       </a:defPPr>
-      <a:lvl1pPr marL="0" algn="l" defTabSz="342900" rtl="0" eaLnBrk="1" latinLnBrk="0" hangingPunct="1">
-        <a:defRPr sz="1350" kern="1200">
+      <a:lvl1pPr algn="l" defTabSz="342900" eaLnBrk="1" hangingPunct="1" latinLnBrk="0" marL="0" rtl="0">
+        <a:defRPr kern="1200" sz="1350">
           <a:solidFill>
             <a:schemeClr val="tx1"/>
           </a:solidFill>
@@ -3995,8 +3880,8 @@
           <a:cs typeface="+mn-cs"/>
         </a:defRPr>
       </a:lvl1pPr>
-      <a:lvl2pPr marL="342900" algn="l" defTabSz="342900" rtl="0" eaLnBrk="1" latinLnBrk="0" hangingPunct="1">
-        <a:defRPr sz="1350" kern="1200">
+      <a:lvl2pPr algn="l" defTabSz="342900" eaLnBrk="1" hangingPunct="1" latinLnBrk="0" marL="342900" rtl="0">
+        <a:defRPr kern="1200" sz="1350">
           <a:solidFill>
             <a:schemeClr val="tx1"/>
           </a:solidFill>
@@ -4005,8 +3890,8 @@
           <a:cs typeface="+mn-cs"/>
         </a:defRPr>
       </a:lvl2pPr>
-      <a:lvl3pPr marL="685800" algn="l" defTabSz="342900" rtl="0" eaLnBrk="1" latinLnBrk="0" hangingPunct="1">
-        <a:defRPr sz="1350" kern="1200">
+      <a:lvl3pPr algn="l" defTabSz="342900" eaLnBrk="1" hangingPunct="1" latinLnBrk="0" marL="685800" rtl="0">
+        <a:defRPr kern="1200" sz="1350">
           <a:solidFill>
             <a:schemeClr val="tx1"/>
           </a:solidFill>
@@ -4015,8 +3900,8 @@
           <a:cs typeface="+mn-cs"/>
         </a:defRPr>
       </a:lvl3pPr>
-      <a:lvl4pPr marL="1028700" algn="l" defTabSz="342900" rtl="0" eaLnBrk="1" latinLnBrk="0" hangingPunct="1">
-        <a:defRPr sz="1350" kern="1200">
+      <a:lvl4pPr algn="l" defTabSz="342900" eaLnBrk="1" hangingPunct="1" latinLnBrk="0" marL="1028700" rtl="0">
+        <a:defRPr kern="1200" sz="1350">
           <a:solidFill>
             <a:schemeClr val="tx1"/>
           </a:solidFill>
@@ -4025,8 +3910,8 @@
           <a:cs typeface="+mn-cs"/>
         </a:defRPr>
       </a:lvl4pPr>
-      <a:lvl5pPr marL="1371600" algn="l" defTabSz="342900" rtl="0" eaLnBrk="1" latinLnBrk="0" hangingPunct="1">
-        <a:defRPr sz="1350" kern="1200">
+      <a:lvl5pPr algn="l" defTabSz="342900" eaLnBrk="1" hangingPunct="1" latinLnBrk="0" marL="1371600" rtl="0">
+        <a:defRPr kern="1200" sz="1350">
           <a:solidFill>
             <a:schemeClr val="tx1"/>
           </a:solidFill>
@@ -4035,8 +3920,8 @@
           <a:cs typeface="+mn-cs"/>
         </a:defRPr>
       </a:lvl5pPr>
-      <a:lvl6pPr marL="1714500" algn="l" defTabSz="342900" rtl="0" eaLnBrk="1" latinLnBrk="0" hangingPunct="1">
-        <a:defRPr sz="1350" kern="1200">
+      <a:lvl6pPr algn="l" defTabSz="342900" eaLnBrk="1" hangingPunct="1" latinLnBrk="0" marL="1714500" rtl="0">
+        <a:defRPr kern="1200" sz="1350">
           <a:solidFill>
             <a:schemeClr val="tx1"/>
           </a:solidFill>
@@ -4045,8 +3930,8 @@
           <a:cs typeface="+mn-cs"/>
         </a:defRPr>
       </a:lvl6pPr>
-      <a:lvl7pPr marL="2057400" algn="l" defTabSz="342900" rtl="0" eaLnBrk="1" latinLnBrk="0" hangingPunct="1">
-        <a:defRPr sz="1350" kern="1200">
+      <a:lvl7pPr algn="l" defTabSz="342900" eaLnBrk="1" hangingPunct="1" latinLnBrk="0" marL="2057400" rtl="0">
+        <a:defRPr kern="1200" sz="1350">
           <a:solidFill>
             <a:schemeClr val="tx1"/>
           </a:solidFill>
@@ -4055,8 +3940,8 @@
           <a:cs typeface="+mn-cs"/>
         </a:defRPr>
       </a:lvl7pPr>
-      <a:lvl8pPr marL="2400300" algn="l" defTabSz="342900" rtl="0" eaLnBrk="1" latinLnBrk="0" hangingPunct="1">
-        <a:defRPr sz="1350" kern="1200">
+      <a:lvl8pPr algn="l" defTabSz="342900" eaLnBrk="1" hangingPunct="1" latinLnBrk="0" marL="2400300" rtl="0">
+        <a:defRPr kern="1200" sz="1350">
           <a:solidFill>
             <a:schemeClr val="tx1"/>
           </a:solidFill>
@@ -4065,8 +3950,8 @@
           <a:cs typeface="+mn-cs"/>
         </a:defRPr>
       </a:lvl8pPr>
-      <a:lvl9pPr marL="2743200" algn="l" defTabSz="342900" rtl="0" eaLnBrk="1" latinLnBrk="0" hangingPunct="1">
-        <a:defRPr sz="1350" kern="1200">
+      <a:lvl9pPr algn="l" defTabSz="342900" eaLnBrk="1" hangingPunct="1" latinLnBrk="0" marL="2743200" rtl="0">
+        <a:defRPr kern="1200" sz="1350">
           <a:solidFill>
             <a:schemeClr val="tx1"/>
           </a:solidFill>
@@ -4117,10 +4002,11 @@
           <a:bodyPr/>
           <a:lstStyle/>
           <a:p>
-            <a:pPr marL="0" lvl="0" indent="0">
+            <a:pPr lvl="0" indent="0" marL="0">
               <a:buNone/>
             </a:pPr>
             <a:r>
+              <a:rPr/>
               <a:t>The role of drift orbit bifurcations in energization and loss</a:t>
             </a:r>
           </a:p>
@@ -4133,7 +4019,7 @@
             <a:spLocks noGrp="1"/>
           </p:cNvSpPr>
           <p:nvPr>
-            <p:ph type="subTitle" idx="1"/>
+            <p:ph idx="1" type="subTitle"/>
           </p:nvPr>
         </p:nvSpPr>
         <p:spPr>
@@ -4143,24 +4029,25 @@
           </a:xfrm>
         </p:spPr>
         <p:txBody>
-          <a:bodyPr>
-            <a:normAutofit fontScale="92500" lnSpcReduction="10000"/>
-          </a:bodyPr>
+          <a:bodyPr/>
           <a:lstStyle/>
           <a:p>
-            <a:pPr marL="0" lvl="0" indent="0">
+            <a:pPr lvl="0" indent="0" marL="0">
               <a:buNone/>
             </a:pPr>
             <a:r>
+              <a:rPr/>
               <a:t>of electrons in the outer radiation belt</a:t>
             </a:r>
             <a:br/>
             <a:br/>
             <a:r>
+              <a:rPr/>
               <a:t>A. Y. Ukhorskiy</a:t>
             </a:r>
             <a:br/>
             <a:r>
+              <a:rPr/>
               <a:t>M. I. Sitnov</a:t>
             </a:r>
           </a:p>
@@ -4173,7 +4060,7 @@
             <a:spLocks noGrp="1"/>
           </p:cNvSpPr>
           <p:nvPr>
-            <p:ph type="dt" sz="half" idx="10"/>
+            <p:ph idx="10" sz="half" type="dt"/>
           </p:nvPr>
         </p:nvSpPr>
         <p:spPr/>
@@ -4181,20 +4068,18 @@
           <a:bodyPr/>
           <a:lstStyle/>
           <a:p>
-            <a:pPr marL="0" lvl="0" indent="0">
+            <a:pPr lvl="0" indent="0" marL="0">
               <a:buNone/>
             </a:pPr>
             <a:r>
-              <a:t>2025-01-15</a:t>
+              <a:rPr/>
+              <a:t>2026-01-08</a:t>
             </a:r>
           </a:p>
         </p:txBody>
       </p:sp>
     </p:spTree>
   </p:cSld>
-  <p:clrMapOvr>
-    <a:masterClrMapping/>
-  </p:clrMapOvr>
 </p:sld>
 </file>
 
@@ -4225,21 +4110,16 @@
             <p:ph type="title"/>
           </p:nvPr>
         </p:nvSpPr>
-        <p:spPr>
-          <a:xfrm>
-            <a:off x="-860606" y="205979"/>
-            <a:ext cx="8229600" cy="857250"/>
-          </a:xfrm>
-        </p:spPr>
+        <p:spPr/>
         <p:txBody>
           <a:bodyPr/>
           <a:lstStyle/>
           <a:p>
-            <a:pPr marL="0" lvl="0" indent="0">
+            <a:pPr lvl="0" indent="0" marL="0">
               <a:buNone/>
             </a:pPr>
             <a:r>
-              <a:rPr dirty="0"/>
+              <a:rPr/>
               <a:t>Recirculation</a:t>
             </a:r>
           </a:p>
@@ -4247,7 +4127,7 @@
       </p:sp>
       <p:pic>
         <p:nvPicPr>
-          <p:cNvPr id="4" name="Picture 1" descr="images/jgra21351-fig-0009.png"/>
+          <p:cNvPr descr="images/jgra21351-fig-0009.png" id="0" name="Picture 1"/>
           <p:cNvPicPr>
             <a:picLocks noGrp="1" noChangeAspect="1"/>
           </p:cNvPicPr>
@@ -4277,7 +4157,7 @@
       </p:pic>
       <p:sp>
         <p:nvSpPr>
-          <p:cNvPr id="5" name="TextBox 3"/>
+          <p:cNvPr id="1" name="TextBox 3"/>
           <p:cNvSpPr txBox="1"/>
           <p:nvPr/>
         </p:nvSpPr>
@@ -4295,10 +4175,11 @@
           <a:bodyPr/>
           <a:lstStyle/>
           <a:p>
-            <a:pPr marL="0" lvl="0" indent="0" algn="ctr">
+            <a:pPr lvl="0" indent="0" marL="0" algn="ctr">
               <a:buNone/>
             </a:pPr>
             <a:r>
+              <a:rPr/>
               <a:t>The root-mean-square spread of an ensemble of particles due radial diffusion can be estimated from the definition of the radial diffusion coefficien</a:t>
             </a:r>
           </a:p>
@@ -4316,19 +4197,12 @@
                 <p:ph idx="1"/>
               </p:nvPr>
             </p:nvSpPr>
-            <p:spPr>
-              <a:xfrm>
-                <a:off x="3778623" y="280686"/>
-                <a:ext cx="6427694" cy="1892668"/>
-              </a:xfrm>
-            </p:spPr>
+            <p:spPr/>
             <p:txBody>
-              <a:bodyPr>
-                <a:normAutofit/>
-              </a:bodyPr>
+              <a:bodyPr/>
               <a:lstStyle/>
               <a:p>
-                <a:pPr marL="0" lvl="0" indent="0">
+                <a:pPr lvl="0" indent="0" marL="0">
                   <a:buNone/>
                 </a:pPr>
                 <a14:m>
@@ -4336,105 +4210,65 @@
                     <m:oMathParaPr>
                       <m:jc m:val="center"/>
                     </m:oMathParaPr>
-                    <m:oMath xmlns:m="http://schemas.openxmlformats.org/officeDocument/2006/math">
+                    <m:oMath>
                       <m:r>
-                        <a:rPr sz="1600">
-                          <a:latin typeface="Cambria Math" panose="02040503050406030204" pitchFamily="18" charset="0"/>
-                        </a:rPr>
-                        <m:t>𝛥</m:t>
+                        <m:t>Δ</m:t>
                       </m:r>
                       <m:sSup>
-                        <m:sSupPr>
-                          <m:ctrlPr>
-                            <a:rPr sz="1600" i="1">
-                              <a:latin typeface="Cambria Math" panose="02040503050406030204" pitchFamily="18" charset="0"/>
-                            </a:rPr>
-                          </m:ctrlPr>
-                        </m:sSupPr>
                         <m:e>
                           <m:r>
-                            <a:rPr sz="1600">
-                              <a:latin typeface="Cambria Math" panose="02040503050406030204" pitchFamily="18" charset="0"/>
-                            </a:rPr>
-                            <m:t>𝐿</m:t>
+                            <m:t>L</m:t>
                           </m:r>
                         </m:e>
                         <m:sup>
                           <m:r>
-                            <a:rPr sz="1600">
-                              <a:latin typeface="Cambria Math" panose="02040503050406030204" pitchFamily="18" charset="0"/>
-                            </a:rPr>
-                            <m:t>𝑟𝑚𝑠</m:t>
+                            <m:t>r</m:t>
+                          </m:r>
+                          <m:r>
+                            <m:t>m</m:t>
+                          </m:r>
+                          <m:r>
+                            <m:t>s</m:t>
                           </m:r>
                         </m:sup>
                       </m:sSup>
                       <m:d>
                         <m:dPr>
-                          <m:ctrlPr>
-                            <a:rPr sz="1600" i="1">
-                              <a:latin typeface="Cambria Math" panose="02040503050406030204" pitchFamily="18" charset="0"/>
-                            </a:rPr>
-                          </m:ctrlPr>
+                          <m:begChr m:val="("/>
+                          <m:sepChr m:val=""/>
+                          <m:endChr m:val=")"/>
+                          <m:grow/>
                         </m:dPr>
                         <m:e>
                           <m:sSub>
-                            <m:sSubPr>
-                              <m:ctrlPr>
-                                <a:rPr sz="1600" i="1">
-                                  <a:latin typeface="Cambria Math" panose="02040503050406030204" pitchFamily="18" charset="0"/>
-                                </a:rPr>
-                              </m:ctrlPr>
-                            </m:sSubPr>
                             <m:e>
                               <m:r>
-                                <a:rPr sz="1600">
-                                  <a:latin typeface="Cambria Math" panose="02040503050406030204" pitchFamily="18" charset="0"/>
-                                </a:rPr>
-                                <m:t>𝐼</m:t>
+                                <m:t>I</m:t>
                               </m:r>
                             </m:e>
                             <m:sub>
                               <m:r>
-                                <a:rPr sz="1600">
-                                  <a:latin typeface="Cambria Math" panose="02040503050406030204" pitchFamily="18" charset="0"/>
-                                </a:rPr>
                                 <m:t>0</m:t>
                               </m:r>
                             </m:sub>
                           </m:sSub>
                           <m:r>
-                            <a:rPr sz="1600">
-                              <a:latin typeface="Cambria Math" panose="02040503050406030204" pitchFamily="18" charset="0"/>
-                            </a:rPr>
+                            <m:rPr>
+                              <m:sty m:val="p"/>
+                            </m:rPr>
                             <m:t>,</m:t>
                           </m:r>
                           <m:sSub>
-                            <m:sSubPr>
-                              <m:ctrlPr>
-                                <a:rPr sz="1600" i="1">
-                                  <a:latin typeface="Cambria Math" panose="02040503050406030204" pitchFamily="18" charset="0"/>
-                                </a:rPr>
-                              </m:ctrlPr>
-                            </m:sSubPr>
                             <m:e>
                               <m:r>
-                                <a:rPr sz="1600">
-                                  <a:latin typeface="Cambria Math" panose="02040503050406030204" pitchFamily="18" charset="0"/>
-                                </a:rPr>
-                                <m:t>𝐿</m:t>
+                                <m:t>L</m:t>
                               </m:r>
                             </m:e>
                             <m:sub>
                               <m:r>
-                                <a:rPr sz="1600">
-                                  <a:latin typeface="Cambria Math" panose="02040503050406030204" pitchFamily="18" charset="0"/>
-                                </a:rPr>
-                                <m:t>𝑀</m:t>
+                                <m:t>M</m:t>
                               </m:r>
                               <m:r>
-                                <a:rPr sz="1600">
-                                  <a:latin typeface="Cambria Math" panose="02040503050406030204" pitchFamily="18" charset="0"/>
-                                </a:rPr>
                                 <m:t>0</m:t>
                               </m:r>
                             </m:sub>
@@ -4442,19 +4276,14 @@
                         </m:e>
                       </m:d>
                       <m:r>
-                        <a:rPr sz="1600">
-                          <a:latin typeface="Cambria Math" panose="02040503050406030204" pitchFamily="18" charset="0"/>
-                        </a:rPr>
+                        <m:rPr>
+                          <m:sty m:val="p"/>
+                        </m:rPr>
                         <m:t>=</m:t>
                       </m:r>
                       <m:rad>
                         <m:radPr>
                           <m:degHide m:val="on"/>
-                          <m:ctrlPr>
-                            <a:rPr sz="1600" i="1">
-                              <a:latin typeface="Cambria Math" panose="02040503050406030204" pitchFamily="18" charset="0"/>
-                            </a:rPr>
-                          </m:ctrlPr>
                         </m:radPr>
                         <m:deg/>
                         <m:e>
@@ -4462,153 +4291,96 @@
                             <m:naryPr>
                               <m:chr m:val="∑"/>
                               <m:limLoc m:val="undOvr"/>
-                              <m:ctrlPr>
-                                <a:rPr sz="1600" i="1">
-                                  <a:latin typeface="Cambria Math" panose="02040503050406030204" pitchFamily="18" charset="0"/>
-                                </a:rPr>
-                              </m:ctrlPr>
+                              <m:subHide m:val="off"/>
+                              <m:supHide m:val="on"/>
                             </m:naryPr>
                             <m:sub>
                               <m:r>
-                                <a:rPr sz="1600">
-                                  <a:latin typeface="Cambria Math" panose="02040503050406030204" pitchFamily="18" charset="0"/>
-                                </a:rPr>
-                                <m:t>𝑘</m:t>
+                                <m:t>k</m:t>
                               </m:r>
                             </m:sub>
                             <m:sup>
                               <m:r>
-                                <a:rPr sz="1600">
-                                  <a:latin typeface="Cambria Math" panose="02040503050406030204" pitchFamily="18" charset="0"/>
-                                </a:rPr>
                                 <m:t>​</m:t>
                               </m:r>
                             </m:sup>
                             <m:e>
                               <m:sSup>
-                                <m:sSupPr>
-                                  <m:ctrlPr>
-                                    <a:rPr sz="1600" i="1">
-                                      <a:latin typeface="Cambria Math" panose="02040503050406030204" pitchFamily="18" charset="0"/>
-                                    </a:rPr>
-                                  </m:ctrlPr>
-                                </m:sSupPr>
                                 <m:e>
                                   <m:d>
                                     <m:dPr>
-                                      <m:ctrlPr>
-                                        <a:rPr sz="1600" i="1">
-                                          <a:latin typeface="Cambria Math" panose="02040503050406030204" pitchFamily="18" charset="0"/>
-                                        </a:rPr>
-                                      </m:ctrlPr>
+                                      <m:begChr m:val="("/>
+                                      <m:sepChr m:val=""/>
+                                      <m:endChr m:val=")"/>
+                                      <m:grow/>
                                     </m:dPr>
                                     <m:e>
                                       <m:sSub>
-                                        <m:sSubPr>
-                                          <m:ctrlPr>
-                                            <a:rPr sz="1600" i="1">
-                                              <a:latin typeface="Cambria Math" panose="02040503050406030204" pitchFamily="18" charset="0"/>
-                                            </a:rPr>
-                                          </m:ctrlPr>
-                                        </m:sSubPr>
                                         <m:e>
                                           <m:r>
-                                            <a:rPr sz="1600">
-                                              <a:latin typeface="Cambria Math" panose="02040503050406030204" pitchFamily="18" charset="0"/>
-                                            </a:rPr>
-                                            <m:t>𝐿</m:t>
+                                            <m:t>L</m:t>
                                           </m:r>
                                         </m:e>
                                         <m:sub>
                                           <m:r>
-                                            <a:rPr sz="1600">
-                                              <a:latin typeface="Cambria Math" panose="02040503050406030204" pitchFamily="18" charset="0"/>
-                                            </a:rPr>
-                                            <m:t>𝑀𝑘</m:t>
+                                            <m:t>M</m:t>
+                                          </m:r>
+                                          <m:r>
+                                            <m:t>k</m:t>
                                           </m:r>
                                         </m:sub>
                                       </m:sSub>
                                       <m:d>
                                         <m:dPr>
-                                          <m:ctrlPr>
-                                            <a:rPr sz="1600" i="1">
-                                              <a:latin typeface="Cambria Math" panose="02040503050406030204" pitchFamily="18" charset="0"/>
-                                            </a:rPr>
-                                          </m:ctrlPr>
+                                          <m:begChr m:val="("/>
+                                          <m:sepChr m:val=""/>
+                                          <m:endChr m:val=")"/>
+                                          <m:grow/>
                                         </m:dPr>
                                         <m:e>
                                           <m:r>
-                                            <a:rPr sz="1600">
-                                              <a:latin typeface="Cambria Math" panose="02040503050406030204" pitchFamily="18" charset="0"/>
-                                            </a:rPr>
-                                            <m:t>𝑡</m:t>
+                                            <m:t>t</m:t>
                                           </m:r>
                                           <m:r>
-                                            <a:rPr sz="1600">
-                                              <a:latin typeface="Cambria Math" panose="02040503050406030204" pitchFamily="18" charset="0"/>
-                                            </a:rPr>
-                                            <m:t>=10</m:t>
+                                            <m:rPr>
+                                              <m:sty m:val="p"/>
+                                            </m:rPr>
+                                            <m:t>=</m:t>
+                                          </m:r>
+                                          <m:r>
+                                            <m:t>10</m:t>
                                           </m:r>
                                           <m:sSub>
-                                            <m:sSubPr>
-                                              <m:ctrlPr>
-                                                <a:rPr sz="1600" i="1">
-                                                  <a:latin typeface="Cambria Math" panose="02040503050406030204" pitchFamily="18" charset="0"/>
-                                                </a:rPr>
-                                              </m:ctrlPr>
-                                            </m:sSubPr>
                                             <m:e>
                                               <m:r>
-                                                <a:rPr sz="1600">
-                                                  <a:latin typeface="Cambria Math" panose="02040503050406030204" pitchFamily="18" charset="0"/>
-                                                </a:rPr>
-                                                <m:t>𝑇</m:t>
+                                                <m:t>T</m:t>
                                               </m:r>
                                             </m:e>
                                             <m:sub>
                                               <m:r>
-                                                <a:rPr sz="1600">
-                                                  <a:latin typeface="Cambria Math" panose="02040503050406030204" pitchFamily="18" charset="0"/>
-                                                </a:rPr>
-                                                <m:t>𝐷</m:t>
+                                                <m:t>D</m:t>
                                               </m:r>
                                             </m:sub>
                                           </m:sSub>
                                         </m:e>
                                       </m:d>
                                       <m:r>
-                                        <a:rPr sz="1600">
-                                          <a:latin typeface="Cambria Math" panose="02040503050406030204" pitchFamily="18" charset="0"/>
-                                        </a:rPr>
+                                        <m:rPr>
+                                          <m:sty m:val="p"/>
+                                        </m:rPr>
                                         <m:t>−</m:t>
                                       </m:r>
                                       <m:sSub>
-                                        <m:sSubPr>
-                                          <m:ctrlPr>
-                                            <a:rPr sz="1600" i="1">
-                                              <a:latin typeface="Cambria Math" panose="02040503050406030204" pitchFamily="18" charset="0"/>
-                                            </a:rPr>
-                                          </m:ctrlPr>
-                                        </m:sSubPr>
                                         <m:e>
                                           <m:r>
-                                            <a:rPr sz="1600">
-                                              <a:latin typeface="Cambria Math" panose="02040503050406030204" pitchFamily="18" charset="0"/>
-                                            </a:rPr>
-                                            <m:t>𝐿</m:t>
+                                            <m:t>L</m:t>
                                           </m:r>
                                         </m:e>
                                         <m:sub>
                                           <m:r>
-                                            <a:rPr sz="1600">
-                                              <a:latin typeface="Cambria Math" panose="02040503050406030204" pitchFamily="18" charset="0"/>
-                                            </a:rPr>
-                                            <m:t>𝑀</m:t>
+                                            <m:t>M</m:t>
                                           </m:r>
                                           <m:r>
-                                            <a:rPr sz="1600">
-                                              <a:latin typeface="Cambria Math" panose="02040503050406030204" pitchFamily="18" charset="0"/>
-                                            </a:rPr>
                                             <m:t>0</m:t>
                                           </m:r>
                                         </m:sub>
@@ -4618,9 +4390,6 @@
                                 </m:e>
                                 <m:sup>
                                   <m:r>
-                                    <a:rPr sz="1600">
-                                      <a:latin typeface="Cambria Math" panose="02040503050406030204" pitchFamily="18" charset="0"/>
-                                    </a:rPr>
                                     <m:t>2</m:t>
                                   </m:r>
                                 </m:sup>
@@ -4632,54 +4401,13 @@
                     </m:oMath>
                   </m:oMathPara>
                 </a14:m>
-                <a:endParaRPr sz="1600" dirty="0"/>
               </a:p>
             </p:txBody>
           </p:sp>
         </mc:Choice>
-        <mc:Fallback>
-          <p:sp>
-            <p:nvSpPr>
-              <p:cNvPr id="3" name="Content Placeholder 2"/>
-              <p:cNvSpPr>
-                <a:spLocks noGrp="1" noRot="1" noChangeAspect="1" noMove="1" noResize="1" noEditPoints="1" noAdjustHandles="1" noChangeArrowheads="1" noChangeShapeType="1" noTextEdit="1"/>
-              </p:cNvSpPr>
-              <p:nvPr>
-                <p:ph idx="1"/>
-              </p:nvPr>
-            </p:nvSpPr>
-            <p:spPr>
-              <a:xfrm>
-                <a:off x="3778623" y="280686"/>
-                <a:ext cx="6427694" cy="1892668"/>
-              </a:xfrm>
-              <a:blipFill>
-                <a:blip r:embed="rId3"/>
-                <a:stretch>
-                  <a:fillRect t="-40667" b="-5333"/>
-                </a:stretch>
-              </a:blipFill>
-            </p:spPr>
-            <p:txBody>
-              <a:bodyPr/>
-              <a:lstStyle/>
-              <a:p>
-                <a:r>
-                  <a:rPr lang="en-US">
-                    <a:noFill/>
-                  </a:rPr>
-                  <a:t> </a:t>
-                </a:r>
-              </a:p>
-            </p:txBody>
-          </p:sp>
-        </mc:Fallback>
       </mc:AlternateContent>
     </p:spTree>
   </p:cSld>
-  <p:clrMapOvr>
-    <a:masterClrMapping/>
-  </p:clrMapOvr>
 </p:sld>
 </file>
 
@@ -4710,21 +4438,16 @@
             <p:ph type="title"/>
           </p:nvPr>
         </p:nvSpPr>
-        <p:spPr>
-          <a:xfrm>
-            <a:off x="-2353228" y="205979"/>
-            <a:ext cx="8229600" cy="857250"/>
-          </a:xfrm>
-        </p:spPr>
+        <p:spPr/>
         <p:txBody>
           <a:bodyPr/>
           <a:lstStyle/>
           <a:p>
-            <a:pPr marL="0" lvl="0" indent="0">
+            <a:pPr lvl="0" indent="0" marL="0">
               <a:buNone/>
             </a:pPr>
             <a:r>
-              <a:rPr dirty="0"/>
+              <a:rPr/>
               <a:t>Energization</a:t>
             </a:r>
           </a:p>
@@ -4732,7 +4455,7 @@
       </p:sp>
       <p:pic>
         <p:nvPicPr>
-          <p:cNvPr id="4" name="Picture 1" descr="images/jgra21351-fig-0010.png"/>
+          <p:cNvPr descr="images/jgra21351-fig-0010.png" id="0" name="Picture 1"/>
           <p:cNvPicPr>
             <a:picLocks noGrp="1" noChangeAspect="1"/>
           </p:cNvPicPr>
@@ -4746,7 +4469,7 @@
         </p:blipFill>
         <p:spPr bwMode="auto">
           <a:xfrm>
-            <a:off x="482600" y="1637551"/>
+            <a:off x="482600" y="1193800"/>
             <a:ext cx="8178800" cy="2882900"/>
           </a:xfrm>
           <a:prstGeom prst="rect">
@@ -4762,13 +4485,13 @@
       </p:pic>
       <p:sp>
         <p:nvSpPr>
-          <p:cNvPr id="5" name="TextBox 3"/>
+          <p:cNvPr id="1" name="TextBox 3"/>
           <p:cNvSpPr txBox="1"/>
           <p:nvPr/>
         </p:nvSpPr>
         <p:spPr>
           <a:xfrm>
-            <a:off x="457200" y="4520451"/>
+            <a:off x="457200" y="4076700"/>
             <a:ext cx="8229600" cy="508000"/>
           </a:xfrm>
           <a:prstGeom prst="rect">
@@ -4780,11 +4503,11 @@
           <a:bodyPr/>
           <a:lstStyle/>
           <a:p>
-            <a:pPr marL="0" lvl="0" indent="0" algn="ctr">
+            <a:pPr lvl="0" indent="0" marL="0" algn="ctr">
               <a:buNone/>
             </a:pPr>
             <a:r>
-              <a:rPr dirty="0"/>
+              <a:rPr/>
               <a:t>Pitch angle recirculation due to drift orbit bifurcations can greatly amplify the efficiency of electron energization by radial diffusion.</a:t>
             </a:r>
           </a:p>
@@ -4802,19 +4525,12 @@
                 <p:ph idx="1"/>
               </p:nvPr>
             </p:nvSpPr>
-            <p:spPr>
-              <a:xfrm>
-                <a:off x="2070847" y="0"/>
-                <a:ext cx="8229600" cy="3394472"/>
-              </a:xfrm>
-            </p:spPr>
+            <p:spPr/>
             <p:txBody>
-              <a:bodyPr>
-                <a:normAutofit/>
-              </a:bodyPr>
+              <a:bodyPr/>
               <a:lstStyle/>
               <a:p>
-                <a:pPr marL="0" lvl="0" indent="0">
+                <a:pPr lvl="0" indent="0" marL="0">
                   <a:buNone/>
                 </a:pPr>
                 <a14:m>
@@ -4822,210 +4538,137 @@
                     <m:oMathParaPr>
                       <m:jc m:val="center"/>
                     </m:oMathParaPr>
-                    <m:oMath xmlns:m="http://schemas.openxmlformats.org/officeDocument/2006/math">
+                    <m:oMath>
                       <m:d>
                         <m:dPr>
                           <m:begChr m:val="{"/>
+                          <m:sepChr m:val=""/>
                           <m:endChr m:val=""/>
-                          <m:ctrlPr>
-                            <a:rPr sz="1800">
-                              <a:latin typeface="Cambria Math" panose="02040503050406030204" pitchFamily="18" charset="0"/>
-                            </a:rPr>
-                          </m:ctrlPr>
+                          <m:grow/>
                         </m:dPr>
                         <m:e>
                           <m:m>
                             <m:mPr>
+                              <m:baseJc m:val="center"/>
                               <m:plcHide m:val="on"/>
                               <m:mcs>
                                 <m:mc>
                                   <m:mcPr>
+                                    <m:mcJc m:val="left"/>
                                     <m:count m:val="1"/>
-                                    <m:mcJc m:val="center"/>
                                   </m:mcPr>
                                 </m:mc>
                               </m:mcs>
-                              <m:ctrlPr>
-                                <a:rPr sz="1800">
-                                  <a:latin typeface="Cambria Math" panose="02040503050406030204" pitchFamily="18" charset="0"/>
-                                </a:rPr>
-                              </m:ctrlPr>
                             </m:mPr>
                             <m:mr>
                               <m:e>
                                 <m:sSub>
-                                  <m:sSubPr>
-                                    <m:ctrlPr>
-                                      <a:rPr sz="1800">
-                                        <a:latin typeface="Cambria Math" panose="02040503050406030204" pitchFamily="18" charset="0"/>
-                                      </a:rPr>
-                                    </m:ctrlPr>
-                                  </m:sSubPr>
                                   <m:e>
                                     <m:r>
-                                      <a:rPr sz="1800">
-                                        <a:latin typeface="Cambria Math" panose="02040503050406030204" pitchFamily="18" charset="0"/>
-                                      </a:rPr>
-                                      <m:t>𝐼</m:t>
+                                      <m:t>I</m:t>
                                     </m:r>
                                   </m:e>
                                   <m:sub>
                                     <m:r>
-                                      <a:rPr sz="1800">
-                                        <a:latin typeface="Cambria Math" panose="02040503050406030204" pitchFamily="18" charset="0"/>
-                                      </a:rPr>
-                                      <m:t>𝑘</m:t>
+                                      <m:t>k</m:t>
                                     </m:r>
                                     <m:r>
-                                      <a:rPr sz="1800">
-                                        <a:latin typeface="Cambria Math" panose="02040503050406030204" pitchFamily="18" charset="0"/>
-                                      </a:rPr>
-                                      <m:t>+1</m:t>
+                                      <m:rPr>
+                                        <m:sty m:val="p"/>
+                                      </m:rPr>
+                                      <m:t>+</m:t>
+                                    </m:r>
+                                    <m:r>
+                                      <m:t>1</m:t>
                                     </m:r>
                                   </m:sub>
                                 </m:sSub>
                                 <m:r>
-                                  <a:rPr sz="1800">
-                                    <a:latin typeface="Cambria Math" panose="02040503050406030204" pitchFamily="18" charset="0"/>
-                                  </a:rPr>
+                                  <m:rPr>
+                                    <m:sty m:val="p"/>
+                                  </m:rPr>
                                   <m:t>=</m:t>
                                 </m:r>
                                 <m:sSub>
-                                  <m:sSubPr>
-                                    <m:ctrlPr>
-                                      <a:rPr sz="1800" i="1">
-                                        <a:latin typeface="Cambria Math" panose="02040503050406030204" pitchFamily="18" charset="0"/>
-                                      </a:rPr>
-                                    </m:ctrlPr>
-                                  </m:sSubPr>
                                   <m:e>
                                     <m:r>
-                                      <a:rPr sz="1800">
-                                        <a:latin typeface="Cambria Math" panose="02040503050406030204" pitchFamily="18" charset="0"/>
-                                      </a:rPr>
-                                      <m:t>𝐼</m:t>
+                                      <m:t>I</m:t>
                                     </m:r>
                                   </m:e>
                                   <m:sub>
                                     <m:r>
-                                      <a:rPr sz="1800">
-                                        <a:latin typeface="Cambria Math" panose="02040503050406030204" pitchFamily="18" charset="0"/>
-                                      </a:rPr>
-                                      <m:t>𝑘</m:t>
+                                      <m:t>k</m:t>
                                     </m:r>
                                   </m:sub>
                                 </m:sSub>
                                 <m:r>
-                                  <a:rPr sz="1800">
-                                    <a:latin typeface="Cambria Math" panose="02040503050406030204" pitchFamily="18" charset="0"/>
-                                  </a:rPr>
+                                  <m:rPr>
+                                    <m:sty m:val="p"/>
+                                  </m:rPr>
                                   <m:t>+</m:t>
                                 </m:r>
                                 <m:r>
-                                  <a:rPr sz="1800">
-                                    <a:latin typeface="Cambria Math" panose="02040503050406030204" pitchFamily="18" charset="0"/>
-                                  </a:rPr>
-                                  <m:t>𝛥</m:t>
+                                  <m:t>Δ</m:t>
                                 </m:r>
                                 <m:r>
-                                  <a:rPr sz="1800">
-                                    <a:latin typeface="Cambria Math" panose="02040503050406030204" pitchFamily="18" charset="0"/>
-                                  </a:rPr>
-                                  <m:t>𝐼</m:t>
+                                  <m:t>I</m:t>
                                 </m:r>
                                 <m:d>
                                   <m:dPr>
-                                    <m:ctrlPr>
-                                      <a:rPr sz="1800" i="1">
-                                        <a:latin typeface="Cambria Math" panose="02040503050406030204" pitchFamily="18" charset="0"/>
-                                      </a:rPr>
-                                    </m:ctrlPr>
+                                    <m:begChr m:val="("/>
+                                    <m:sepChr m:val=""/>
+                                    <m:endChr m:val=")"/>
+                                    <m:grow/>
                                   </m:dPr>
                                   <m:e>
                                     <m:sSub>
-                                      <m:sSubPr>
-                                        <m:ctrlPr>
-                                          <a:rPr sz="1800" i="1">
-                                            <a:latin typeface="Cambria Math" panose="02040503050406030204" pitchFamily="18" charset="0"/>
-                                          </a:rPr>
-                                        </m:ctrlPr>
-                                      </m:sSubPr>
                                       <m:e>
                                         <m:r>
-                                          <a:rPr sz="1800">
-                                            <a:latin typeface="Cambria Math" panose="02040503050406030204" pitchFamily="18" charset="0"/>
-                                          </a:rPr>
-                                          <m:t>𝜃</m:t>
+                                          <m:t>θ</m:t>
                                         </m:r>
                                       </m:e>
                                       <m:sub>
                                         <m:r>
-                                          <a:rPr sz="1800">
-                                            <a:latin typeface="Cambria Math" panose="02040503050406030204" pitchFamily="18" charset="0"/>
-                                          </a:rPr>
-                                          <m:t>𝑘</m:t>
+                                          <m:t>k</m:t>
                                         </m:r>
                                       </m:sub>
                                     </m:sSub>
                                     <m:r>
-                                      <a:rPr sz="1800">
-                                        <a:latin typeface="Cambria Math" panose="02040503050406030204" pitchFamily="18" charset="0"/>
-                                      </a:rPr>
+                                      <m:rPr>
+                                        <m:sty m:val="p"/>
+                                      </m:rPr>
                                       <m:t>,</m:t>
                                     </m:r>
                                     <m:sSub>
-                                      <m:sSubPr>
-                                        <m:ctrlPr>
-                                          <a:rPr sz="1800" i="1">
-                                            <a:latin typeface="Cambria Math" panose="02040503050406030204" pitchFamily="18" charset="0"/>
-                                          </a:rPr>
-                                        </m:ctrlPr>
-                                      </m:sSubPr>
                                       <m:e>
                                         <m:r>
-                                          <a:rPr sz="1800">
-                                            <a:latin typeface="Cambria Math" panose="02040503050406030204" pitchFamily="18" charset="0"/>
-                                          </a:rPr>
-                                          <m:t>𝐼</m:t>
+                                          <m:t>I</m:t>
                                         </m:r>
                                       </m:e>
                                       <m:sub>
                                         <m:r>
-                                          <a:rPr sz="1800">
-                                            <a:latin typeface="Cambria Math" panose="02040503050406030204" pitchFamily="18" charset="0"/>
-                                          </a:rPr>
-                                          <m:t>𝑘</m:t>
+                                          <m:t>k</m:t>
                                         </m:r>
                                       </m:sub>
                                     </m:sSub>
                                     <m:r>
-                                      <a:rPr sz="1800">
-                                        <a:latin typeface="Cambria Math" panose="02040503050406030204" pitchFamily="18" charset="0"/>
-                                      </a:rPr>
+                                      <m:rPr>
+                                        <m:sty m:val="p"/>
+                                      </m:rPr>
                                       <m:t>,</m:t>
                                     </m:r>
                                     <m:sSub>
-                                      <m:sSubPr>
-                                        <m:ctrlPr>
-                                          <a:rPr sz="1800" i="1">
-                                            <a:latin typeface="Cambria Math" panose="02040503050406030204" pitchFamily="18" charset="0"/>
-                                          </a:rPr>
-                                        </m:ctrlPr>
-                                      </m:sSubPr>
                                       <m:e>
                                         <m:r>
-                                          <a:rPr sz="1800">
-                                            <a:latin typeface="Cambria Math" panose="02040503050406030204" pitchFamily="18" charset="0"/>
-                                          </a:rPr>
-                                          <m:t>𝐿</m:t>
+                                          <m:t>L</m:t>
                                         </m:r>
                                       </m:e>
                                       <m:sub>
                                         <m:r>
-                                          <a:rPr sz="1800">
-                                            <a:latin typeface="Cambria Math" panose="02040503050406030204" pitchFamily="18" charset="0"/>
-                                          </a:rPr>
-                                          <m:t>𝑀𝑘</m:t>
+                                          <m:t>M</m:t>
+                                        </m:r>
+                                        <m:r>
+                                          <m:t>k</m:t>
                                         </m:r>
                                       </m:sub>
                                     </m:sSub>
@@ -5036,337 +4679,225 @@
                             <m:mr>
                               <m:e>
                                 <m:sSub>
-                                  <m:sSubPr>
-                                    <m:ctrlPr>
-                                      <a:rPr sz="1800" i="1">
-                                        <a:latin typeface="Cambria Math" panose="02040503050406030204" pitchFamily="18" charset="0"/>
-                                      </a:rPr>
-                                    </m:ctrlPr>
-                                  </m:sSubPr>
                                   <m:e>
                                     <m:r>
-                                      <a:rPr sz="1800">
-                                        <a:latin typeface="Cambria Math" panose="02040503050406030204" pitchFamily="18" charset="0"/>
-                                      </a:rPr>
-                                      <m:t>𝐿</m:t>
+                                      <m:t>L</m:t>
                                     </m:r>
                                   </m:e>
                                   <m:sub>
                                     <m:r>
-                                      <a:rPr sz="1800">
-                                        <a:latin typeface="Cambria Math" panose="02040503050406030204" pitchFamily="18" charset="0"/>
-                                      </a:rPr>
-                                      <m:t>𝑀𝑘</m:t>
+                                      <m:t>M</m:t>
                                     </m:r>
                                     <m:r>
-                                      <a:rPr sz="1800">
-                                        <a:latin typeface="Cambria Math" panose="02040503050406030204" pitchFamily="18" charset="0"/>
-                                      </a:rPr>
-                                      <m:t>+1</m:t>
+                                      <m:t>k</m:t>
+                                    </m:r>
+                                    <m:r>
+                                      <m:rPr>
+                                        <m:sty m:val="p"/>
+                                      </m:rPr>
+                                      <m:t>+</m:t>
+                                    </m:r>
+                                    <m:r>
+                                      <m:t>1</m:t>
                                     </m:r>
                                   </m:sub>
                                 </m:sSub>
                                 <m:r>
-                                  <a:rPr sz="1800">
-                                    <a:latin typeface="Cambria Math" panose="02040503050406030204" pitchFamily="18" charset="0"/>
-                                  </a:rPr>
+                                  <m:rPr>
+                                    <m:sty m:val="p"/>
+                                  </m:rPr>
                                   <m:t>=</m:t>
                                 </m:r>
                                 <m:sSub>
-                                  <m:sSubPr>
-                                    <m:ctrlPr>
-                                      <a:rPr sz="1800" i="1">
-                                        <a:latin typeface="Cambria Math" panose="02040503050406030204" pitchFamily="18" charset="0"/>
-                                      </a:rPr>
-                                    </m:ctrlPr>
-                                  </m:sSubPr>
                                   <m:e>
                                     <m:r>
-                                      <a:rPr sz="1800">
-                                        <a:latin typeface="Cambria Math" panose="02040503050406030204" pitchFamily="18" charset="0"/>
-                                      </a:rPr>
-                                      <m:t>𝐿</m:t>
+                                      <m:t>L</m:t>
                                     </m:r>
                                   </m:e>
                                   <m:sub>
                                     <m:r>
-                                      <a:rPr sz="1800">
-                                        <a:latin typeface="Cambria Math" panose="02040503050406030204" pitchFamily="18" charset="0"/>
-                                      </a:rPr>
-                                      <m:t>𝑀𝑘</m:t>
+                                      <m:t>M</m:t>
+                                    </m:r>
+                                    <m:r>
+                                      <m:t>k</m:t>
                                     </m:r>
                                   </m:sub>
                                 </m:sSub>
                                 <m:r>
-                                  <a:rPr sz="1800">
-                                    <a:latin typeface="Cambria Math" panose="02040503050406030204" pitchFamily="18" charset="0"/>
-                                  </a:rPr>
+                                  <m:rPr>
+                                    <m:sty m:val="p"/>
+                                  </m:rPr>
                                   <m:t>+</m:t>
                                 </m:r>
                                 <m:r>
-                                  <a:rPr sz="1800">
-                                    <a:latin typeface="Cambria Math" panose="02040503050406030204" pitchFamily="18" charset="0"/>
-                                  </a:rPr>
-                                  <m:t>𝛥</m:t>
+                                  <m:t>Δ</m:t>
                                 </m:r>
                                 <m:r>
-                                  <a:rPr sz="1800">
-                                    <a:latin typeface="Cambria Math" panose="02040503050406030204" pitchFamily="18" charset="0"/>
-                                  </a:rPr>
-                                  <m:t>𝐿</m:t>
+                                  <m:t>L</m:t>
                                 </m:r>
                                 <m:d>
                                   <m:dPr>
-                                    <m:ctrlPr>
-                                      <a:rPr sz="1800" i="1">
-                                        <a:latin typeface="Cambria Math" panose="02040503050406030204" pitchFamily="18" charset="0"/>
-                                      </a:rPr>
-                                    </m:ctrlPr>
+                                    <m:begChr m:val="("/>
+                                    <m:sepChr m:val=""/>
+                                    <m:endChr m:val=")"/>
+                                    <m:grow/>
                                   </m:dPr>
                                   <m:e>
                                     <m:sSub>
-                                      <m:sSubPr>
-                                        <m:ctrlPr>
-                                          <a:rPr sz="1800" i="1">
-                                            <a:latin typeface="Cambria Math" panose="02040503050406030204" pitchFamily="18" charset="0"/>
-                                          </a:rPr>
-                                        </m:ctrlPr>
-                                      </m:sSubPr>
                                       <m:e>
                                         <m:r>
-                                          <a:rPr sz="1800">
-                                            <a:latin typeface="Cambria Math" panose="02040503050406030204" pitchFamily="18" charset="0"/>
-                                          </a:rPr>
-                                          <m:t>𝜃</m:t>
+                                          <m:t>θ</m:t>
                                         </m:r>
                                       </m:e>
                                       <m:sub>
                                         <m:r>
-                                          <a:rPr sz="1800">
-                                            <a:latin typeface="Cambria Math" panose="02040503050406030204" pitchFamily="18" charset="0"/>
-                                          </a:rPr>
-                                          <m:t>𝑘</m:t>
+                                          <m:t>k</m:t>
                                         </m:r>
                                       </m:sub>
                                     </m:sSub>
                                     <m:r>
-                                      <a:rPr sz="1800">
-                                        <a:latin typeface="Cambria Math" panose="02040503050406030204" pitchFamily="18" charset="0"/>
-                                      </a:rPr>
+                                      <m:rPr>
+                                        <m:sty m:val="p"/>
+                                      </m:rPr>
                                       <m:t>,</m:t>
                                     </m:r>
                                     <m:sSub>
-                                      <m:sSubPr>
-                                        <m:ctrlPr>
-                                          <a:rPr sz="1800" i="1">
-                                            <a:latin typeface="Cambria Math" panose="02040503050406030204" pitchFamily="18" charset="0"/>
-                                          </a:rPr>
-                                        </m:ctrlPr>
-                                      </m:sSubPr>
                                       <m:e>
                                         <m:r>
-                                          <a:rPr sz="1800">
-                                            <a:latin typeface="Cambria Math" panose="02040503050406030204" pitchFamily="18" charset="0"/>
-                                          </a:rPr>
-                                          <m:t>𝐼</m:t>
+                                          <m:t>I</m:t>
                                         </m:r>
                                       </m:e>
                                       <m:sub>
                                         <m:r>
-                                          <a:rPr sz="1800">
-                                            <a:latin typeface="Cambria Math" panose="02040503050406030204" pitchFamily="18" charset="0"/>
-                                          </a:rPr>
-                                          <m:t>𝑘</m:t>
+                                          <m:t>k</m:t>
                                         </m:r>
                                       </m:sub>
                                     </m:sSub>
                                     <m:r>
-                                      <a:rPr sz="1800">
-                                        <a:latin typeface="Cambria Math" panose="02040503050406030204" pitchFamily="18" charset="0"/>
-                                      </a:rPr>
+                                      <m:rPr>
+                                        <m:sty m:val="p"/>
+                                      </m:rPr>
                                       <m:t>,</m:t>
                                     </m:r>
                                     <m:sSub>
-                                      <m:sSubPr>
-                                        <m:ctrlPr>
-                                          <a:rPr sz="1800" i="1">
-                                            <a:latin typeface="Cambria Math" panose="02040503050406030204" pitchFamily="18" charset="0"/>
-                                          </a:rPr>
-                                        </m:ctrlPr>
-                                      </m:sSubPr>
                                       <m:e>
                                         <m:r>
-                                          <a:rPr sz="1800">
-                                            <a:latin typeface="Cambria Math" panose="02040503050406030204" pitchFamily="18" charset="0"/>
-                                          </a:rPr>
-                                          <m:t>𝐿</m:t>
+                                          <m:t>L</m:t>
                                         </m:r>
                                       </m:e>
                                       <m:sub>
                                         <m:r>
-                                          <a:rPr sz="1800">
-                                            <a:latin typeface="Cambria Math" panose="02040503050406030204" pitchFamily="18" charset="0"/>
-                                          </a:rPr>
-                                          <m:t>𝑀𝑘</m:t>
+                                          <m:t>M</m:t>
+                                        </m:r>
+                                        <m:r>
+                                          <m:t>k</m:t>
                                         </m:r>
                                       </m:sub>
                                     </m:sSub>
                                   </m:e>
                                 </m:d>
                                 <m:r>
-                                  <a:rPr sz="1800">
-                                    <a:latin typeface="Cambria Math" panose="02040503050406030204" pitchFamily="18" charset="0"/>
-                                  </a:rPr>
+                                  <m:rPr>
+                                    <m:sty m:val="p"/>
+                                  </m:rPr>
                                   <m:t>+</m:t>
                                 </m:r>
                                 <m:r>
-                                  <a:rPr sz="1800">
-                                    <a:latin typeface="Cambria Math" panose="02040503050406030204" pitchFamily="18" charset="0"/>
-                                  </a:rPr>
-                                  <m:t>𝛿</m:t>
+                                  <m:t>δ</m:t>
                                 </m:r>
                                 <m:sSub>
-                                  <m:sSubPr>
-                                    <m:ctrlPr>
-                                      <a:rPr sz="1800" i="1">
-                                        <a:latin typeface="Cambria Math" panose="02040503050406030204" pitchFamily="18" charset="0"/>
-                                      </a:rPr>
-                                    </m:ctrlPr>
-                                  </m:sSubPr>
                                   <m:e>
                                     <m:r>
-                                      <a:rPr sz="1800">
-                                        <a:latin typeface="Cambria Math" panose="02040503050406030204" pitchFamily="18" charset="0"/>
-                                      </a:rPr>
-                                      <m:t>𝐿</m:t>
+                                      <m:t>L</m:t>
                                     </m:r>
                                   </m:e>
                                   <m:sub>
                                     <m:r>
-                                      <a:rPr sz="1800">
-                                        <a:latin typeface="Cambria Math" panose="02040503050406030204" pitchFamily="18" charset="0"/>
-                                      </a:rPr>
-                                      <m:t>𝑘</m:t>
+                                      <m:t>k</m:t>
                                     </m:r>
                                   </m:sub>
                                 </m:sSub>
                                 <m:r>
-                                  <a:rPr sz="1800">
-                                    <a:latin typeface="Cambria Math" panose="02040503050406030204" pitchFamily="18" charset="0"/>
-                                  </a:rPr>
-                                  <m:t>𝜂</m:t>
+                                  <m:t>η</m:t>
                                 </m:r>
                               </m:e>
                             </m:mr>
                             <m:mr>
                               <m:e>
                                 <m:sSub>
-                                  <m:sSubPr>
-                                    <m:ctrlPr>
-                                      <a:rPr sz="1800" i="1">
-                                        <a:latin typeface="Cambria Math" panose="02040503050406030204" pitchFamily="18" charset="0"/>
-                                      </a:rPr>
-                                    </m:ctrlPr>
-                                  </m:sSubPr>
                                   <m:e>
                                     <m:r>
-                                      <a:rPr sz="1800">
-                                        <a:latin typeface="Cambria Math" panose="02040503050406030204" pitchFamily="18" charset="0"/>
-                                      </a:rPr>
-                                      <m:t>𝛾</m:t>
+                                      <m:t>γ</m:t>
                                     </m:r>
                                   </m:e>
                                   <m:sub>
                                     <m:r>
-                                      <a:rPr sz="1800">
-                                        <a:latin typeface="Cambria Math" panose="02040503050406030204" pitchFamily="18" charset="0"/>
-                                      </a:rPr>
-                                      <m:t>𝑘</m:t>
+                                      <m:t>k</m:t>
                                     </m:r>
                                     <m:r>
-                                      <a:rPr sz="1800">
-                                        <a:latin typeface="Cambria Math" panose="02040503050406030204" pitchFamily="18" charset="0"/>
-                                      </a:rPr>
-                                      <m:t>+1</m:t>
+                                      <m:rPr>
+                                        <m:sty m:val="p"/>
+                                      </m:rPr>
+                                      <m:t>+</m:t>
+                                    </m:r>
+                                    <m:r>
+                                      <m:t>1</m:t>
                                     </m:r>
                                   </m:sub>
                                 </m:sSub>
                                 <m:r>
-                                  <a:rPr sz="1800">
-                                    <a:latin typeface="Cambria Math" panose="02040503050406030204" pitchFamily="18" charset="0"/>
-                                  </a:rPr>
+                                  <m:rPr>
+                                    <m:sty m:val="p"/>
+                                  </m:rPr>
                                   <m:t>=</m:t>
                                 </m:r>
                                 <m:sSup>
-                                  <m:sSupPr>
-                                    <m:ctrlPr>
-                                      <a:rPr sz="1800" i="1">
-                                        <a:latin typeface="Cambria Math" panose="02040503050406030204" pitchFamily="18" charset="0"/>
-                                      </a:rPr>
-                                    </m:ctrlPr>
-                                  </m:sSupPr>
                                   <m:e>
                                     <m:d>
                                       <m:dPr>
-                                        <m:ctrlPr>
-                                          <a:rPr sz="1800" i="1">
-                                            <a:latin typeface="Cambria Math" panose="02040503050406030204" pitchFamily="18" charset="0"/>
-                                          </a:rPr>
-                                        </m:ctrlPr>
+                                        <m:begChr m:val="("/>
+                                        <m:sepChr m:val=""/>
+                                        <m:endChr m:val=")"/>
+                                        <m:grow/>
                                       </m:dPr>
                                       <m:e>
                                         <m:f>
                                           <m:fPr>
-                                            <m:ctrlPr>
-                                              <a:rPr sz="1800" i="1">
-                                                <a:latin typeface="Cambria Math" panose="02040503050406030204" pitchFamily="18" charset="0"/>
-                                              </a:rPr>
-                                            </m:ctrlPr>
+                                            <m:type m:val="bar"/>
                                           </m:fPr>
                                           <m:num>
                                             <m:r>
-                                              <a:rPr sz="1800">
-                                                <a:latin typeface="Cambria Math" panose="02040503050406030204" pitchFamily="18" charset="0"/>
-                                              </a:rPr>
-                                              <m:t>𝐵</m:t>
+                                              <m:t>B</m:t>
                                             </m:r>
                                             <m:d>
                                               <m:dPr>
-                                                <m:ctrlPr>
-                                                  <a:rPr sz="1800" i="1">
-                                                    <a:latin typeface="Cambria Math" panose="02040503050406030204" pitchFamily="18" charset="0"/>
-                                                  </a:rPr>
-                                                </m:ctrlPr>
+                                                <m:begChr m:val="("/>
+                                                <m:sepChr m:val=""/>
+                                                <m:endChr m:val=")"/>
+                                                <m:grow/>
                                               </m:dPr>
                                               <m:e>
                                                 <m:sSub>
-                                                  <m:sSubPr>
-                                                    <m:ctrlPr>
-                                                      <a:rPr sz="1800" i="1">
-                                                        <a:latin typeface="Cambria Math" panose="02040503050406030204" pitchFamily="18" charset="0"/>
-                                                      </a:rPr>
-                                                    </m:ctrlPr>
-                                                  </m:sSubPr>
                                                   <m:e>
                                                     <m:r>
-                                                      <a:rPr sz="1800">
-                                                        <a:latin typeface="Cambria Math" panose="02040503050406030204" pitchFamily="18" charset="0"/>
-                                                      </a:rPr>
-                                                      <m:t>𝐿</m:t>
+                                                      <m:t>L</m:t>
                                                     </m:r>
                                                   </m:e>
                                                   <m:sub>
                                                     <m:r>
-                                                      <a:rPr sz="1800">
-                                                        <a:latin typeface="Cambria Math" panose="02040503050406030204" pitchFamily="18" charset="0"/>
-                                                      </a:rPr>
-                                                      <m:t>𝑀𝑘</m:t>
+                                                      <m:t>M</m:t>
                                                     </m:r>
                                                     <m:r>
-                                                      <a:rPr sz="1800">
-                                                        <a:latin typeface="Cambria Math" panose="02040503050406030204" pitchFamily="18" charset="0"/>
-                                                      </a:rPr>
-                                                      <m:t>+1</m:t>
+                                                      <m:t>k</m:t>
+                                                    </m:r>
+                                                    <m:r>
+                                                      <m:rPr>
+                                                        <m:sty m:val="p"/>
+                                                      </m:rPr>
+                                                      <m:t>+</m:t>
+                                                    </m:r>
+                                                    <m:r>
+                                                      <m:t>1</m:t>
                                                     </m:r>
                                                   </m:sub>
                                                 </m:sSub>
@@ -5375,85 +4906,58 @@
                                           </m:num>
                                           <m:den>
                                             <m:r>
-                                              <a:rPr sz="1800">
-                                                <a:latin typeface="Cambria Math" panose="02040503050406030204" pitchFamily="18" charset="0"/>
-                                              </a:rPr>
-                                              <m:t>𝐵</m:t>
+                                              <m:t>B</m:t>
                                             </m:r>
                                             <m:d>
                                               <m:dPr>
-                                                <m:ctrlPr>
-                                                  <a:rPr sz="1800" i="1">
-                                                    <a:latin typeface="Cambria Math" panose="02040503050406030204" pitchFamily="18" charset="0"/>
-                                                  </a:rPr>
-                                                </m:ctrlPr>
+                                                <m:begChr m:val="("/>
+                                                <m:sepChr m:val=""/>
+                                                <m:endChr m:val=")"/>
+                                                <m:grow/>
                                               </m:dPr>
                                               <m:e>
                                                 <m:sSub>
-                                                  <m:sSubPr>
-                                                    <m:ctrlPr>
-                                                      <a:rPr sz="1800" i="1">
-                                                        <a:latin typeface="Cambria Math" panose="02040503050406030204" pitchFamily="18" charset="0"/>
-                                                      </a:rPr>
-                                                    </m:ctrlPr>
-                                                  </m:sSubPr>
                                                   <m:e>
                                                     <m:r>
-                                                      <a:rPr sz="1800">
-                                                        <a:latin typeface="Cambria Math" panose="02040503050406030204" pitchFamily="18" charset="0"/>
-                                                      </a:rPr>
-                                                      <m:t>𝐿</m:t>
+                                                      <m:t>L</m:t>
                                                     </m:r>
                                                   </m:e>
                                                   <m:sub>
                                                     <m:r>
-                                                      <a:rPr sz="1800">
-                                                        <a:latin typeface="Cambria Math" panose="02040503050406030204" pitchFamily="18" charset="0"/>
-                                                      </a:rPr>
-                                                      <m:t>𝑀𝑘</m:t>
+                                                      <m:t>M</m:t>
                                                     </m:r>
                                                     <m:r>
-                                                      <a:rPr sz="1800">
-                                                        <a:latin typeface="Cambria Math" panose="02040503050406030204" pitchFamily="18" charset="0"/>
-                                                      </a:rPr>
-                                                      <m:t>+1</m:t>
+                                                      <m:t>k</m:t>
+                                                    </m:r>
+                                                    <m:r>
+                                                      <m:rPr>
+                                                        <m:sty m:val="p"/>
+                                                      </m:rPr>
+                                                      <m:t>+</m:t>
+                                                    </m:r>
+                                                    <m:r>
+                                                      <m:t>1</m:t>
                                                     </m:r>
                                                   </m:sub>
                                                 </m:sSub>
                                                 <m:r>
-                                                  <a:rPr sz="1800">
-                                                    <a:latin typeface="Cambria Math" panose="02040503050406030204" pitchFamily="18" charset="0"/>
-                                                  </a:rPr>
+                                                  <m:rPr>
+                                                    <m:sty m:val="p"/>
+                                                  </m:rPr>
                                                   <m:t>−</m:t>
                                                 </m:r>
                                                 <m:r>
-                                                  <a:rPr sz="1800">
-                                                    <a:latin typeface="Cambria Math" panose="02040503050406030204" pitchFamily="18" charset="0"/>
-                                                  </a:rPr>
-                                                  <m:t>𝛿</m:t>
+                                                  <m:t>δ</m:t>
                                                 </m:r>
                                                 <m:sSub>
-                                                  <m:sSubPr>
-                                                    <m:ctrlPr>
-                                                      <a:rPr sz="1800" i="1">
-                                                        <a:latin typeface="Cambria Math" panose="02040503050406030204" pitchFamily="18" charset="0"/>
-                                                      </a:rPr>
-                                                    </m:ctrlPr>
-                                                  </m:sSubPr>
                                                   <m:e>
                                                     <m:r>
-                                                      <a:rPr sz="1800">
-                                                        <a:latin typeface="Cambria Math" panose="02040503050406030204" pitchFamily="18" charset="0"/>
-                                                      </a:rPr>
-                                                      <m:t>𝐿</m:t>
+                                                      <m:t>L</m:t>
                                                     </m:r>
                                                   </m:e>
                                                   <m:sub>
                                                     <m:r>
-                                                      <a:rPr sz="1800">
-                                                        <a:latin typeface="Cambria Math" panose="02040503050406030204" pitchFamily="18" charset="0"/>
-                                                      </a:rPr>
-                                                      <m:t>𝑘</m:t>
+                                                      <m:t>k</m:t>
                                                     </m:r>
                                                   </m:sub>
                                                 </m:sSub>
@@ -5463,69 +4967,64 @@
                                         </m:f>
                                         <m:d>
                                           <m:dPr>
-                                            <m:ctrlPr>
-                                              <a:rPr sz="1800" i="1">
-                                                <a:latin typeface="Cambria Math" panose="02040503050406030204" pitchFamily="18" charset="0"/>
-                                              </a:rPr>
-                                            </m:ctrlPr>
+                                            <m:begChr m:val="("/>
+                                            <m:sepChr m:val=""/>
+                                            <m:endChr m:val=")"/>
+                                            <m:grow/>
                                           </m:dPr>
                                           <m:e>
                                             <m:sSubSup>
-                                              <m:sSubSupPr>
-                                                <m:ctrlPr>
-                                                  <a:rPr sz="1800" i="1">
-                                                    <a:latin typeface="Cambria Math" panose="02040503050406030204" pitchFamily="18" charset="0"/>
-                                                  </a:rPr>
-                                                </m:ctrlPr>
-                                              </m:sSubSupPr>
                                               <m:e>
                                                 <m:r>
-                                                  <a:rPr sz="1800">
-                                                    <a:latin typeface="Cambria Math" panose="02040503050406030204" pitchFamily="18" charset="0"/>
-                                                  </a:rPr>
-                                                  <m:t>𝛾</m:t>
+                                                  <m:t>γ</m:t>
                                                 </m:r>
                                               </m:e>
                                               <m:sub>
                                                 <m:r>
-                                                  <a:rPr sz="1800">
-                                                    <a:latin typeface="Cambria Math" panose="02040503050406030204" pitchFamily="18" charset="0"/>
-                                                  </a:rPr>
-                                                  <m:t>𝑘</m:t>
+                                                  <m:t>k</m:t>
                                                 </m:r>
                                               </m:sub>
                                               <m:sup>
                                                 <m:r>
-                                                  <a:rPr sz="1800">
-                                                    <a:latin typeface="Cambria Math" panose="02040503050406030204" pitchFamily="18" charset="0"/>
-                                                  </a:rPr>
                                                   <m:t>2</m:t>
                                                 </m:r>
                                               </m:sup>
                                             </m:sSubSup>
                                             <m:r>
-                                              <a:rPr sz="1800">
-                                                <a:latin typeface="Cambria Math" panose="02040503050406030204" pitchFamily="18" charset="0"/>
-                                              </a:rPr>
-                                              <m:t>−1</m:t>
+                                              <m:rPr>
+                                                <m:sty m:val="p"/>
+                                              </m:rPr>
+                                              <m:t>−</m:t>
+                                            </m:r>
+                                            <m:r>
+                                              <m:t>1</m:t>
                                             </m:r>
                                           </m:e>
                                         </m:d>
                                         <m:r>
-                                          <a:rPr sz="1800">
-                                            <a:latin typeface="Cambria Math" panose="02040503050406030204" pitchFamily="18" charset="0"/>
-                                          </a:rPr>
-                                          <m:t>+1</m:t>
+                                          <m:rPr>
+                                            <m:sty m:val="p"/>
+                                          </m:rPr>
+                                          <m:t>+</m:t>
+                                        </m:r>
+                                        <m:r>
+                                          <m:t>1</m:t>
                                         </m:r>
                                       </m:e>
                                     </m:d>
                                   </m:e>
                                   <m:sup>
                                     <m:r>
-                                      <a:rPr sz="1800">
-                                        <a:latin typeface="Cambria Math" panose="02040503050406030204" pitchFamily="18" charset="0"/>
-                                      </a:rPr>
-                                      <m:t>1/2</m:t>
+                                      <m:t>1</m:t>
+                                    </m:r>
+                                    <m:r>
+                                      <m:rPr>
+                                        <m:sty m:val="p"/>
+                                      </m:rPr>
+                                      <m:t>/</m:t>
+                                    </m:r>
+                                    <m:r>
+                                      <m:t>2</m:t>
                                     </m:r>
                                   </m:sup>
                                 </m:sSup>
@@ -5534,110 +5033,78 @@
                             <m:mr>
                               <m:e>
                                 <m:sSub>
-                                  <m:sSubPr>
-                                    <m:ctrlPr>
-                                      <a:rPr sz="1800" i="1">
-                                        <a:latin typeface="Cambria Math" panose="02040503050406030204" pitchFamily="18" charset="0"/>
-                                      </a:rPr>
-                                    </m:ctrlPr>
-                                  </m:sSubPr>
                                   <m:e>
                                     <m:r>
-                                      <a:rPr sz="1800">
-                                        <a:latin typeface="Cambria Math" panose="02040503050406030204" pitchFamily="18" charset="0"/>
-                                      </a:rPr>
-                                      <m:t>𝜃</m:t>
+                                      <m:t>θ</m:t>
                                     </m:r>
                                   </m:e>
                                   <m:sub>
                                     <m:r>
-                                      <a:rPr sz="1800">
-                                        <a:latin typeface="Cambria Math" panose="02040503050406030204" pitchFamily="18" charset="0"/>
-                                      </a:rPr>
-                                      <m:t>𝑘</m:t>
+                                      <m:t>k</m:t>
                                     </m:r>
                                     <m:r>
-                                      <a:rPr sz="1800">
-                                        <a:latin typeface="Cambria Math" panose="02040503050406030204" pitchFamily="18" charset="0"/>
-                                      </a:rPr>
-                                      <m:t>+1</m:t>
+                                      <m:rPr>
+                                        <m:sty m:val="p"/>
+                                      </m:rPr>
+                                      <m:t>+</m:t>
+                                    </m:r>
+                                    <m:r>
+                                      <m:t>1</m:t>
                                     </m:r>
                                   </m:sub>
                                 </m:sSub>
                                 <m:r>
-                                  <a:rPr sz="1800">
-                                    <a:latin typeface="Cambria Math" panose="02040503050406030204" pitchFamily="18" charset="0"/>
-                                  </a:rPr>
+                                  <m:rPr>
+                                    <m:sty m:val="p"/>
+                                  </m:rPr>
                                   <m:t>=</m:t>
                                 </m:r>
                                 <m:sSub>
-                                  <m:sSubPr>
-                                    <m:ctrlPr>
-                                      <a:rPr sz="1800" i="1">
-                                        <a:latin typeface="Cambria Math" panose="02040503050406030204" pitchFamily="18" charset="0"/>
-                                      </a:rPr>
-                                    </m:ctrlPr>
-                                  </m:sSubPr>
                                   <m:e>
                                     <m:r>
-                                      <a:rPr sz="1800">
-                                        <a:latin typeface="Cambria Math" panose="02040503050406030204" pitchFamily="18" charset="0"/>
-                                      </a:rPr>
-                                      <m:t>𝜃</m:t>
+                                      <m:t>θ</m:t>
                                     </m:r>
                                   </m:e>
                                   <m:sub>
                                     <m:r>
-                                      <a:rPr sz="1800">
-                                        <a:latin typeface="Cambria Math" panose="02040503050406030204" pitchFamily="18" charset="0"/>
-                                      </a:rPr>
-                                      <m:t>𝑘</m:t>
+                                      <m:t>k</m:t>
                                     </m:r>
                                   </m:sub>
                                 </m:sSub>
                                 <m:r>
-                                  <a:rPr sz="1800">
-                                    <a:latin typeface="Cambria Math" panose="02040503050406030204" pitchFamily="18" charset="0"/>
-                                  </a:rPr>
+                                  <m:rPr>
+                                    <m:sty m:val="p"/>
+                                  </m:rPr>
                                   <m:t>+</m:t>
                                 </m:r>
                                 <m:r>
-                                  <a:rPr sz="1800">
-                                    <a:latin typeface="Cambria Math" panose="02040503050406030204" pitchFamily="18" charset="0"/>
-                                  </a:rPr>
-                                  <m:t>𝛥𝜃</m:t>
+                                  <m:t>Δ</m:t>
                                 </m:r>
                                 <m:r>
-                                  <a:rPr sz="1800">
-                                    <a:latin typeface="Cambria Math" panose="02040503050406030204" pitchFamily="18" charset="0"/>
-                                  </a:rPr>
+                                  <m:t>θ</m:t>
+                                </m:r>
+                                <m:r>
                                   <m:t> </m:t>
                                 </m:r>
                                 <m:r>
                                   <m:rPr>
                                     <m:sty m:val="p"/>
                                   </m:rPr>
-                                  <a:rPr sz="1800">
-                                    <a:latin typeface="Cambria Math" panose="02040503050406030204" pitchFamily="18" charset="0"/>
-                                  </a:rPr>
                                   <m:t>mod</m:t>
                                 </m:r>
                                 <m:r>
-                                  <a:rPr sz="1800">
-                                    <a:latin typeface="Cambria Math" panose="02040503050406030204" pitchFamily="18" charset="0"/>
-                                  </a:rPr>
-                                  <m:t> 2</m:t>
+                                  <m:t> </m:t>
                                 </m:r>
                                 <m:r>
-                                  <a:rPr sz="1800">
-                                    <a:latin typeface="Cambria Math" panose="02040503050406030204" pitchFamily="18" charset="0"/>
-                                  </a:rPr>
-                                  <m:t>𝜋</m:t>
+                                  <m:t>2</m:t>
                                 </m:r>
                                 <m:r>
-                                  <a:rPr sz="1800">
-                                    <a:latin typeface="Cambria Math" panose="02040503050406030204" pitchFamily="18" charset="0"/>
-                                  </a:rPr>
+                                  <m:t>π</m:t>
+                                </m:r>
+                                <m:r>
+                                  <m:rPr>
+                                    <m:sty m:val="p"/>
+                                  </m:rPr>
                                   <m:t>,</m:t>
                                 </m:r>
                               </m:e>
@@ -5648,54 +5115,13 @@
                     </m:oMath>
                   </m:oMathPara>
                 </a14:m>
-                <a:endParaRPr sz="1800" dirty="0"/>
               </a:p>
             </p:txBody>
           </p:sp>
         </mc:Choice>
-        <mc:Fallback>
-          <p:sp>
-            <p:nvSpPr>
-              <p:cNvPr id="3" name="Content Placeholder 2"/>
-              <p:cNvSpPr>
-                <a:spLocks noGrp="1" noRot="1" noChangeAspect="1" noMove="1" noResize="1" noEditPoints="1" noAdjustHandles="1" noChangeArrowheads="1" noChangeShapeType="1" noTextEdit="1"/>
-              </p:cNvSpPr>
-              <p:nvPr>
-                <p:ph idx="1"/>
-              </p:nvPr>
-            </p:nvSpPr>
-            <p:spPr>
-              <a:xfrm>
-                <a:off x="2070847" y="0"/>
-                <a:ext cx="8229600" cy="3394472"/>
-              </a:xfrm>
-              <a:blipFill>
-                <a:blip r:embed="rId4"/>
-                <a:stretch>
-                  <a:fillRect/>
-                </a:stretch>
-              </a:blipFill>
-            </p:spPr>
-            <p:txBody>
-              <a:bodyPr/>
-              <a:lstStyle/>
-              <a:p>
-                <a:r>
-                  <a:rPr lang="en-US">
-                    <a:noFill/>
-                  </a:rPr>
-                  <a:t> </a:t>
-                </a:r>
-              </a:p>
-            </p:txBody>
-          </p:sp>
-        </mc:Fallback>
       </mc:AlternateContent>
     </p:spTree>
   </p:cSld>
-  <p:clrMapOvr>
-    <a:masterClrMapping/>
-  </p:clrMapOvr>
 </p:sld>
 </file>
 
@@ -5736,10 +5162,11 @@
           <a:bodyPr/>
           <a:lstStyle/>
           <a:p>
-            <a:pPr marL="0" lvl="0" indent="0">
+            <a:pPr lvl="0" indent="0" marL="0">
               <a:buNone/>
             </a:pPr>
             <a:r>
+              <a:rPr/>
               <a:t>Introduction - Particle motion in the compressed magnetosphere</a:t>
             </a:r>
           </a:p>
@@ -5754,114 +5181,81 @@
                 <a:spLocks noGrp="1"/>
               </p:cNvSpPr>
               <p:nvPr>
-                <p:ph type="body" sz="half" idx="2"/>
+                <p:ph idx="2" sz="half" type="body"/>
               </p:nvPr>
             </p:nvSpPr>
             <p:spPr/>
             <p:txBody>
-              <a:bodyPr>
-                <a:noAutofit/>
-              </a:bodyPr>
+              <a:bodyPr/>
               <a:lstStyle/>
               <a:p>
-                <a:pPr marL="0" lvl="0" indent="0">
+                <a:pPr lvl="0" indent="0" marL="0">
                   <a:buNone/>
                 </a:pPr>
                 <a:r>
-                  <a:rPr sz="1400" dirty="0"/>
-                  <a:t>Stably trapped particles (shown in cyan color) participate in three distinct quasiperiodic motions:</a:t>
-                </a:r>
-                <a:endParaRPr lang="en-US" sz="1400" dirty="0"/>
-              </a:p>
-              <a:p>
-                <a:pPr marL="0" lvl="0" indent="0">
-                  <a:buNone/>
-                </a:pPr>
-                <a:r>
-                  <a:rPr lang="en-US" sz="1400" dirty="0"/>
-                  <a:t>T</a:t>
-                </a:r>
-                <a:r>
-                  <a:rPr sz="1400" dirty="0"/>
-                  <a:t>he gyromotion, the bounce motion and the gradient curvature drift around Earth, each associated with its own adiabatic invariant: </a:t>
+                  <a:rPr/>
+                  <a:t>Stably trapped particles (shown in cyan color) participate in three distinct quasiperiodic motions: the gyromotion, the bounce motion and the gradient curvature drift around Earth, each associated with its own adiabatic invariant: </a:t>
                 </a:r>
                 <a14:m>
                   <m:oMath xmlns:m="http://schemas.openxmlformats.org/officeDocument/2006/math">
                     <m:r>
-                      <a:rPr sz="1400">
-                        <a:latin typeface="Cambria Math" panose="02040503050406030204" pitchFamily="18" charset="0"/>
-                      </a:rPr>
-                      <m:t>𝜇</m:t>
+                      <m:t>μ</m:t>
                     </m:r>
                   </m:oMath>
                 </a14:m>
                 <a:r>
-                  <a:rPr sz="1400" dirty="0"/>
+                  <a:rPr/>
                   <a:t>, </a:t>
                 </a:r>
                 <a14:m>
                   <m:oMath xmlns:m="http://schemas.openxmlformats.org/officeDocument/2006/math">
                     <m:r>
-                      <a:rPr sz="1400">
-                        <a:latin typeface="Cambria Math" panose="02040503050406030204" pitchFamily="18" charset="0"/>
-                      </a:rPr>
-                      <m:t>𝐽</m:t>
+                      <m:t>J</m:t>
                     </m:r>
                     <m:r>
-                      <a:rPr sz="1400">
-                        <a:latin typeface="Cambria Math" panose="02040503050406030204" pitchFamily="18" charset="0"/>
-                      </a:rPr>
+                      <m:rPr>
+                        <m:sty m:val="p"/>
+                      </m:rPr>
                       <m:t>=</m:t>
                     </m:r>
                     <m:r>
-                      <a:rPr sz="1400">
-                        <a:latin typeface="Cambria Math" panose="02040503050406030204" pitchFamily="18" charset="0"/>
-                      </a:rPr>
-                      <m:t>𝑝𝐼</m:t>
+                      <m:t>p</m:t>
+                    </m:r>
+                    <m:r>
+                      <m:t>I</m:t>
                     </m:r>
                   </m:oMath>
                 </a14:m>
                 <a:r>
-                  <a:rPr sz="1400" dirty="0"/>
+                  <a:rPr/>
                   <a:t>, and </a:t>
                 </a:r>
                 <a14:m>
                   <m:oMath xmlns:m="http://schemas.openxmlformats.org/officeDocument/2006/math">
                     <m:sSup>
-                      <m:sSupPr>
-                        <m:ctrlPr>
-                          <a:rPr sz="1400">
-                            <a:latin typeface="Cambria Math" panose="02040503050406030204" pitchFamily="18" charset="0"/>
-                          </a:rPr>
-                        </m:ctrlPr>
-                      </m:sSupPr>
                       <m:e>
                         <m:r>
-                          <a:rPr sz="1400">
-                            <a:latin typeface="Cambria Math" panose="02040503050406030204" pitchFamily="18" charset="0"/>
-                          </a:rPr>
-                          <m:t>𝐿</m:t>
+                          <m:t>L</m:t>
                         </m:r>
                       </m:e>
                       <m:sup>
                         <m:r>
-                          <a:rPr sz="1400">
-                            <a:latin typeface="Cambria Math" panose="02040503050406030204" pitchFamily="18" charset="0"/>
-                          </a:rPr>
-                          <m:t>∗</m:t>
+                          <m:rPr>
+                            <m:sty m:val="p"/>
+                          </m:rPr>
+                          <m:t>*</m:t>
                         </m:r>
                       </m:sup>
                     </m:sSup>
                   </m:oMath>
                 </a14:m>
                 <a:r>
-                  <a:rPr sz="1400" dirty="0"/>
-                  <a:t>.</a:t>
+                  <a:rPr/>
+                  <a:t>. Time scales for the different motions are separated by 1 to 3 orders of magnitude and all invariants are conserved.</a:t>
                 </a:r>
-                <a:endParaRPr lang="en-US" sz="1400" dirty="0"/>
               </a:p>
               <a:p>
-                <a:pPr marL="0" lvl="0" indent="0">
+                <a:pPr lvl="0" indent="0" marL="0">
                   <a:buNone/>
                 </a:pPr>
                 <a14:m>
@@ -5869,92 +5263,69 @@
                     <m:oMathParaPr>
                       <m:jc m:val="center"/>
                     </m:oMathParaPr>
-                    <m:oMath xmlns:m="http://schemas.openxmlformats.org/officeDocument/2006/math">
+                    <m:oMath>
                       <m:r>
-                        <a:rPr sz="1400">
-                          <a:latin typeface="Cambria Math" panose="02040503050406030204" pitchFamily="18" charset="0"/>
-                        </a:rPr>
-                        <m:t>𝐼</m:t>
+                        <m:t>I</m:t>
                       </m:r>
                       <m:r>
-                        <a:rPr sz="1400">
-                          <a:latin typeface="Cambria Math" panose="02040503050406030204" pitchFamily="18" charset="0"/>
-                        </a:rPr>
-                        <m:t>=∮</m:t>
+                        <m:rPr>
+                          <m:sty m:val="p"/>
+                        </m:rPr>
+                        <m:t>=</m:t>
+                      </m:r>
+                      <m:r>
+                        <m:rPr>
+                          <m:sty m:val="p"/>
+                        </m:rPr>
+                        <m:t>∮</m:t>
                       </m:r>
                       <m:rad>
                         <m:radPr>
                           <m:degHide m:val="on"/>
-                          <m:ctrlPr>
-                            <a:rPr sz="1400" i="1">
-                              <a:latin typeface="Cambria Math" panose="02040503050406030204" pitchFamily="18" charset="0"/>
-                            </a:rPr>
-                          </m:ctrlPr>
                         </m:radPr>
                         <m:deg/>
                         <m:e>
                           <m:r>
-                            <a:rPr sz="1400">
-                              <a:latin typeface="Cambria Math" panose="02040503050406030204" pitchFamily="18" charset="0"/>
-                            </a:rPr>
-                            <m:t>1−</m:t>
+                            <m:t>1</m:t>
+                          </m:r>
+                          <m:r>
+                            <m:rPr>
+                              <m:sty m:val="p"/>
+                            </m:rPr>
+                            <m:t>−</m:t>
                           </m:r>
                           <m:f>
                             <m:fPr>
-                              <m:ctrlPr>
-                                <a:rPr sz="1400" i="1">
-                                  <a:latin typeface="Cambria Math" panose="02040503050406030204" pitchFamily="18" charset="0"/>
-                                </a:rPr>
-                              </m:ctrlPr>
+                              <m:type m:val="bar"/>
                             </m:fPr>
                             <m:num>
                               <m:r>
-                                <a:rPr sz="1400">
-                                  <a:latin typeface="Cambria Math" panose="02040503050406030204" pitchFamily="18" charset="0"/>
-                                </a:rPr>
-                                <m:t>𝐵</m:t>
+                                <m:t>B</m:t>
                               </m:r>
                               <m:d>
                                 <m:dPr>
-                                  <m:ctrlPr>
-                                    <a:rPr sz="1400" i="1">
-                                      <a:latin typeface="Cambria Math" panose="02040503050406030204" pitchFamily="18" charset="0"/>
-                                    </a:rPr>
-                                  </m:ctrlPr>
+                                  <m:begChr m:val="("/>
+                                  <m:sepChr m:val=""/>
+                                  <m:endChr m:val=")"/>
+                                  <m:grow/>
                                 </m:dPr>
                                 <m:e>
                                   <m:r>
-                                    <a:rPr sz="1400">
-                                      <a:latin typeface="Cambria Math" panose="02040503050406030204" pitchFamily="18" charset="0"/>
-                                    </a:rPr>
-                                    <m:t>𝑠</m:t>
+                                    <m:t>s</m:t>
                                   </m:r>
                                 </m:e>
                               </m:d>
                             </m:num>
                             <m:den>
                               <m:sSub>
-                                <m:sSubPr>
-                                  <m:ctrlPr>
-                                    <a:rPr sz="1400" i="1">
-                                      <a:latin typeface="Cambria Math" panose="02040503050406030204" pitchFamily="18" charset="0"/>
-                                    </a:rPr>
-                                  </m:ctrlPr>
-                                </m:sSubPr>
                                 <m:e>
                                   <m:r>
-                                    <a:rPr sz="1400">
-                                      <a:latin typeface="Cambria Math" panose="02040503050406030204" pitchFamily="18" charset="0"/>
-                                    </a:rPr>
-                                    <m:t>𝐵</m:t>
+                                    <m:t>B</m:t>
                                   </m:r>
                                 </m:e>
                                 <m:sub>
                                   <m:r>
-                                    <a:rPr sz="1400">
-                                      <a:latin typeface="Cambria Math" panose="02040503050406030204" pitchFamily="18" charset="0"/>
-                                    </a:rPr>
-                                    <m:t>𝑚</m:t>
+                                    <m:t>m</m:t>
                                   </m:r>
                                 </m:sub>
                               </m:sSub>
@@ -5963,77 +5334,37 @@
                         </m:e>
                       </m:rad>
                       <m:r>
-                        <a:rPr sz="1400">
-                          <a:latin typeface="Cambria Math" panose="02040503050406030204" pitchFamily="18" charset="0"/>
-                        </a:rPr>
-                        <m:t>𝑑𝑠</m:t>
+                        <m:t>d</m:t>
+                      </m:r>
+                      <m:r>
+                        <m:t>s</m:t>
                       </m:r>
                     </m:oMath>
                   </m:oMathPara>
                 </a14:m>
-                <a:endParaRPr lang="en-US" sz="1400" dirty="0"/>
-              </a:p>
-              <a:p>
-                <a:pPr/>
-                <a:r>
-                  <a:rPr lang="en-US" sz="1400" dirty="0"/>
-                  <a:t>Time scales for the different motions are separated by 1 to 3 orders of magnitude and all invariants are conserved.</a:t>
-                </a:r>
               </a:p>
             </p:txBody>
           </p:sp>
         </mc:Choice>
-        <mc:Fallback>
-          <p:sp>
-            <p:nvSpPr>
-              <p:cNvPr id="4" name="Text Placeholder 3"/>
-              <p:cNvSpPr>
-                <a:spLocks noGrp="1" noRot="1" noChangeAspect="1" noMove="1" noResize="1" noEditPoints="1" noAdjustHandles="1" noChangeArrowheads="1" noChangeShapeType="1" noTextEdit="1"/>
-              </p:cNvSpPr>
-              <p:nvPr>
-                <p:ph type="body" sz="half" idx="2"/>
-              </p:nvPr>
-            </p:nvSpPr>
-            <p:spPr>
-              <a:blipFill>
-                <a:blip r:embed="rId2"/>
-                <a:stretch>
-                  <a:fillRect l="-844" r="-1266"/>
-                </a:stretch>
-              </a:blipFill>
-            </p:spPr>
-            <p:txBody>
-              <a:bodyPr/>
-              <a:lstStyle/>
-              <a:p>
-                <a:r>
-                  <a:rPr lang="en-US">
-                    <a:noFill/>
-                  </a:rPr>
-                  <a:t> </a:t>
-                </a:r>
-              </a:p>
-            </p:txBody>
-          </p:sp>
-        </mc:Fallback>
       </mc:AlternateContent>
       <p:pic>
         <p:nvPicPr>
-          <p:cNvPr id="3" name="Picture 1" descr="images/jgra21351-fig-0001.png"/>
+          <p:cNvPr descr="images/jgra21351-fig-0001.png" id="0" name="Picture 1"/>
           <p:cNvPicPr>
             <a:picLocks noGrp="1" noChangeAspect="1"/>
           </p:cNvPicPr>
           <p:nvPr/>
         </p:nvPicPr>
         <p:blipFill>
-          <a:blip r:embed="rId3"/>
-          <a:srcRect t="1" r="50097" b="-349"/>
-          <a:stretch/>
+          <a:blip r:embed="rId2"/>
+          <a:stretch>
+            <a:fillRect/>
+          </a:stretch>
         </p:blipFill>
         <p:spPr bwMode="auto">
           <a:xfrm>
-            <a:off x="3568700" y="163716"/>
-            <a:ext cx="5250099" cy="3912984"/>
+            <a:off x="3568700" y="1193800"/>
+            <a:ext cx="5105400" cy="1892300"/>
           </a:xfrm>
           <a:prstGeom prst="rect">
             <a:avLst/>
@@ -6048,7 +5379,7 @@
       </p:pic>
       <p:sp>
         <p:nvSpPr>
-          <p:cNvPr id="5" name="TextBox 3"/>
+          <p:cNvPr id="1" name="TextBox 3"/>
           <p:cNvSpPr txBox="1"/>
           <p:nvPr/>
         </p:nvSpPr>
@@ -6066,10 +5397,11 @@
           <a:bodyPr/>
           <a:lstStyle/>
           <a:p>
-            <a:pPr marL="0" lvl="0" indent="0" algn="ctr">
+            <a:pPr lvl="0" indent="0" marL="0" algn="ctr">
               <a:buNone/>
             </a:pPr>
             <a:r>
+              <a:rPr/>
               <a:t>In a dayside compressed magnetic field of the inner magnetosphere charged particles can exhibit three types of drift bounce guiding center trajectories</a:t>
             </a:r>
           </a:p>
@@ -6077,88 +5409,6 @@
       </p:sp>
     </p:spTree>
   </p:cSld>
-  <p:clrMapOvr>
-    <a:masterClrMapping/>
-  </p:clrMapOvr>
-  <p:timing>
-    <p:tnLst>
-      <p:par>
-        <p:cTn id="1" dur="indefinite" restart="never" nodeType="tmRoot">
-          <p:childTnLst>
-            <p:seq concurrent="1" nextAc="seek">
-              <p:cTn id="2" dur="indefinite" nodeType="mainSeq">
-                <p:childTnLst>
-                  <p:par>
-                    <p:cTn id="3" fill="hold">
-                      <p:stCondLst>
-                        <p:cond delay="indefinite"/>
-                      </p:stCondLst>
-                      <p:childTnLst>
-                        <p:par>
-                          <p:cTn id="4" fill="hold">
-                            <p:stCondLst>
-                              <p:cond delay="0"/>
-                            </p:stCondLst>
-                            <p:childTnLst>
-                              <p:par>
-                                <p:cTn id="5" presetID="1" presetClass="entr" presetSubtype="0" fill="hold" nodeType="clickEffect">
-                                  <p:stCondLst>
-                                    <p:cond delay="0"/>
-                                  </p:stCondLst>
-                                  <p:childTnLst>
-                                    <p:set>
-                                      <p:cBhvr>
-                                        <p:cTn id="6" dur="1" fill="hold">
-                                          <p:stCondLst>
-                                            <p:cond delay="0"/>
-                                          </p:stCondLst>
-                                        </p:cTn>
-                                        <p:tgtEl>
-                                          <p:spTgt spid="4">
-                                            <p:txEl>
-                                              <p:pRg st="3" end="3"/>
-                                            </p:txEl>
-                                          </p:spTgt>
-                                        </p:tgtEl>
-                                        <p:attrNameLst>
-                                          <p:attrName>style.visibility</p:attrName>
-                                        </p:attrNameLst>
-                                      </p:cBhvr>
-                                      <p:to>
-                                        <p:strVal val="visible"/>
-                                      </p:to>
-                                    </p:set>
-                                  </p:childTnLst>
-                                </p:cTn>
-                              </p:par>
-                            </p:childTnLst>
-                          </p:cTn>
-                        </p:par>
-                      </p:childTnLst>
-                    </p:cTn>
-                  </p:par>
-                </p:childTnLst>
-              </p:cTn>
-              <p:prevCondLst>
-                <p:cond evt="onPrev" delay="0">
-                  <p:tgtEl>
-                    <p:sldTgt/>
-                  </p:tgtEl>
-                </p:cond>
-              </p:prevCondLst>
-              <p:nextCondLst>
-                <p:cond evt="onNext" delay="0">
-                  <p:tgtEl>
-                    <p:sldTgt/>
-                  </p:tgtEl>
-                </p:cond>
-              </p:nextCondLst>
-            </p:seq>
-          </p:childTnLst>
-        </p:cTn>
-      </p:par>
-    </p:tnLst>
-  </p:timing>
 </p:sld>
 </file>
 
@@ -6194,10 +5444,11 @@
           <a:bodyPr/>
           <a:lstStyle/>
           <a:p>
-            <a:pPr marL="0" lvl="0" indent="0">
+            <a:pPr lvl="0" indent="0" marL="0">
               <a:buNone/>
             </a:pPr>
             <a:r>
+              <a:rPr/>
               <a:t>Introduction - Separatrix crossings</a:t>
             </a:r>
           </a:p>
@@ -6205,7 +5456,7 @@
       </p:sp>
       <p:pic>
         <p:nvPicPr>
-          <p:cNvPr id="4" name="Picture 1" descr="images/jgra21351-fig-0012.png"/>
+          <p:cNvPr descr="images/jgra21351-fig-0012.png" id="0" name="Picture 1"/>
           <p:cNvPicPr>
             <a:picLocks noGrp="1" noChangeAspect="1"/>
           </p:cNvPicPr>
@@ -6219,7 +5470,7 @@
         </p:blipFill>
         <p:spPr bwMode="auto">
           <a:xfrm>
-            <a:off x="601050" y="1181992"/>
+            <a:off x="3606800" y="1193800"/>
             <a:ext cx="1917700" cy="2882900"/>
           </a:xfrm>
           <a:prstGeom prst="rect">
@@ -6235,7 +5486,7 @@
       </p:pic>
       <p:sp>
         <p:nvSpPr>
-          <p:cNvPr id="5" name="TextBox 3"/>
+          <p:cNvPr id="1" name="TextBox 3"/>
           <p:cNvSpPr txBox="1"/>
           <p:nvPr/>
         </p:nvSpPr>
@@ -6253,10 +5504,11 @@
           <a:bodyPr/>
           <a:lstStyle/>
           <a:p>
-            <a:pPr marL="0" lvl="0" indent="0" algn="ctr">
+            <a:pPr lvl="0" indent="0" marL="0" algn="ctr">
               <a:buNone/>
             </a:pPr>
             <a:r>
+              <a:rPr/>
               <a:t>One‐dimensional Hamiltonian system with a separatrix. (top) Potential energy function; (bottom) particle trajectories inside and outside a figure eight separatrix.</a:t>
             </a:r>
           </a:p>
@@ -6274,19 +5526,12 @@
                 <p:ph idx="1"/>
               </p:nvPr>
             </p:nvSpPr>
-            <p:spPr>
-              <a:xfrm>
-                <a:off x="2797521" y="2390115"/>
-                <a:ext cx="5889279" cy="1686585"/>
-              </a:xfrm>
-            </p:spPr>
+            <p:spPr/>
             <p:txBody>
-              <a:bodyPr>
-                <a:normAutofit fontScale="92500"/>
-              </a:bodyPr>
+              <a:bodyPr/>
               <a:lstStyle/>
               <a:p>
-                <a:pPr marL="0" lvl="0" indent="0">
+                <a:pPr lvl="0" indent="0" marL="0">
                   <a:buNone/>
                 </a:pPr>
                 <a14:m>
@@ -6294,210 +5539,147 @@
                     <m:oMathParaPr>
                       <m:jc m:val="center"/>
                     </m:oMathParaPr>
-                    <m:oMath xmlns:m="http://schemas.openxmlformats.org/officeDocument/2006/math">
+                    <m:oMath>
                       <m:sSub>
-                        <m:sSubPr>
-                          <m:ctrlPr>
-                            <a:rPr>
-                              <a:latin typeface="Cambria Math" panose="02040503050406030204" pitchFamily="18" charset="0"/>
-                            </a:rPr>
-                          </m:ctrlPr>
-                        </m:sSubPr>
                         <m:e>
                           <m:r>
-                            <a:rPr>
-                              <a:latin typeface="Cambria Math" panose="02040503050406030204" pitchFamily="18" charset="0"/>
-                            </a:rPr>
-                            <m:t>𝑇</m:t>
+                            <m:t>T</m:t>
                           </m:r>
                         </m:e>
                         <m:sub>
                           <m:r>
-                            <a:rPr>
-                              <a:latin typeface="Cambria Math" panose="02040503050406030204" pitchFamily="18" charset="0"/>
-                            </a:rPr>
                             <m:t>0</m:t>
                           </m:r>
                         </m:sub>
                       </m:sSub>
                       <m:r>
-                        <a:rPr>
-                          <a:latin typeface="Cambria Math" panose="02040503050406030204" pitchFamily="18" charset="0"/>
-                        </a:rPr>
+                        <m:rPr>
+                          <m:sty m:val="p"/>
+                        </m:rPr>
                         <m:t>=</m:t>
                       </m:r>
                       <m:f>
                         <m:fPr>
-                          <m:ctrlPr>
-                            <a:rPr i="1">
-                              <a:latin typeface="Cambria Math" panose="02040503050406030204" pitchFamily="18" charset="0"/>
-                            </a:rPr>
-                          </m:ctrlPr>
+                          <m:type m:val="bar"/>
                         </m:fPr>
                         <m:num>
                           <m:r>
-                            <a:rPr>
-                              <a:latin typeface="Cambria Math" panose="02040503050406030204" pitchFamily="18" charset="0"/>
-                            </a:rPr>
                             <m:t>2</m:t>
                           </m:r>
                           <m:r>
-                            <a:rPr>
-                              <a:latin typeface="Cambria Math" panose="02040503050406030204" pitchFamily="18" charset="0"/>
-                            </a:rPr>
-                            <m:t>𝜋</m:t>
+                            <m:t>π</m:t>
                           </m:r>
                         </m:num>
                         <m:den>
                           <m:r>
-                            <a:rPr>
-                              <a:latin typeface="Cambria Math" panose="02040503050406030204" pitchFamily="18" charset="0"/>
-                            </a:rPr>
-                            <m:t>𝜔</m:t>
+                            <m:t>ω</m:t>
                           </m:r>
                         </m:den>
                       </m:f>
                       <m:r>
-                        <a:rPr>
-                          <a:latin typeface="Cambria Math" panose="02040503050406030204" pitchFamily="18" charset="0"/>
-                        </a:rPr>
+                        <m:rPr>
+                          <m:sty m:val="p"/>
+                        </m:rPr>
                         <m:t>=</m:t>
                       </m:r>
                       <m:f>
                         <m:fPr>
-                          <m:ctrlPr>
-                            <a:rPr i="1">
-                              <a:latin typeface="Cambria Math" panose="02040503050406030204" pitchFamily="18" charset="0"/>
-                            </a:rPr>
-                          </m:ctrlPr>
+                          <m:type m:val="bar"/>
                         </m:fPr>
                         <m:num>
                           <m:r>
-                            <a:rPr>
-                              <a:latin typeface="Cambria Math" panose="02040503050406030204" pitchFamily="18" charset="0"/>
-                            </a:rPr>
                             <m:t>2</m:t>
                           </m:r>
                           <m:r>
-                            <a:rPr>
-                              <a:latin typeface="Cambria Math" panose="02040503050406030204" pitchFamily="18" charset="0"/>
-                            </a:rPr>
-                            <m:t>𝜋</m:t>
+                            <m:t>π</m:t>
                           </m:r>
                         </m:num>
                         <m:den>
                           <m:r>
-                            <a:rPr>
-                              <a:latin typeface="Cambria Math" panose="02040503050406030204" pitchFamily="18" charset="0"/>
-                            </a:rPr>
-                            <m:t>𝑑𝐻</m:t>
+                            <m:t>d</m:t>
                           </m:r>
                           <m:r>
-                            <a:rPr>
-                              <a:latin typeface="Cambria Math" panose="02040503050406030204" pitchFamily="18" charset="0"/>
-                            </a:rPr>
+                            <m:t>H</m:t>
+                          </m:r>
+                          <m:r>
+                            <m:rPr>
+                              <m:sty m:val="p"/>
+                            </m:rPr>
                             <m:t>/</m:t>
                           </m:r>
                           <m:r>
-                            <a:rPr>
-                              <a:latin typeface="Cambria Math" panose="02040503050406030204" pitchFamily="18" charset="0"/>
-                            </a:rPr>
-                            <m:t>𝑑𝐼</m:t>
+                            <m:t>d</m:t>
+                          </m:r>
+                          <m:r>
+                            <m:t>I</m:t>
                           </m:r>
                         </m:den>
                       </m:f>
                       <m:r>
-                        <a:rPr>
-                          <a:latin typeface="Cambria Math" panose="02040503050406030204" pitchFamily="18" charset="0"/>
-                        </a:rPr>
+                        <m:rPr>
+                          <m:sty m:val="p"/>
+                        </m:rPr>
                         <m:t>=</m:t>
                       </m:r>
                       <m:nary>
                         <m:naryPr>
+                          <m:chr m:val="∫"/>
                           <m:limLoc m:val="subSup"/>
-                          <m:ctrlPr>
-                            <a:rPr i="1">
-                              <a:latin typeface="Cambria Math" panose="02040503050406030204" pitchFamily="18" charset="0"/>
-                            </a:rPr>
-                          </m:ctrlPr>
+                          <m:subHide m:val="off"/>
+                          <m:supHide m:val="off"/>
                         </m:naryPr>
                         <m:sub>
                           <m:r>
-                            <a:rPr>
-                              <a:latin typeface="Cambria Math" panose="02040503050406030204" pitchFamily="18" charset="0"/>
-                            </a:rPr>
                             <m:t>1</m:t>
                           </m:r>
                         </m:sub>
                         <m:sup>
                           <m:r>
-                            <a:rPr>
-                              <a:latin typeface="Cambria Math" panose="02040503050406030204" pitchFamily="18" charset="0"/>
-                            </a:rPr>
                             <m:t>2</m:t>
                           </m:r>
                         </m:sup>
                         <m:e>
                           <m:f>
                             <m:fPr>
-                              <m:ctrlPr>
-                                <a:rPr i="1">
-                                  <a:latin typeface="Cambria Math" panose="02040503050406030204" pitchFamily="18" charset="0"/>
-                                </a:rPr>
-                              </m:ctrlPr>
+                              <m:type m:val="bar"/>
                             </m:fPr>
                             <m:num>
                               <m:r>
-                                <a:rPr>
-                                  <a:latin typeface="Cambria Math" panose="02040503050406030204" pitchFamily="18" charset="0"/>
-                                </a:rPr>
-                                <m:t>𝑑𝑞</m:t>
+                                <m:t>d</m:t>
+                              </m:r>
+                              <m:r>
+                                <m:t>q</m:t>
                               </m:r>
                             </m:num>
                             <m:den>
                               <m:rad>
                                 <m:radPr>
                                   <m:degHide m:val="on"/>
-                                  <m:ctrlPr>
-                                    <a:rPr i="1">
-                                      <a:latin typeface="Cambria Math" panose="02040503050406030204" pitchFamily="18" charset="0"/>
-                                    </a:rPr>
-                                  </m:ctrlPr>
                                 </m:radPr>
                                 <m:deg/>
                                 <m:e>
                                   <m:r>
-                                    <a:rPr>
-                                      <a:latin typeface="Cambria Math" panose="02040503050406030204" pitchFamily="18" charset="0"/>
-                                    </a:rPr>
-                                    <m:t>𝐻</m:t>
+                                    <m:t>H</m:t>
                                   </m:r>
                                   <m:r>
-                                    <a:rPr>
-                                      <a:latin typeface="Cambria Math" panose="02040503050406030204" pitchFamily="18" charset="0"/>
-                                    </a:rPr>
+                                    <m:rPr>
+                                      <m:sty m:val="p"/>
+                                    </m:rPr>
                                     <m:t>−</m:t>
                                   </m:r>
                                   <m:r>
-                                    <a:rPr>
-                                      <a:latin typeface="Cambria Math" panose="02040503050406030204" pitchFamily="18" charset="0"/>
-                                    </a:rPr>
-                                    <m:t>𝑈</m:t>
+                                    <m:t>U</m:t>
                                   </m:r>
                                   <m:d>
                                     <m:dPr>
-                                      <m:ctrlPr>
-                                        <a:rPr i="1">
-                                          <a:latin typeface="Cambria Math" panose="02040503050406030204" pitchFamily="18" charset="0"/>
-                                        </a:rPr>
-                                      </m:ctrlPr>
+                                      <m:begChr m:val="("/>
+                                      <m:sepChr m:val=""/>
+                                      <m:endChr m:val=")"/>
+                                      <m:grow/>
                                     </m:dPr>
                                     <m:e>
                                       <m:r>
-                                        <a:rPr>
-                                          <a:latin typeface="Cambria Math" panose="02040503050406030204" pitchFamily="18" charset="0"/>
-                                        </a:rPr>
-                                        <m:t>𝑞</m:t>
+                                        <m:t>q</m:t>
                                       </m:r>
                                     </m:e>
                                   </m:d>
@@ -6508,155 +5690,106 @@
                         </m:e>
                       </m:nary>
                       <m:r>
-                        <a:rPr>
-                          <a:latin typeface="Cambria Math" panose="02040503050406030204" pitchFamily="18" charset="0"/>
-                        </a:rPr>
+                        <m:rPr>
+                          <m:sty m:val="p"/>
+                        </m:rPr>
                         <m:t>=</m:t>
                       </m:r>
                       <m:r>
                         <m:rPr>
                           <m:sty m:val="p"/>
                         </m:rPr>
-                        <a:rPr>
-                          <a:latin typeface="Cambria Math" panose="02040503050406030204" pitchFamily="18" charset="0"/>
-                        </a:rPr>
                         <m:t>ln</m:t>
                       </m:r>
                       <m:d>
                         <m:dPr>
                           <m:begChr m:val="|"/>
+                          <m:sepChr m:val=""/>
                           <m:endChr m:val="|"/>
-                          <m:ctrlPr>
-                            <a:rPr i="1">
-                              <a:latin typeface="Cambria Math" panose="02040503050406030204" pitchFamily="18" charset="0"/>
-                            </a:rPr>
-                          </m:ctrlPr>
+                          <m:grow/>
                         </m:dPr>
                         <m:e>
                           <m:f>
                             <m:fPr>
-                              <m:ctrlPr>
-                                <a:rPr i="1">
-                                  <a:latin typeface="Cambria Math" panose="02040503050406030204" pitchFamily="18" charset="0"/>
-                                </a:rPr>
-                              </m:ctrlPr>
+                              <m:type m:val="bar"/>
                             </m:fPr>
                             <m:num>
                               <m:sSub>
-                                <m:sSubPr>
-                                  <m:ctrlPr>
-                                    <a:rPr i="1">
-                                      <a:latin typeface="Cambria Math" panose="02040503050406030204" pitchFamily="18" charset="0"/>
-                                    </a:rPr>
-                                  </m:ctrlPr>
-                                </m:sSubPr>
                                 <m:e>
                                   <m:r>
-                                    <a:rPr>
-                                      <a:latin typeface="Cambria Math" panose="02040503050406030204" pitchFamily="18" charset="0"/>
-                                    </a:rPr>
-                                    <m:t>𝐻</m:t>
+                                    <m:t>H</m:t>
                                   </m:r>
                                 </m:e>
                                 <m:sub>
                                   <m:r>
-                                    <a:rPr>
-                                      <a:latin typeface="Cambria Math" panose="02040503050406030204" pitchFamily="18" charset="0"/>
-                                    </a:rPr>
-                                    <m:t>𝑆</m:t>
+                                    <m:t>S</m:t>
                                   </m:r>
                                 </m:sub>
                               </m:sSub>
                             </m:num>
                             <m:den>
                               <m:r>
-                                <a:rPr>
-                                  <a:latin typeface="Cambria Math" panose="02040503050406030204" pitchFamily="18" charset="0"/>
-                                </a:rPr>
-                                <m:t>𝛥</m:t>
+                                <m:t>Δ</m:t>
                               </m:r>
                             </m:den>
                           </m:f>
                         </m:e>
                       </m:d>
                       <m:r>
-                        <a:rPr>
-                          <a:latin typeface="Cambria Math" panose="02040503050406030204" pitchFamily="18" charset="0"/>
-                        </a:rPr>
+                        <m:rPr>
+                          <m:sty m:val="p"/>
+                        </m:rPr>
                         <m:t>.</m:t>
                       </m:r>
                     </m:oMath>
                   </m:oMathPara>
                 </a14:m>
-                <a:endParaRPr dirty="0"/>
               </a:p>
               <a:p>
-                <a:pPr marL="0" lvl="0" indent="0">
+                <a:pPr lvl="0" indent="0" marL="0">
                   <a:buNone/>
                 </a:pPr>
                 <a:r>
-                  <a:rPr dirty="0"/>
+                  <a:rPr/>
                   <a:t>where </a:t>
                 </a:r>
                 <a14:m>
                   <m:oMath xmlns:m="http://schemas.openxmlformats.org/officeDocument/2006/math">
                     <m:r>
-                      <a:rPr>
-                        <a:latin typeface="Cambria Math" panose="02040503050406030204" pitchFamily="18" charset="0"/>
-                      </a:rPr>
-                      <m:t>𝛥</m:t>
+                      <m:t>Δ</m:t>
                     </m:r>
                     <m:r>
-                      <a:rPr>
-                        <a:latin typeface="Cambria Math" panose="02040503050406030204" pitchFamily="18" charset="0"/>
-                      </a:rPr>
+                      <m:rPr>
+                        <m:sty m:val="p"/>
+                      </m:rPr>
                       <m:t>=</m:t>
                     </m:r>
                     <m:d>
                       <m:dPr>
                         <m:begChr m:val="|"/>
+                        <m:sepChr m:val=""/>
                         <m:endChr m:val="|"/>
-                        <m:ctrlPr>
-                          <a:rPr i="1">
-                            <a:latin typeface="Cambria Math" panose="02040503050406030204" pitchFamily="18" charset="0"/>
-                          </a:rPr>
-                        </m:ctrlPr>
+                        <m:grow/>
                       </m:dPr>
                       <m:e>
                         <m:r>
-                          <a:rPr>
-                            <a:latin typeface="Cambria Math" panose="02040503050406030204" pitchFamily="18" charset="0"/>
-                          </a:rPr>
-                          <m:t>𝐻</m:t>
+                          <m:t>H</m:t>
                         </m:r>
                         <m:r>
-                          <a:rPr>
-                            <a:latin typeface="Cambria Math" panose="02040503050406030204" pitchFamily="18" charset="0"/>
-                          </a:rPr>
+                          <m:rPr>
+                            <m:sty m:val="p"/>
+                          </m:rPr>
                           <m:t>−</m:t>
                         </m:r>
                         <m:sSub>
-                          <m:sSubPr>
-                            <m:ctrlPr>
-                              <a:rPr i="1">
-                                <a:latin typeface="Cambria Math" panose="02040503050406030204" pitchFamily="18" charset="0"/>
-                              </a:rPr>
-                            </m:ctrlPr>
-                          </m:sSubPr>
                           <m:e>
                             <m:r>
-                              <a:rPr>
-                                <a:latin typeface="Cambria Math" panose="02040503050406030204" pitchFamily="18" charset="0"/>
-                              </a:rPr>
-                              <m:t>𝐻</m:t>
+                              <m:t>H</m:t>
                             </m:r>
                           </m:e>
                           <m:sub>
                             <m:r>
-                              <a:rPr>
-                                <a:latin typeface="Cambria Math" panose="02040503050406030204" pitchFamily="18" charset="0"/>
-                              </a:rPr>
-                              <m:t>𝑆</m:t>
+                              <m:t>S</m:t>
                             </m:r>
                           </m:sub>
                         </m:sSub>
@@ -6665,229 +5798,36 @@
                   </m:oMath>
                 </a14:m>
                 <a:r>
-                  <a:rPr dirty="0"/>
+                  <a:rPr/>
                   <a:t>, and </a:t>
                 </a:r>
                 <a14:m>
                   <m:oMath xmlns:m="http://schemas.openxmlformats.org/officeDocument/2006/math">
                     <m:sSub>
-                      <m:sSubPr>
-                        <m:ctrlPr>
-                          <a:rPr>
-                            <a:latin typeface="Cambria Math" panose="02040503050406030204" pitchFamily="18" charset="0"/>
-                          </a:rPr>
-                        </m:ctrlPr>
-                      </m:sSubPr>
                       <m:e>
                         <m:r>
-                          <a:rPr>
-                            <a:latin typeface="Cambria Math" panose="02040503050406030204" pitchFamily="18" charset="0"/>
-                          </a:rPr>
-                          <m:t>𝐻</m:t>
+                          <m:t>H</m:t>
                         </m:r>
                       </m:e>
                       <m:sub>
                         <m:r>
-                          <a:rPr>
-                            <a:latin typeface="Cambria Math" panose="02040503050406030204" pitchFamily="18" charset="0"/>
-                          </a:rPr>
-                          <m:t>𝑆</m:t>
+                          <m:t>S</m:t>
                         </m:r>
                       </m:sub>
                     </m:sSub>
                   </m:oMath>
                 </a14:m>
                 <a:r>
-                  <a:rPr dirty="0"/>
+                  <a:rPr/>
                   <a:t> is the particle energy at the separatrix.</a:t>
                 </a:r>
               </a:p>
             </p:txBody>
           </p:sp>
         </mc:Choice>
-        <mc:Fallback>
-          <p:sp>
-            <p:nvSpPr>
-              <p:cNvPr id="3" name="Content Placeholder 2"/>
-              <p:cNvSpPr>
-                <a:spLocks noGrp="1" noRot="1" noChangeAspect="1" noMove="1" noResize="1" noEditPoints="1" noAdjustHandles="1" noChangeArrowheads="1" noChangeShapeType="1" noTextEdit="1"/>
-              </p:cNvSpPr>
-              <p:nvPr>
-                <p:ph idx="1"/>
-              </p:nvPr>
-            </p:nvSpPr>
-            <p:spPr>
-              <a:xfrm>
-                <a:off x="2797521" y="2390115"/>
-                <a:ext cx="5889279" cy="1686585"/>
-              </a:xfrm>
-              <a:blipFill>
-                <a:blip r:embed="rId3"/>
-                <a:stretch>
-                  <a:fillRect l="-1293" t="-79104" b="-67164"/>
-                </a:stretch>
-              </a:blipFill>
-            </p:spPr>
-            <p:txBody>
-              <a:bodyPr/>
-              <a:lstStyle/>
-              <a:p>
-                <a:r>
-                  <a:rPr lang="en-US">
-                    <a:noFill/>
-                  </a:rPr>
-                  <a:t> </a:t>
-                </a:r>
-              </a:p>
-            </p:txBody>
-          </p:sp>
-        </mc:Fallback>
       </mc:AlternateContent>
-      <p:pic>
-        <p:nvPicPr>
-          <p:cNvPr id="6" name="Picture 5">
-            <a:extLst>
-              <a:ext uri="{FF2B5EF4-FFF2-40B4-BE49-F238E27FC236}">
-                <a16:creationId xmlns:a16="http://schemas.microsoft.com/office/drawing/2014/main" id="{A54D4992-8198-2F34-2A6D-606CD55030FE}"/>
-              </a:ext>
-            </a:extLst>
-          </p:cNvPr>
-          <p:cNvPicPr>
-            <a:picLocks noChangeAspect="1"/>
-          </p:cNvPicPr>
-          <p:nvPr/>
-        </p:nvPicPr>
-        <p:blipFill>
-          <a:blip r:embed="rId4"/>
-          <a:stretch>
-            <a:fillRect/>
-          </a:stretch>
-        </p:blipFill>
-        <p:spPr>
-          <a:xfrm>
-            <a:off x="3132502" y="936411"/>
-            <a:ext cx="5029200" cy="1447800"/>
-          </a:xfrm>
-          <a:prstGeom prst="rect">
-            <a:avLst/>
-          </a:prstGeom>
-        </p:spPr>
-      </p:pic>
     </p:spTree>
   </p:cSld>
-  <p:clrMapOvr>
-    <a:masterClrMapping/>
-  </p:clrMapOvr>
-  <p:timing>
-    <p:tnLst>
-      <p:par>
-        <p:cTn id="1" dur="indefinite" restart="never" nodeType="tmRoot">
-          <p:childTnLst>
-            <p:seq concurrent="1" nextAc="seek">
-              <p:cTn id="2" dur="indefinite" nodeType="mainSeq">
-                <p:childTnLst>
-                  <p:par>
-                    <p:cTn id="3" fill="hold">
-                      <p:stCondLst>
-                        <p:cond delay="indefinite"/>
-                      </p:stCondLst>
-                      <p:childTnLst>
-                        <p:par>
-                          <p:cTn id="4" fill="hold">
-                            <p:stCondLst>
-                              <p:cond delay="0"/>
-                            </p:stCondLst>
-                            <p:childTnLst>
-                              <p:par>
-                                <p:cTn id="5" presetID="1" presetClass="entr" presetSubtype="0" fill="hold" nodeType="clickEffect">
-                                  <p:stCondLst>
-                                    <p:cond delay="0"/>
-                                  </p:stCondLst>
-                                  <p:childTnLst>
-                                    <p:set>
-                                      <p:cBhvr>
-                                        <p:cTn id="6" dur="1" fill="hold">
-                                          <p:stCondLst>
-                                            <p:cond delay="0"/>
-                                          </p:stCondLst>
-                                        </p:cTn>
-                                        <p:tgtEl>
-                                          <p:spTgt spid="3">
-                                            <p:txEl>
-                                              <p:pRg st="0" end="0"/>
-                                            </p:txEl>
-                                          </p:spTgt>
-                                        </p:tgtEl>
-                                        <p:attrNameLst>
-                                          <p:attrName>style.visibility</p:attrName>
-                                        </p:attrNameLst>
-                                      </p:cBhvr>
-                                      <p:to>
-                                        <p:strVal val="visible"/>
-                                      </p:to>
-                                    </p:set>
-                                  </p:childTnLst>
-                                </p:cTn>
-                              </p:par>
-                              <p:par>
-                                <p:cTn id="7" presetID="1" presetClass="entr" presetSubtype="0" fill="hold" nodeType="withEffect">
-                                  <p:stCondLst>
-                                    <p:cond delay="0"/>
-                                  </p:stCondLst>
-                                  <p:childTnLst>
-                                    <p:set>
-                                      <p:cBhvr>
-                                        <p:cTn id="8" dur="1" fill="hold">
-                                          <p:stCondLst>
-                                            <p:cond delay="0"/>
-                                          </p:stCondLst>
-                                        </p:cTn>
-                                        <p:tgtEl>
-                                          <p:spTgt spid="3">
-                                            <p:txEl>
-                                              <p:pRg st="1" end="1"/>
-                                            </p:txEl>
-                                          </p:spTgt>
-                                        </p:tgtEl>
-                                        <p:attrNameLst>
-                                          <p:attrName>style.visibility</p:attrName>
-                                        </p:attrNameLst>
-                                      </p:cBhvr>
-                                      <p:to>
-                                        <p:strVal val="visible"/>
-                                      </p:to>
-                                    </p:set>
-                                  </p:childTnLst>
-                                </p:cTn>
-                              </p:par>
-                            </p:childTnLst>
-                          </p:cTn>
-                        </p:par>
-                      </p:childTnLst>
-                    </p:cTn>
-                  </p:par>
-                </p:childTnLst>
-              </p:cTn>
-              <p:prevCondLst>
-                <p:cond evt="onPrev" delay="0">
-                  <p:tgtEl>
-                    <p:sldTgt/>
-                  </p:tgtEl>
-                </p:cond>
-              </p:prevCondLst>
-              <p:nextCondLst>
-                <p:cond evt="onNext" delay="0">
-                  <p:tgtEl>
-                    <p:sldTgt/>
-                  </p:tgtEl>
-                </p:cond>
-              </p:nextCondLst>
-            </p:seq>
-          </p:childTnLst>
-        </p:cTn>
-      </p:par>
-    </p:tnLst>
-  </p:timing>
 </p:sld>
 </file>
 
@@ -6925,16 +5865,14 @@
           </a:xfrm>
         </p:spPr>
         <p:txBody>
-          <a:bodyPr>
-            <a:normAutofit/>
-          </a:bodyPr>
+          <a:bodyPr/>
           <a:lstStyle/>
           <a:p>
-            <a:pPr marL="0" lvl="0" indent="0">
+            <a:pPr lvl="0" indent="0" marL="0">
               <a:buNone/>
             </a:pPr>
             <a:r>
-              <a:rPr sz="2400" dirty="0"/>
+              <a:rPr/>
               <a:t>Introduction - Drift orbit bifurcations</a:t>
             </a:r>
           </a:p>
@@ -6947,69 +5885,27 @@
             <a:spLocks noGrp="1"/>
           </p:cNvSpPr>
           <p:nvPr>
-            <p:ph type="body" sz="half" idx="2"/>
-          </p:nvPr>
-        </p:nvSpPr>
-        <p:spPr>
-          <a:xfrm>
-            <a:off x="457201" y="1076326"/>
-            <a:ext cx="3008313" cy="4364808"/>
-          </a:xfrm>
-        </p:spPr>
-        <p:txBody>
-          <a:bodyPr>
-            <a:normAutofit fontScale="92500" lnSpcReduction="10000"/>
-          </a:bodyPr>
+            <p:ph idx="2" sz="half" type="body"/>
+          </p:nvPr>
+        </p:nvSpPr>
+        <p:spPr/>
+        <p:txBody>
+          <a:bodyPr/>
           <a:lstStyle/>
           <a:p>
-            <a:pPr marL="0" lvl="0" indent="0">
+            <a:pPr lvl="0" indent="0" marL="0">
               <a:buNone/>
             </a:pPr>
             <a:r>
-              <a:rPr sz="1600" dirty="0"/>
-              <a:t>At drift orbit bifurcations the particle phase space trajectory crosses a separatrix (Figures 2l and 2m), which divides the (pk, s) phase plane into three distinct regions</a:t>
-            </a:r>
-            <a:r>
-              <a:rPr lang="en-US" sz="1600" dirty="0"/>
-              <a:t>.</a:t>
-            </a:r>
-          </a:p>
-          <a:p>
-            <a:pPr marL="0" lvl="0" indent="0">
-              <a:buNone/>
-            </a:pPr>
-            <a:endParaRPr lang="en-US" sz="1600" dirty="0"/>
-          </a:p>
-          <a:p>
-            <a:pPr marL="0" lvl="0" indent="0">
-              <a:buNone/>
-            </a:pPr>
-            <a:r>
-              <a:rPr sz="1600" dirty="0"/>
-              <a:t>The region outside of the separatrix corresponds to the bounce motion across the equator, while two lobes connected at a saddle point correspond to trajectories trapped below and above the equator. </a:t>
-            </a:r>
-            <a:endParaRPr lang="en-US" sz="1600" dirty="0"/>
-          </a:p>
-          <a:p>
-            <a:pPr marL="0" lvl="0" indent="0">
-              <a:buNone/>
-            </a:pPr>
-            <a:endParaRPr lang="en-US" sz="1600" dirty="0"/>
-          </a:p>
-          <a:p>
-            <a:pPr marL="0" lvl="0" indent="0">
-              <a:buNone/>
-            </a:pPr>
-            <a:r>
-              <a:rPr sz="1600" dirty="0"/>
-              <a:t>While the particle approaches the separatrix its instantaneous bounce period increases logarithmically and in some small vicinity of the separatrix becomes comparable to the drift period.</a:t>
+              <a:rPr/>
+              <a:t>At drift orbit bifurcations the particle phase space trajectory crosses a separatrix (Figures 2l and 2m), which divides the (pk, s) phase plane into three distinct regions. The region outside of the separatrix corresponds to the bounce motion across the equator, while two lobes connected at a saddle point correspond to trajectories trapped below and above the equator. While the particle approaches the separatrix its instantaneous bounce period increases logarithmically and in some small vicinity of the separatrix becomes comparable to the drift period.</a:t>
             </a:r>
           </a:p>
         </p:txBody>
       </p:sp>
       <p:pic>
         <p:nvPicPr>
-          <p:cNvPr id="3" name="Picture 1" descr="images/jgra21351-fig-0002.webp"/>
+          <p:cNvPr descr="images/jgra21351-fig-0002.webp" id="0" name="Picture 1"/>
           <p:cNvPicPr>
             <a:picLocks noGrp="1" noChangeAspect="1"/>
           </p:cNvPicPr>
@@ -7023,8 +5919,8 @@
         </p:blipFill>
         <p:spPr bwMode="auto">
           <a:xfrm>
-            <a:off x="3568700" y="431800"/>
-            <a:ext cx="5105400" cy="3403600"/>
+            <a:off x="3835400" y="203200"/>
+            <a:ext cx="4584700" cy="3873500"/>
           </a:xfrm>
           <a:prstGeom prst="rect">
             <a:avLst/>
@@ -7039,7 +5935,7 @@
       </p:pic>
       <p:sp>
         <p:nvSpPr>
-          <p:cNvPr id="5" name="TextBox 3"/>
+          <p:cNvPr id="1" name="TextBox 3"/>
           <p:cNvSpPr txBox="1"/>
           <p:nvPr/>
         </p:nvSpPr>
@@ -7057,10 +5953,11 @@
           <a:bodyPr/>
           <a:lstStyle/>
           <a:p>
-            <a:pPr marL="0" lvl="0" indent="0" algn="ctr">
+            <a:pPr lvl="0" indent="0" marL="0" algn="ctr">
               <a:buNone/>
             </a:pPr>
             <a:r>
+              <a:rPr/>
               <a:t>Schematic illustration of bifurcating (purple) and stably trapped (green) particle dynamics</a:t>
             </a:r>
           </a:p>
@@ -7068,9 +5965,6 @@
       </p:sp>
     </p:spTree>
   </p:cSld>
-  <p:clrMapOvr>
-    <a:masterClrMapping/>
-  </p:clrMapOvr>
 </p:sld>
 </file>
 
@@ -7106,10 +6000,11 @@
           <a:bodyPr/>
           <a:lstStyle/>
           <a:p>
-            <a:pPr marL="0" lvl="0" indent="0">
+            <a:pPr lvl="0" indent="0" marL="0">
               <a:buNone/>
             </a:pPr>
             <a:r>
+              <a:rPr/>
               <a:t>Introduction - Diffusion and ballistic regimes</a:t>
             </a:r>
           </a:p>
@@ -7132,124 +6027,102 @@
               <a:bodyPr/>
               <a:lstStyle/>
               <a:p>
-                <a:pPr marL="0" lvl="0" indent="0">
+                <a:pPr lvl="0" indent="0" marL="0">
                   <a:buNone/>
                 </a:pPr>
                 <a:r>
-                  <a:rPr dirty="0"/>
+                  <a:rPr/>
                   <a:t>There are two regimes of particle transport due to separatrix crossing</a:t>
                 </a:r>
-                <a:endParaRPr lang="en-US" dirty="0"/>
               </a:p>
               <a:p>
-                <a:pPr marL="0" lvl="0" indent="0">
-                  <a:buNone/>
-                </a:pPr>
-                <a:endParaRPr dirty="0"/>
-              </a:p>
-              <a:p>
-                <a:pPr marL="0" lvl="0" indent="0">
+                <a:pPr lvl="0" indent="0" marL="0">
                   <a:buNone/>
                 </a:pPr>
                 <a:r>
-                  <a:rPr dirty="0"/>
+                  <a:rPr/>
                   <a:t>Diffusion regime : large initial value of the second invariant </a:t>
                 </a:r>
                 <a14:m>
                   <m:oMath xmlns:m="http://schemas.openxmlformats.org/officeDocument/2006/math">
                     <m:r>
-                      <a:rPr>
-                        <a:latin typeface="Cambria Math" panose="02040503050406030204" pitchFamily="18" charset="0"/>
-                      </a:rPr>
-                      <m:t>𝐼</m:t>
+                      <m:t>I</m:t>
                     </m:r>
                   </m:oMath>
                 </a14:m>
-                <a:endParaRPr dirty="0"/>
               </a:p>
               <a:p>
-                <a:pPr marL="0" lvl="0" indent="0">
+                <a:pPr lvl="0" indent="0" marL="0">
                   <a:buNone/>
                 </a:pPr>
                 <a14:m>
                   <m:oMathPara xmlns:m="http://schemas.openxmlformats.org/officeDocument/2006/math">
                     <m:oMathParaPr>
-                      <m:jc m:val="centerGroup"/>
+                      <m:jc m:val="center"/>
                     </m:oMathParaPr>
-                    <m:oMath xmlns:m="http://schemas.openxmlformats.org/officeDocument/2006/math">
+                    <m:oMath>
                       <m:r>
-                        <a:rPr>
-                          <a:latin typeface="Cambria Math" panose="02040503050406030204" pitchFamily="18" charset="0"/>
-                        </a:rPr>
+                        <m:rPr>
+                          <m:sty m:val="p"/>
+                        </m:rPr>
                         <m:t>⟨</m:t>
                       </m:r>
                       <m:r>
-                        <a:rPr>
-                          <a:latin typeface="Cambria Math" panose="02040503050406030204" pitchFamily="18" charset="0"/>
-                        </a:rPr>
-                        <m:t>𝛥</m:t>
+                        <m:t>Δ</m:t>
                       </m:r>
                       <m:r>
-                        <a:rPr>
-                          <a:latin typeface="Cambria Math" panose="02040503050406030204" pitchFamily="18" charset="0"/>
-                        </a:rPr>
-                        <m:t>𝐼</m:t>
+                        <m:t>I</m:t>
                       </m:r>
                       <m:r>
-                        <a:rPr>
-                          <a:latin typeface="Cambria Math" panose="02040503050406030204" pitchFamily="18" charset="0"/>
-                        </a:rPr>
-                        <m:t>⟩=0,</m:t>
+                        <m:rPr>
+                          <m:sty m:val="p"/>
+                        </m:rPr>
+                        <m:t>⟩</m:t>
+                      </m:r>
+                      <m:r>
+                        <m:rPr>
+                          <m:sty m:val="p"/>
+                        </m:rPr>
+                        <m:t>=</m:t>
+                      </m:r>
+                      <m:r>
+                        <m:t>0</m:t>
+                      </m:r>
+                      <m:r>
+                        <m:rPr>
+                          <m:sty m:val="p"/>
+                        </m:rPr>
+                        <m:t>,</m:t>
                       </m:r>
                       <m:d>
                         <m:dPr>
                           <m:begChr m:val="⟨"/>
+                          <m:sepChr m:val=""/>
                           <m:endChr m:val="⟩"/>
-                          <m:ctrlPr>
-                            <a:rPr i="1">
-                              <a:latin typeface="Cambria Math" panose="02040503050406030204" pitchFamily="18" charset="0"/>
-                            </a:rPr>
-                          </m:ctrlPr>
+                          <m:grow/>
                         </m:dPr>
                         <m:e>
                           <m:sSup>
-                            <m:sSupPr>
-                              <m:ctrlPr>
-                                <a:rPr i="1">
-                                  <a:latin typeface="Cambria Math" panose="02040503050406030204" pitchFamily="18" charset="0"/>
-                                </a:rPr>
-                              </m:ctrlPr>
-                            </m:sSupPr>
                             <m:e>
                               <m:d>
                                 <m:dPr>
-                                  <m:ctrlPr>
-                                    <a:rPr i="1">
-                                      <a:latin typeface="Cambria Math" panose="02040503050406030204" pitchFamily="18" charset="0"/>
-                                    </a:rPr>
-                                  </m:ctrlPr>
+                                  <m:begChr m:val="("/>
+                                  <m:sepChr m:val=""/>
+                                  <m:endChr m:val=")"/>
+                                  <m:grow/>
                                 </m:dPr>
                                 <m:e>
                                   <m:r>
-                                    <a:rPr>
-                                      <a:latin typeface="Cambria Math" panose="02040503050406030204" pitchFamily="18" charset="0"/>
-                                    </a:rPr>
-                                    <m:t>𝛥</m:t>
+                                    <m:t>Δ</m:t>
                                   </m:r>
                                   <m:r>
-                                    <a:rPr>
-                                      <a:latin typeface="Cambria Math" panose="02040503050406030204" pitchFamily="18" charset="0"/>
-                                    </a:rPr>
-                                    <m:t>𝐼</m:t>
+                                    <m:t>I</m:t>
                                   </m:r>
                                 </m:e>
                               </m:d>
                             </m:e>
                             <m:sup>
                               <m:r>
-                                <a:rPr>
-                                  <a:latin typeface="Cambria Math" panose="02040503050406030204" pitchFamily="18" charset="0"/>
-                                </a:rPr>
                                 <m:t>2</m:t>
                               </m:r>
                             </m:sup>
@@ -7257,44 +6130,36 @@
                         </m:e>
                       </m:d>
                       <m:r>
-                        <a:rPr>
-                          <a:latin typeface="Cambria Math" panose="02040503050406030204" pitchFamily="18" charset="0"/>
-                        </a:rPr>
-                        <m:t>≠0</m:t>
+                        <m:rPr>
+                          <m:sty m:val="p"/>
+                        </m:rPr>
+                        <m:t>≠</m:t>
+                      </m:r>
+                      <m:r>
+                        <m:t>0</m:t>
                       </m:r>
                     </m:oMath>
                   </m:oMathPara>
                 </a14:m>
-                <a:endParaRPr lang="en-US" dirty="0"/>
               </a:p>
               <a:p>
-                <a:pPr marL="0" lvl="0" indent="0">
-                  <a:buNone/>
-                </a:pPr>
-                <a:endParaRPr lang="en-US" dirty="0"/>
-              </a:p>
-              <a:p>
-                <a:pPr marL="0" lvl="0" indent="0">
+                <a:pPr lvl="0" indent="0" marL="0">
                   <a:buNone/>
                 </a:pPr>
                 <a:r>
-                  <a:rPr dirty="0"/>
+                  <a:rPr/>
                   <a:t>Ballistic regime : small initial value of the second invariant </a:t>
                 </a:r>
                 <a14:m>
                   <m:oMath xmlns:m="http://schemas.openxmlformats.org/officeDocument/2006/math">
                     <m:r>
-                      <a:rPr>
-                        <a:latin typeface="Cambria Math" panose="02040503050406030204" pitchFamily="18" charset="0"/>
-                      </a:rPr>
-                      <m:t>𝐼</m:t>
+                      <m:t>I</m:t>
                     </m:r>
                   </m:oMath>
                 </a14:m>
-                <a:endParaRPr dirty="0"/>
               </a:p>
               <a:p>
-                <a:pPr marL="0" lvl="0" indent="0">
+                <a:pPr lvl="0" indent="0" marL="0">
                   <a:buNone/>
                 </a:pPr>
                 <a14:m>
@@ -7302,78 +6167,44 @@
                     <m:oMathParaPr>
                       <m:jc m:val="center"/>
                     </m:oMathParaPr>
-                    <m:oMath xmlns:m="http://schemas.openxmlformats.org/officeDocument/2006/math">
+                    <m:oMath>
                       <m:r>
-                        <a:rPr>
-                          <a:latin typeface="Cambria Math" panose="02040503050406030204" pitchFamily="18" charset="0"/>
-                        </a:rPr>
+                        <m:rPr>
+                          <m:sty m:val="p"/>
+                        </m:rPr>
                         <m:t>⟨</m:t>
                       </m:r>
                       <m:r>
-                        <a:rPr>
-                          <a:latin typeface="Cambria Math" panose="02040503050406030204" pitchFamily="18" charset="0"/>
-                        </a:rPr>
-                        <m:t>𝛥</m:t>
+                        <m:t>Δ</m:t>
                       </m:r>
                       <m:r>
-                        <a:rPr>
-                          <a:latin typeface="Cambria Math" panose="02040503050406030204" pitchFamily="18" charset="0"/>
-                        </a:rPr>
-                        <m:t>𝐼</m:t>
+                        <m:t>I</m:t>
                       </m:r>
                       <m:r>
-                        <a:rPr>
-                          <a:latin typeface="Cambria Math" panose="02040503050406030204" pitchFamily="18" charset="0"/>
-                        </a:rPr>
-                        <m:t>⟩&gt;0</m:t>
+                        <m:rPr>
+                          <m:sty m:val="p"/>
+                        </m:rPr>
+                        <m:t>⟩</m:t>
+                      </m:r>
+                      <m:r>
+                        <m:rPr>
+                          <m:sty m:val="p"/>
+                        </m:rPr>
+                        <m:t>&gt;</m:t>
+                      </m:r>
+                      <m:r>
+                        <m:t>0</m:t>
                       </m:r>
                     </m:oMath>
                   </m:oMathPara>
                 </a14:m>
-                <a:endParaRPr dirty="0"/>
               </a:p>
             </p:txBody>
           </p:sp>
         </mc:Choice>
-        <mc:Fallback>
-          <p:sp>
-            <p:nvSpPr>
-              <p:cNvPr id="3" name="Content Placeholder 2"/>
-              <p:cNvSpPr>
-                <a:spLocks noGrp="1" noRot="1" noChangeAspect="1" noMove="1" noResize="1" noEditPoints="1" noAdjustHandles="1" noChangeArrowheads="1" noChangeShapeType="1" noTextEdit="1"/>
-              </p:cNvSpPr>
-              <p:nvPr>
-                <p:ph idx="1"/>
-              </p:nvPr>
-            </p:nvSpPr>
-            <p:spPr>
-              <a:blipFill>
-                <a:blip r:embed="rId2"/>
-                <a:stretch>
-                  <a:fillRect l="-1235" t="-1493"/>
-                </a:stretch>
-              </a:blipFill>
-            </p:spPr>
-            <p:txBody>
-              <a:bodyPr/>
-              <a:lstStyle/>
-              <a:p>
-                <a:r>
-                  <a:rPr lang="en-US">
-                    <a:noFill/>
-                  </a:rPr>
-                  <a:t> </a:t>
-                </a:r>
-              </a:p>
-            </p:txBody>
-          </p:sp>
-        </mc:Fallback>
       </mc:AlternateContent>
     </p:spTree>
   </p:cSld>
-  <p:clrMapOvr>
-    <a:masterClrMapping/>
-  </p:clrMapOvr>
 </p:sld>
 </file>
 
@@ -7411,16 +6242,14 @@
           </a:xfrm>
         </p:spPr>
         <p:txBody>
-          <a:bodyPr>
-            <a:normAutofit/>
-          </a:bodyPr>
+          <a:bodyPr/>
           <a:lstStyle/>
           <a:p>
-            <a:pPr marL="0" lvl="0" indent="0">
+            <a:pPr lvl="0" indent="0" marL="0">
               <a:buNone/>
             </a:pPr>
             <a:r>
-              <a:rPr sz="2400" dirty="0"/>
+              <a:rPr/>
               <a:t>Transport characteristics</a:t>
             </a:r>
           </a:p>
@@ -7435,33 +6264,24 @@
                 <a:spLocks noGrp="1"/>
               </p:cNvSpPr>
               <p:nvPr>
-                <p:ph type="body" sz="half" idx="2"/>
+                <p:ph idx="2" sz="half" type="body"/>
               </p:nvPr>
             </p:nvSpPr>
             <p:spPr/>
             <p:txBody>
-              <a:bodyPr>
-                <a:normAutofit/>
-              </a:bodyPr>
+              <a:bodyPr/>
               <a:lstStyle/>
               <a:p>
-                <a:pPr marL="0" lvl="0" indent="0">
+                <a:pPr lvl="0" indent="0" marL="0">
                   <a:buNone/>
                 </a:pPr>
                 <a:r>
-                  <a:rPr sz="1600" dirty="0"/>
+                  <a:rPr/>
                   <a:t>Magnetic field intensity at bounce points Bm is constant</a:t>
                 </a:r>
-                <a:endParaRPr lang="en-US" sz="1600" dirty="0"/>
               </a:p>
               <a:p>
-                <a:pPr marL="0" lvl="0" indent="0">
-                  <a:buNone/>
-                </a:pPr>
-                <a:endParaRPr sz="1600" dirty="0"/>
-              </a:p>
-              <a:p>
-                <a:pPr marL="0" lvl="0" indent="0">
+                <a:pPr lvl="0" indent="0" marL="0">
                   <a:buNone/>
                 </a:pPr>
                 <a14:m>
@@ -7469,57 +6289,37 @@
                     <m:oMathParaPr>
                       <m:jc m:val="center"/>
                     </m:oMathParaPr>
-                    <m:oMath xmlns:m="http://schemas.openxmlformats.org/officeDocument/2006/math">
+                    <m:oMath>
                       <m:r>
-                        <a:rPr sz="1600">
-                          <a:latin typeface="Cambria Math" panose="02040503050406030204" pitchFamily="18" charset="0"/>
-                        </a:rPr>
-                        <m:t>𝜇</m:t>
+                        <m:t>μ</m:t>
                       </m:r>
                       <m:r>
-                        <a:rPr sz="1600">
-                          <a:latin typeface="Cambria Math" panose="02040503050406030204" pitchFamily="18" charset="0"/>
-                        </a:rPr>
+                        <m:rPr>
+                          <m:sty m:val="p"/>
+                        </m:rPr>
                         <m:t>=</m:t>
                       </m:r>
                       <m:f>
                         <m:fPr>
-                          <m:ctrlPr>
-                            <a:rPr sz="1600" i="1">
-                              <a:latin typeface="Cambria Math" panose="02040503050406030204" pitchFamily="18" charset="0"/>
-                            </a:rPr>
-                          </m:ctrlPr>
+                          <m:type m:val="bar"/>
                         </m:fPr>
                         <m:num>
                           <m:sSubSup>
-                            <m:sSubSupPr>
-                              <m:ctrlPr>
-                                <a:rPr sz="1600" i="1">
-                                  <a:latin typeface="Cambria Math" panose="02040503050406030204" pitchFamily="18" charset="0"/>
-                                </a:rPr>
-                              </m:ctrlPr>
-                            </m:sSubSupPr>
                             <m:e>
                               <m:r>
-                                <a:rPr sz="1600">
-                                  <a:latin typeface="Cambria Math" panose="02040503050406030204" pitchFamily="18" charset="0"/>
-                                </a:rPr>
-                                <m:t>𝑝</m:t>
+                                <m:t>p</m:t>
                               </m:r>
                             </m:e>
                             <m:sub>
                               <m:r>
-                                <a:rPr sz="1600">
-                                  <a:latin typeface="Cambria Math" panose="02040503050406030204" pitchFamily="18" charset="0"/>
-                                </a:rPr>
-                                <m:t>⊥</m:t>
+                                <m:rPr>
+                                  <m:sty m:val="p"/>
+                                </m:rPr>
+                                <m:t>⟂</m:t>
                               </m:r>
                             </m:sub>
                             <m:sup>
                               <m:r>
-                                <a:rPr sz="1600">
-                                  <a:latin typeface="Cambria Math" panose="02040503050406030204" pitchFamily="18" charset="0"/>
-                                </a:rPr>
                                 <m:t>2</m:t>
                               </m:r>
                             </m:sup>
@@ -7527,55 +6327,35 @@
                         </m:num>
                         <m:den>
                           <m:r>
-                            <a:rPr sz="1600">
-                              <a:latin typeface="Cambria Math" panose="02040503050406030204" pitchFamily="18" charset="0"/>
-                            </a:rPr>
                             <m:t>2</m:t>
                           </m:r>
                           <m:r>
-                            <a:rPr sz="1600">
-                              <a:latin typeface="Cambria Math" panose="02040503050406030204" pitchFamily="18" charset="0"/>
-                            </a:rPr>
-                            <m:t>𝑚𝐵</m:t>
+                            <m:t>m</m:t>
+                          </m:r>
+                          <m:r>
+                            <m:t>B</m:t>
                           </m:r>
                         </m:den>
                       </m:f>
                       <m:r>
-                        <a:rPr sz="1600">
-                          <a:latin typeface="Cambria Math" panose="02040503050406030204" pitchFamily="18" charset="0"/>
-                        </a:rPr>
+                        <m:rPr>
+                          <m:sty m:val="p"/>
+                        </m:rPr>
                         <m:t>=</m:t>
                       </m:r>
                       <m:f>
                         <m:fPr>
-                          <m:ctrlPr>
-                            <a:rPr sz="1600" i="1">
-                              <a:latin typeface="Cambria Math" panose="02040503050406030204" pitchFamily="18" charset="0"/>
-                            </a:rPr>
-                          </m:ctrlPr>
+                          <m:type m:val="bar"/>
                         </m:fPr>
                         <m:num>
                           <m:sSup>
-                            <m:sSupPr>
-                              <m:ctrlPr>
-                                <a:rPr sz="1600" i="1">
-                                  <a:latin typeface="Cambria Math" panose="02040503050406030204" pitchFamily="18" charset="0"/>
-                                </a:rPr>
-                              </m:ctrlPr>
-                            </m:sSupPr>
                             <m:e>
                               <m:r>
-                                <a:rPr sz="1600">
-                                  <a:latin typeface="Cambria Math" panose="02040503050406030204" pitchFamily="18" charset="0"/>
-                                </a:rPr>
-                                <m:t>𝑝</m:t>
+                                <m:t>p</m:t>
                               </m:r>
                             </m:e>
                             <m:sup>
                               <m:r>
-                                <a:rPr sz="1600">
-                                  <a:latin typeface="Cambria Math" panose="02040503050406030204" pitchFamily="18" charset="0"/>
-                                </a:rPr>
                                 <m:t>2</m:t>
                               </m:r>
                             </m:sup>
@@ -7583,84 +6363,44 @@
                         </m:num>
                         <m:den>
                           <m:r>
-                            <a:rPr sz="1600">
-                              <a:latin typeface="Cambria Math" panose="02040503050406030204" pitchFamily="18" charset="0"/>
-                            </a:rPr>
                             <m:t>2</m:t>
                           </m:r>
                           <m:r>
-                            <a:rPr sz="1600">
-                              <a:latin typeface="Cambria Math" panose="02040503050406030204" pitchFamily="18" charset="0"/>
-                            </a:rPr>
-                            <m:t>𝑚</m:t>
+                            <m:t>m</m:t>
                           </m:r>
                           <m:sSub>
-                            <m:sSubPr>
-                              <m:ctrlPr>
-                                <a:rPr sz="1600" i="1">
-                                  <a:latin typeface="Cambria Math" panose="02040503050406030204" pitchFamily="18" charset="0"/>
-                                </a:rPr>
-                              </m:ctrlPr>
-                            </m:sSubPr>
                             <m:e>
                               <m:r>
-                                <a:rPr sz="1600">
-                                  <a:latin typeface="Cambria Math" panose="02040503050406030204" pitchFamily="18" charset="0"/>
-                                </a:rPr>
-                                <m:t>𝐵</m:t>
+                                <m:t>B</m:t>
                               </m:r>
                             </m:e>
                             <m:sub>
                               <m:r>
-                                <a:rPr sz="1600">
-                                  <a:latin typeface="Cambria Math" panose="02040503050406030204" pitchFamily="18" charset="0"/>
-                                </a:rPr>
-                                <m:t>𝑚</m:t>
+                                <m:t>m</m:t>
                               </m:r>
                             </m:sub>
                           </m:sSub>
                         </m:den>
                       </m:f>
                       <m:r>
-                        <a:rPr sz="1600">
-                          <a:latin typeface="Cambria Math" panose="02040503050406030204" pitchFamily="18" charset="0"/>
-                        </a:rPr>
+                        <m:rPr>
+                          <m:sty m:val="p"/>
+                        </m:rPr>
                         <m:t>=</m:t>
                       </m:r>
                       <m:r>
                         <m:rPr>
                           <m:nor/>
+                          <m:sty m:val="p"/>
                         </m:rPr>
-                        <a:rPr sz="1600"/>
-                        <m:t> </m:t>
-                      </m:r>
-                      <m:r>
-                        <m:rPr>
-                          <m:nor/>
-                        </m:rPr>
-                        <a:rPr sz="1600"/>
-                        <m:t>const</m:t>
-                      </m:r>
-                      <m:r>
-                        <m:rPr>
-                          <m:nor/>
-                        </m:rPr>
-                        <a:rPr sz="1600"/>
-                        <m:t>. </m:t>
+                        <m:t> const. </m:t>
                       </m:r>
                     </m:oMath>
                   </m:oMathPara>
                 </a14:m>
-                <a:endParaRPr lang="en-US" sz="1600" dirty="0"/>
               </a:p>
               <a:p>
-                <a:pPr marL="0" lvl="0" indent="0">
-                  <a:buNone/>
-                </a:pPr>
-                <a:endParaRPr sz="1600" dirty="0"/>
-              </a:p>
-              <a:p>
-                <a:pPr marL="0" lvl="0" indent="0">
+                <a:pPr lvl="0" indent="0" marL="0">
                   <a:buNone/>
                 </a:pPr>
                 <a14:m>
@@ -7668,142 +6408,83 @@
                     <m:oMathParaPr>
                       <m:jc m:val="center"/>
                     </m:oMathParaPr>
-                    <m:oMath xmlns:m="http://schemas.openxmlformats.org/officeDocument/2006/math">
+                    <m:oMath>
                       <m:sSub>
-                        <m:sSubPr>
-                          <m:ctrlPr>
-                            <a:rPr sz="1600">
-                              <a:latin typeface="Cambria Math" panose="02040503050406030204" pitchFamily="18" charset="0"/>
-                            </a:rPr>
-                          </m:ctrlPr>
-                        </m:sSubPr>
                         <m:e>
                           <m:r>
-                            <a:rPr sz="1600">
-                              <a:latin typeface="Cambria Math" panose="02040503050406030204" pitchFamily="18" charset="0"/>
-                            </a:rPr>
-                            <m:t>𝐵</m:t>
+                            <m:t>B</m:t>
                           </m:r>
                         </m:e>
                         <m:sub>
                           <m:r>
-                            <a:rPr sz="1600">
-                              <a:latin typeface="Cambria Math" panose="02040503050406030204" pitchFamily="18" charset="0"/>
-                            </a:rPr>
-                            <m:t>𝑚</m:t>
+                            <m:t>m</m:t>
                           </m:r>
                         </m:sub>
                       </m:sSub>
                       <m:d>
                         <m:dPr>
-                          <m:ctrlPr>
-                            <a:rPr sz="1600" i="1">
-                              <a:latin typeface="Cambria Math" panose="02040503050406030204" pitchFamily="18" charset="0"/>
-                            </a:rPr>
-                          </m:ctrlPr>
+                          <m:begChr m:val="("/>
+                          <m:sepChr m:val=""/>
+                          <m:endChr m:val=")"/>
+                          <m:grow/>
                         </m:dPr>
                         <m:e>
                           <m:r>
-                            <a:rPr sz="1600">
-                              <a:latin typeface="Cambria Math" panose="02040503050406030204" pitchFamily="18" charset="0"/>
-                            </a:rPr>
-                            <m:t>𝐼</m:t>
+                            <m:t>I</m:t>
                           </m:r>
                           <m:r>
-                            <a:rPr sz="1600">
-                              <a:latin typeface="Cambria Math" panose="02040503050406030204" pitchFamily="18" charset="0"/>
-                            </a:rPr>
+                            <m:rPr>
+                              <m:sty m:val="p"/>
+                            </m:rPr>
                             <m:t>,</m:t>
                           </m:r>
                           <m:sSub>
-                            <m:sSubPr>
-                              <m:ctrlPr>
-                                <a:rPr sz="1600" i="1">
-                                  <a:latin typeface="Cambria Math" panose="02040503050406030204" pitchFamily="18" charset="0"/>
-                                </a:rPr>
-                              </m:ctrlPr>
-                            </m:sSubPr>
                             <m:e>
                               <m:r>
-                                <a:rPr sz="1600">
-                                  <a:latin typeface="Cambria Math" panose="02040503050406030204" pitchFamily="18" charset="0"/>
-                                </a:rPr>
-                                <m:t>𝐿</m:t>
+                                <m:t>L</m:t>
                               </m:r>
                             </m:e>
                             <m:sub>
                               <m:r>
-                                <a:rPr sz="1600">
-                                  <a:latin typeface="Cambria Math" panose="02040503050406030204" pitchFamily="18" charset="0"/>
-                                </a:rPr>
-                                <m:t>𝑀</m:t>
+                                <m:t>M</m:t>
                               </m:r>
                             </m:sub>
                           </m:sSub>
                           <m:r>
-                            <a:rPr sz="1600">
-                              <a:latin typeface="Cambria Math" panose="02040503050406030204" pitchFamily="18" charset="0"/>
-                            </a:rPr>
+                            <m:rPr>
+                              <m:sty m:val="p"/>
+                            </m:rPr>
                             <m:t>;</m:t>
                           </m:r>
                           <m:sSub>
-                            <m:sSubPr>
-                              <m:ctrlPr>
-                                <a:rPr sz="1600" i="1">
-                                  <a:latin typeface="Cambria Math" panose="02040503050406030204" pitchFamily="18" charset="0"/>
-                                </a:rPr>
-                              </m:ctrlPr>
-                            </m:sSubPr>
                             <m:e>
                               <m:r>
-                                <a:rPr sz="1600">
-                                  <a:latin typeface="Cambria Math" panose="02040503050406030204" pitchFamily="18" charset="0"/>
-                                </a:rPr>
-                                <m:t>𝐼</m:t>
+                                <m:t>I</m:t>
                               </m:r>
                             </m:e>
                             <m:sub>
                               <m:r>
-                                <a:rPr sz="1600">
-                                  <a:latin typeface="Cambria Math" panose="02040503050406030204" pitchFamily="18" charset="0"/>
-                                </a:rPr>
                                 <m:t>0</m:t>
                               </m:r>
                             </m:sub>
                           </m:sSub>
                           <m:r>
-                            <a:rPr sz="1600">
-                              <a:latin typeface="Cambria Math" panose="02040503050406030204" pitchFamily="18" charset="0"/>
-                            </a:rPr>
+                            <m:rPr>
+                              <m:sty m:val="p"/>
+                            </m:rPr>
                             <m:t>,</m:t>
                           </m:r>
                           <m:sSub>
-                            <m:sSubPr>
-                              <m:ctrlPr>
-                                <a:rPr sz="1600" i="1">
-                                  <a:latin typeface="Cambria Math" panose="02040503050406030204" pitchFamily="18" charset="0"/>
-                                </a:rPr>
-                              </m:ctrlPr>
-                            </m:sSubPr>
                             <m:e>
                               <m:r>
-                                <a:rPr sz="1600">
-                                  <a:latin typeface="Cambria Math" panose="02040503050406030204" pitchFamily="18" charset="0"/>
-                                </a:rPr>
-                                <m:t>𝐿</m:t>
+                                <m:t>L</m:t>
                               </m:r>
                             </m:e>
                             <m:sub>
                               <m:r>
-                                <a:rPr sz="1600">
-                                  <a:latin typeface="Cambria Math" panose="02040503050406030204" pitchFamily="18" charset="0"/>
-                                </a:rPr>
-                                <m:t>𝑀</m:t>
+                                <m:t>M</m:t>
                               </m:r>
                               <m:r>
-                                <a:rPr sz="1600">
-                                  <a:latin typeface="Cambria Math" panose="02040503050406030204" pitchFamily="18" charset="0"/>
-                                </a:rPr>
                                 <m:t>0</m:t>
                               </m:r>
                             </m:sub>
@@ -7811,80 +6492,46 @@
                         </m:e>
                       </m:d>
                       <m:r>
-                        <a:rPr sz="1600">
-                          <a:latin typeface="Cambria Math" panose="02040503050406030204" pitchFamily="18" charset="0"/>
-                        </a:rPr>
+                        <m:rPr>
+                          <m:sty m:val="p"/>
+                        </m:rPr>
                         <m:t>=</m:t>
                       </m:r>
                       <m:r>
                         <m:rPr>
                           <m:nor/>
+                          <m:sty m:val="p"/>
                         </m:rPr>
-                        <a:rPr sz="1600"/>
-                        <m:t> </m:t>
+                        <m:t> const </m:t>
                       </m:r>
                       <m:r>
                         <m:rPr>
-                          <m:nor/>
+                          <m:sty m:val="p"/>
                         </m:rPr>
-                        <a:rPr sz="1600"/>
-                        <m:t>const</m:t>
-                      </m:r>
-                      <m:r>
-                        <m:rPr>
-                          <m:nor/>
-                        </m:rPr>
-                        <a:rPr sz="1600"/>
-                        <m:t> </m:t>
-                      </m:r>
-                      <m:r>
-                        <a:rPr sz="1600">
-                          <a:latin typeface="Cambria Math" panose="02040503050406030204" pitchFamily="18" charset="0"/>
-                        </a:rPr>
                         <m:t>,</m:t>
                       </m:r>
                     </m:oMath>
                   </m:oMathPara>
                 </a14:m>
-                <a:endParaRPr lang="en-US" sz="1600" dirty="0"/>
               </a:p>
               <a:p>
-                <a:pPr marL="0" lvl="0" indent="0">
-                  <a:buNone/>
-                </a:pPr>
-                <a:endParaRPr sz="1600" dirty="0"/>
-              </a:p>
-              <a:p>
-                <a:pPr marL="0" lvl="0" indent="0">
+                <a:pPr lvl="0" indent="0" marL="0">
                   <a:buNone/>
                 </a:pPr>
                 <a:r>
-                  <a:rPr sz="1600" dirty="0"/>
+                  <a:rPr/>
                   <a:t>where </a:t>
                 </a:r>
                 <a14:m>
                   <m:oMath xmlns:m="http://schemas.openxmlformats.org/officeDocument/2006/math">
                     <m:sSub>
-                      <m:sSubPr>
-                        <m:ctrlPr>
-                          <a:rPr sz="1600">
-                            <a:latin typeface="Cambria Math" panose="02040503050406030204" pitchFamily="18" charset="0"/>
-                          </a:rPr>
-                        </m:ctrlPr>
-                      </m:sSubPr>
                       <m:e>
                         <m:r>
-                          <a:rPr sz="1600">
-                            <a:latin typeface="Cambria Math" panose="02040503050406030204" pitchFamily="18" charset="0"/>
-                          </a:rPr>
-                          <m:t>𝐼</m:t>
+                          <m:t>I</m:t>
                         </m:r>
                       </m:e>
                       <m:sub>
                         <m:r>
-                          <a:rPr sz="1600">
-                            <a:latin typeface="Cambria Math" panose="02040503050406030204" pitchFamily="18" charset="0"/>
-                          </a:rPr>
                           <m:t>0</m:t>
                         </m:r>
                       </m:sub>
@@ -7892,38 +6539,22 @@
                   </m:oMath>
                 </a14:m>
                 <a:r>
-                  <a:rPr sz="1600" dirty="0"/>
+                  <a:rPr/>
                   <a:t> and </a:t>
                 </a:r>
                 <a14:m>
                   <m:oMath xmlns:m="http://schemas.openxmlformats.org/officeDocument/2006/math">
                     <m:sSub>
-                      <m:sSubPr>
-                        <m:ctrlPr>
-                          <a:rPr sz="1600">
-                            <a:latin typeface="Cambria Math" panose="02040503050406030204" pitchFamily="18" charset="0"/>
-                          </a:rPr>
-                        </m:ctrlPr>
-                      </m:sSubPr>
                       <m:e>
                         <m:r>
-                          <a:rPr sz="1600">
-                            <a:latin typeface="Cambria Math" panose="02040503050406030204" pitchFamily="18" charset="0"/>
-                          </a:rPr>
-                          <m:t>𝐿</m:t>
+                          <m:t>L</m:t>
                         </m:r>
                       </m:e>
                       <m:sub>
                         <m:r>
-                          <a:rPr sz="1600">
-                            <a:latin typeface="Cambria Math" panose="02040503050406030204" pitchFamily="18" charset="0"/>
-                          </a:rPr>
-                          <m:t>𝑀</m:t>
+                          <m:t>M</m:t>
                         </m:r>
                         <m:r>
-                          <a:rPr sz="1600">
-                            <a:latin typeface="Cambria Math" panose="02040503050406030204" pitchFamily="18" charset="0"/>
-                          </a:rPr>
                           <m:t>0</m:t>
                         </m:r>
                       </m:sub>
@@ -7931,64 +6562,32 @@
                   </m:oMath>
                 </a14:m>
                 <a:r>
-                  <a:rPr sz="1600" dirty="0"/>
+                  <a:rPr/>
                   <a:t> are the initial values of the second invariant and radial location.</a:t>
                 </a:r>
               </a:p>
             </p:txBody>
           </p:sp>
         </mc:Choice>
-        <mc:Fallback>
-          <p:sp>
-            <p:nvSpPr>
-              <p:cNvPr id="4" name="Text Placeholder 3"/>
-              <p:cNvSpPr>
-                <a:spLocks noGrp="1" noRot="1" noChangeAspect="1" noMove="1" noResize="1" noEditPoints="1" noAdjustHandles="1" noChangeArrowheads="1" noChangeShapeType="1" noTextEdit="1"/>
-              </p:cNvSpPr>
-              <p:nvPr>
-                <p:ph type="body" sz="half" idx="2"/>
-              </p:nvPr>
-            </p:nvSpPr>
-            <p:spPr>
-              <a:blipFill>
-                <a:blip r:embed="rId2"/>
-                <a:stretch>
-                  <a:fillRect l="-1266" t="-360" r="-2110"/>
-                </a:stretch>
-              </a:blipFill>
-            </p:spPr>
-            <p:txBody>
-              <a:bodyPr/>
-              <a:lstStyle/>
-              <a:p>
-                <a:r>
-                  <a:rPr lang="en-US">
-                    <a:noFill/>
-                  </a:rPr>
-                  <a:t> </a:t>
-                </a:r>
-              </a:p>
-            </p:txBody>
-          </p:sp>
-        </mc:Fallback>
       </mc:AlternateContent>
       <p:pic>
         <p:nvPicPr>
-          <p:cNvPr id="3" name="Picture 1" descr="images/jgra21351-fig-0004.png"/>
+          <p:cNvPr descr="images/jgra21351-fig-0004.png" id="0" name="Picture 1"/>
           <p:cNvPicPr>
             <a:picLocks noGrp="1" noChangeAspect="1"/>
           </p:cNvPicPr>
           <p:nvPr/>
         </p:nvPicPr>
         <p:blipFill>
-          <a:blip r:embed="rId3"/>
-          <a:srcRect l="48202"/>
-          <a:stretch/>
+          <a:blip r:embed="rId2"/>
+          <a:stretch>
+            <a:fillRect/>
+          </a:stretch>
         </p:blipFill>
         <p:spPr bwMode="auto">
           <a:xfrm>
-            <a:off x="3821379" y="74314"/>
-            <a:ext cx="4600041" cy="4109000"/>
+            <a:off x="3568700" y="952500"/>
+            <a:ext cx="5105400" cy="2362200"/>
           </a:xfrm>
           <a:prstGeom prst="rect">
             <a:avLst/>
@@ -8003,7 +6602,7 @@
       </p:pic>
       <p:sp>
         <p:nvSpPr>
-          <p:cNvPr id="5" name="TextBox 3"/>
+          <p:cNvPr id="1" name="TextBox 3"/>
           <p:cNvSpPr txBox="1"/>
           <p:nvPr/>
         </p:nvSpPr>
@@ -8021,10 +6620,11 @@
           <a:bodyPr/>
           <a:lstStyle/>
           <a:p>
-            <a:pPr marL="0" lvl="0" indent="0" algn="ctr">
+            <a:pPr lvl="0" indent="0" marL="0" algn="ctr">
               <a:buNone/>
             </a:pPr>
             <a:r>
+              <a:rPr/>
               <a:t>Boundaries of the drift orbit bifurcation region (grey lines) and (approximate) transport characteristics (blue lines)</a:t>
             </a:r>
           </a:p>
@@ -8032,9 +6632,6 @@
       </p:sp>
     </p:spTree>
   </p:cSld>
-  <p:clrMapOvr>
-    <a:masterClrMapping/>
-  </p:clrMapOvr>
 </p:sld>
 </file>
 
@@ -8065,115 +6662,22 @@
             <p:ph type="title"/>
           </p:nvPr>
         </p:nvSpPr>
-        <p:spPr/>
-        <p:txBody>
-          <a:bodyPr>
-            <a:normAutofit/>
-          </a:bodyPr>
-          <a:lstStyle/>
-          <a:p>
-            <a:pPr marL="0" lvl="0" indent="0">
-              <a:buNone/>
-            </a:pPr>
-            <a:r>
-              <a:rPr lang="en-US" sz="3600" dirty="0"/>
-              <a:t>Separatrix crossing</a:t>
-            </a:r>
-            <a:endParaRPr dirty="0"/>
-          </a:p>
-        </p:txBody>
-      </p:sp>
-      <p:pic>
-        <p:nvPicPr>
-          <p:cNvPr id="7" name="Picture 1" descr="images/jgra21351-fig-0006.png">
-            <a:extLst>
-              <a:ext uri="{FF2B5EF4-FFF2-40B4-BE49-F238E27FC236}">
-                <a16:creationId xmlns:a16="http://schemas.microsoft.com/office/drawing/2014/main" id="{9F5BFBF8-5ED5-E973-EB51-14A9034D15C5}"/>
-              </a:ext>
-            </a:extLst>
-          </p:cNvPr>
-          <p:cNvPicPr>
-            <a:picLocks noGrp="1" noChangeAspect="1"/>
-          </p:cNvPicPr>
-          <p:nvPr/>
-        </p:nvPicPr>
-        <p:blipFill>
-          <a:blip r:embed="rId3"/>
-          <a:srcRect r="64974"/>
-          <a:stretch/>
-        </p:blipFill>
-        <p:spPr bwMode="auto">
-          <a:xfrm>
-            <a:off x="97864" y="980414"/>
-            <a:ext cx="3134223" cy="2849201"/>
-          </a:xfrm>
-          <a:prstGeom prst="rect">
-            <a:avLst/>
-          </a:prstGeom>
-          <a:noFill/>
-          <a:ln w="9525">
-            <a:noFill/>
-            <a:headEnd/>
-            <a:tailEnd/>
-          </a:ln>
-        </p:spPr>
-      </p:pic>
-      <p:sp>
-        <p:nvSpPr>
-          <p:cNvPr id="10" name="TextBox 3">
-            <a:extLst>
-              <a:ext uri="{FF2B5EF4-FFF2-40B4-BE49-F238E27FC236}">
-                <a16:creationId xmlns:a16="http://schemas.microsoft.com/office/drawing/2014/main" id="{F17C80E1-8CD7-8F69-CAB4-57DD39035799}"/>
-              </a:ext>
-            </a:extLst>
-          </p:cNvPr>
-          <p:cNvSpPr txBox="1"/>
-          <p:nvPr/>
-        </p:nvSpPr>
         <p:spPr>
           <a:xfrm>
-            <a:off x="380246" y="3829614"/>
-            <a:ext cx="5196689" cy="774433"/>
+            <a:off x="457201" y="204787"/>
+            <a:ext cx="3008313" cy="871538"/>
           </a:xfrm>
-          <a:prstGeom prst="rect">
-            <a:avLst/>
-          </a:prstGeom>
-          <a:noFill/>
         </p:spPr>
         <p:txBody>
           <a:bodyPr/>
           <a:lstStyle/>
           <a:p>
-            <a:pPr marL="0" lvl="0" indent="0" algn="ctr">
+            <a:pPr lvl="0" indent="0" marL="0">
               <a:buNone/>
             </a:pPr>
             <a:r>
-              <a:rPr dirty="0"/>
-              <a:t>Distributions of the second invariant values (I</a:t>
-            </a:r>
-            <a:r>
-              <a:rPr lang="en-US" dirty="0"/>
-              <a:t>_</a:t>
-            </a:r>
-            <a:r>
-              <a:rPr dirty="0"/>
-              <a:t>k+1) after one drift orbit around Earth (two drift orbit bifurcations) at different initial values of the invariant (</a:t>
-            </a:r>
-            <a:r>
-              <a:rPr dirty="0" err="1"/>
-              <a:t>I</a:t>
-            </a:r>
-            <a:r>
-              <a:rPr lang="en-US" dirty="0" err="1"/>
-              <a:t>_</a:t>
-            </a:r>
-            <a:r>
-              <a:rPr dirty="0" err="1"/>
-              <a:t>k</a:t>
-            </a:r>
-            <a:r>
-              <a:rPr dirty="0"/>
-              <a:t>) and different locations.</a:t>
+              <a:rPr/>
+              <a:t>Separatrix crossing</a:t>
             </a:r>
           </a:p>
         </p:txBody>
@@ -8182,171 +6686,20 @@
         <mc:Choice xmlns:a14="http://schemas.microsoft.com/office/drawing/2010/main" Requires="a14">
           <p:sp>
             <p:nvSpPr>
-              <p:cNvPr id="11" name="Text Placeholder 3">
-                <a:extLst>
-                  <a:ext uri="{FF2B5EF4-FFF2-40B4-BE49-F238E27FC236}">
-                    <a16:creationId xmlns:a16="http://schemas.microsoft.com/office/drawing/2014/main" id="{8CD3E376-5C0B-4EBA-6B90-ADFFD634929D}"/>
-                  </a:ext>
-                </a:extLst>
-              </p:cNvPr>
-              <p:cNvSpPr txBox="1">
-                <a:spLocks/>
+              <p:cNvPr id="4" name="Text Placeholder 3"/>
+              <p:cNvSpPr>
+                <a:spLocks noGrp="1"/>
               </p:cNvSpPr>
-              <p:nvPr/>
+              <p:nvPr>
+                <p:ph idx="2" sz="half" type="body"/>
+              </p:nvPr>
             </p:nvSpPr>
-            <p:spPr>
-              <a:xfrm>
-                <a:off x="6146465" y="784236"/>
-                <a:ext cx="3008313" cy="4276651"/>
-              </a:xfrm>
-              <a:prstGeom prst="rect">
-                <a:avLst/>
-              </a:prstGeom>
-            </p:spPr>
+            <p:spPr/>
             <p:txBody>
-              <a:bodyPr>
-                <a:noAutofit/>
-              </a:bodyPr>
-              <a:lstStyle>
-                <a:lvl1pPr marL="342900" indent="-342900" algn="l" defTabSz="342900" rtl="0" eaLnBrk="1" latinLnBrk="0" hangingPunct="1">
-                  <a:spcBef>
-                    <a:spcPct val="20000"/>
-                  </a:spcBef>
-                  <a:buFont typeface="Arial"/>
-                  <a:buChar char="•"/>
-                  <a:defRPr sz="2400" kern="1200">
-                    <a:solidFill>
-                      <a:schemeClr val="tx1"/>
-                    </a:solidFill>
-                    <a:latin typeface="+mn-lt"/>
-                    <a:ea typeface="+mn-ea"/>
-                    <a:cs typeface="+mn-cs"/>
-                  </a:defRPr>
-                </a:lvl1pPr>
-                <a:lvl2pPr marL="685800" indent="-342900" algn="l" defTabSz="342900" rtl="0" eaLnBrk="1" latinLnBrk="0" hangingPunct="1">
-                  <a:spcBef>
-                    <a:spcPct val="20000"/>
-                  </a:spcBef>
-                  <a:buFont typeface="Arial"/>
-                  <a:buChar char="–"/>
-                  <a:defRPr sz="2100" kern="1200">
-                    <a:solidFill>
-                      <a:schemeClr val="tx1"/>
-                    </a:solidFill>
-                    <a:latin typeface="+mn-lt"/>
-                    <a:ea typeface="+mn-ea"/>
-                    <a:cs typeface="+mn-cs"/>
-                  </a:defRPr>
-                </a:lvl2pPr>
-                <a:lvl3pPr marL="1028700" indent="-342900" algn="l" defTabSz="342900" rtl="0" eaLnBrk="1" latinLnBrk="0" hangingPunct="1">
-                  <a:spcBef>
-                    <a:spcPct val="20000"/>
-                  </a:spcBef>
-                  <a:buFont typeface="Arial"/>
-                  <a:buChar char="•"/>
-                  <a:defRPr sz="1800" kern="1200">
-                    <a:solidFill>
-                      <a:schemeClr val="tx1"/>
-                    </a:solidFill>
-                    <a:latin typeface="+mn-lt"/>
-                    <a:ea typeface="+mn-ea"/>
-                    <a:cs typeface="+mn-cs"/>
-                  </a:defRPr>
-                </a:lvl3pPr>
-                <a:lvl4pPr marL="1371600" indent="-342900" algn="l" defTabSz="342900" rtl="0" eaLnBrk="1" latinLnBrk="0" hangingPunct="1">
-                  <a:spcBef>
-                    <a:spcPct val="20000"/>
-                  </a:spcBef>
-                  <a:buFont typeface="Arial"/>
-                  <a:buChar char="–"/>
-                  <a:defRPr sz="1500" kern="1200">
-                    <a:solidFill>
-                      <a:schemeClr val="tx1"/>
-                    </a:solidFill>
-                    <a:latin typeface="+mn-lt"/>
-                    <a:ea typeface="+mn-ea"/>
-                    <a:cs typeface="+mn-cs"/>
-                  </a:defRPr>
-                </a:lvl4pPr>
-                <a:lvl5pPr marL="1714500" indent="-342900" algn="l" defTabSz="342900" rtl="0" eaLnBrk="1" latinLnBrk="0" hangingPunct="1">
-                  <a:spcBef>
-                    <a:spcPct val="20000"/>
-                  </a:spcBef>
-                  <a:buFont typeface="Arial"/>
-                  <a:buChar char="»"/>
-                  <a:defRPr sz="1500" kern="1200">
-                    <a:solidFill>
-                      <a:schemeClr val="tx1"/>
-                    </a:solidFill>
-                    <a:latin typeface="+mn-lt"/>
-                    <a:ea typeface="+mn-ea"/>
-                    <a:cs typeface="+mn-cs"/>
-                  </a:defRPr>
-                </a:lvl5pPr>
-                <a:lvl6pPr marL="2057400" indent="-342900" algn="l" defTabSz="342900" rtl="0" eaLnBrk="1" latinLnBrk="0" hangingPunct="1">
-                  <a:spcBef>
-                    <a:spcPct val="20000"/>
-                  </a:spcBef>
-                  <a:buFont typeface="Arial"/>
-                  <a:buChar char="•"/>
-                  <a:defRPr sz="1500" kern="1200">
-                    <a:solidFill>
-                      <a:schemeClr val="tx1"/>
-                    </a:solidFill>
-                    <a:latin typeface="+mn-lt"/>
-                    <a:ea typeface="+mn-ea"/>
-                    <a:cs typeface="+mn-cs"/>
-                  </a:defRPr>
-                </a:lvl6pPr>
-                <a:lvl7pPr marL="2400300" indent="-342900" algn="l" defTabSz="342900" rtl="0" eaLnBrk="1" latinLnBrk="0" hangingPunct="1">
-                  <a:spcBef>
-                    <a:spcPct val="20000"/>
-                  </a:spcBef>
-                  <a:buFont typeface="Arial"/>
-                  <a:buChar char="•"/>
-                  <a:defRPr sz="1500" kern="1200">
-                    <a:solidFill>
-                      <a:schemeClr val="tx1"/>
-                    </a:solidFill>
-                    <a:latin typeface="+mn-lt"/>
-                    <a:ea typeface="+mn-ea"/>
-                    <a:cs typeface="+mn-cs"/>
-                  </a:defRPr>
-                </a:lvl7pPr>
-                <a:lvl8pPr marL="2743200" indent="-342900" algn="l" defTabSz="342900" rtl="0" eaLnBrk="1" latinLnBrk="0" hangingPunct="1">
-                  <a:spcBef>
-                    <a:spcPct val="20000"/>
-                  </a:spcBef>
-                  <a:buFont typeface="Arial"/>
-                  <a:buChar char="•"/>
-                  <a:defRPr sz="1500" kern="1200">
-                    <a:solidFill>
-                      <a:schemeClr val="tx1"/>
-                    </a:solidFill>
-                    <a:latin typeface="+mn-lt"/>
-                    <a:ea typeface="+mn-ea"/>
-                    <a:cs typeface="+mn-cs"/>
-                  </a:defRPr>
-                </a:lvl8pPr>
-                <a:lvl9pPr marL="3086100" indent="-342900" algn="l" defTabSz="342900" rtl="0" eaLnBrk="1" latinLnBrk="0" hangingPunct="1">
-                  <a:spcBef>
-                    <a:spcPct val="20000"/>
-                  </a:spcBef>
-                  <a:buFont typeface="Arial"/>
-                  <a:buChar char="•"/>
-                  <a:defRPr sz="1500" kern="1200">
-                    <a:solidFill>
-                      <a:schemeClr val="tx1"/>
-                    </a:solidFill>
-                    <a:latin typeface="+mn-lt"/>
-                    <a:ea typeface="+mn-ea"/>
-                    <a:cs typeface="+mn-cs"/>
-                  </a:defRPr>
-                </a:lvl9pPr>
-              </a:lstStyle>
+              <a:bodyPr/>
+              <a:lstStyle/>
               <a:p>
-                <a:pPr marL="0" indent="0">
-                  <a:buFont typeface="Arial"/>
+                <a:pPr lvl="0" indent="0" marL="0">
                   <a:buNone/>
                 </a:pPr>
                 <a14:m>
@@ -8354,98 +6707,61 @@
                     <m:oMathParaPr>
                       <m:jc m:val="center"/>
                     </m:oMathParaPr>
-                    <m:oMath xmlns:m="http://schemas.openxmlformats.org/officeDocument/2006/math">
+                    <m:oMath>
                       <m:d>
                         <m:dPr>
                           <m:begChr m:val="{"/>
+                          <m:sepChr m:val=""/>
                           <m:endChr m:val=""/>
-                          <m:ctrlPr>
-                            <a:rPr lang="ar-AE" sz="1600" smtClean="0">
-                              <a:latin typeface="Cambria Math" panose="02040503050406030204" pitchFamily="18" charset="0"/>
-                            </a:rPr>
-                          </m:ctrlPr>
+                          <m:grow/>
                         </m:dPr>
                         <m:e>
                           <m:m>
                             <m:mPr>
+                              <m:baseJc m:val="center"/>
                               <m:plcHide m:val="on"/>
                               <m:mcs>
                                 <m:mc>
                                   <m:mcPr>
+                                    <m:mcJc m:val="left"/>
                                     <m:count m:val="1"/>
-                                    <m:mcJc m:val="center"/>
                                   </m:mcPr>
                                 </m:mc>
                               </m:mcs>
-                              <m:ctrlPr>
-                                <a:rPr lang="ar-AE" sz="1600">
-                                  <a:latin typeface="Cambria Math" panose="02040503050406030204" pitchFamily="18" charset="0"/>
-                                </a:rPr>
-                              </m:ctrlPr>
                             </m:mPr>
                             <m:mr>
                               <m:e>
                                 <m:sSub>
-                                  <m:sSubPr>
-                                    <m:ctrlPr>
-                                      <a:rPr lang="ar-AE" sz="1600">
-                                        <a:latin typeface="Cambria Math" panose="02040503050406030204" pitchFamily="18" charset="0"/>
-                                      </a:rPr>
-                                    </m:ctrlPr>
-                                  </m:sSubPr>
                                   <m:e>
                                     <m:r>
-                                      <a:rPr lang="ar-AE" sz="1600">
-                                        <a:latin typeface="Cambria Math" panose="02040503050406030204" pitchFamily="18" charset="0"/>
-                                      </a:rPr>
-                                      <m:t>𝐼</m:t>
+                                      <m:t>I</m:t>
                                     </m:r>
                                   </m:e>
                                   <m:sub>
                                     <m:r>
-                                      <a:rPr lang="ar-AE" sz="1600">
-                                        <a:latin typeface="Cambria Math" panose="02040503050406030204" pitchFamily="18" charset="0"/>
-                                      </a:rPr>
                                       <m:t>1</m:t>
                                     </m:r>
                                   </m:sub>
                                 </m:sSub>
                                 <m:r>
-                                  <a:rPr lang="ar-AE" sz="1600">
-                                    <a:latin typeface="Cambria Math" panose="02040503050406030204" pitchFamily="18" charset="0"/>
-                                  </a:rPr>
+                                  <m:rPr>
+                                    <m:sty m:val="p"/>
+                                  </m:rPr>
                                   <m:t>=</m:t>
                                 </m:r>
                                 <m:f>
                                   <m:fPr>
-                                    <m:ctrlPr>
-                                      <a:rPr lang="ar-AE" sz="1600" i="1">
-                                        <a:latin typeface="Cambria Math" panose="02040503050406030204" pitchFamily="18" charset="0"/>
-                                      </a:rPr>
-                                    </m:ctrlPr>
+                                    <m:type m:val="bar"/>
                                   </m:fPr>
                                   <m:num>
                                     <m:sSub>
-                                      <m:sSubPr>
-                                        <m:ctrlPr>
-                                          <a:rPr lang="ar-AE" sz="1600" i="1">
-                                            <a:latin typeface="Cambria Math" panose="02040503050406030204" pitchFamily="18" charset="0"/>
-                                          </a:rPr>
-                                        </m:ctrlPr>
-                                      </m:sSubPr>
                                       <m:e>
                                         <m:r>
-                                          <a:rPr lang="ar-AE" sz="1600">
-                                            <a:latin typeface="Cambria Math" panose="02040503050406030204" pitchFamily="18" charset="0"/>
-                                          </a:rPr>
-                                          <m:t>𝜅</m:t>
+                                          <m:t>κ</m:t>
                                         </m:r>
                                       </m:e>
                                       <m:sub>
                                         <m:r>
-                                          <a:rPr lang="ar-AE" sz="1600">
-                                            <a:latin typeface="Cambria Math" panose="02040503050406030204" pitchFamily="18" charset="0"/>
-                                          </a:rPr>
                                           <m:t>1</m:t>
                                         </m:r>
                                       </m:sub>
@@ -8453,173 +6769,101 @@
                                   </m:num>
                                   <m:den>
                                     <m:r>
-                                      <a:rPr lang="ar-AE" sz="1600">
-                                        <a:latin typeface="Cambria Math" panose="02040503050406030204" pitchFamily="18" charset="0"/>
-                                      </a:rPr>
                                       <m:t>2</m:t>
                                     </m:r>
                                   </m:den>
                                 </m:f>
                                 <m:sSub>
-                                  <m:sSubPr>
-                                    <m:ctrlPr>
-                                      <a:rPr lang="ar-AE" sz="1600" i="1">
-                                        <a:latin typeface="Cambria Math" panose="02040503050406030204" pitchFamily="18" charset="0"/>
-                                      </a:rPr>
-                                    </m:ctrlPr>
-                                  </m:sSubPr>
                                   <m:e>
                                     <m:r>
-                                      <a:rPr lang="ar-AE" sz="1600">
-                                        <a:latin typeface="Cambria Math" panose="02040503050406030204" pitchFamily="18" charset="0"/>
-                                      </a:rPr>
-                                      <m:t>𝐼</m:t>
+                                      <m:t>I</m:t>
                                     </m:r>
                                   </m:e>
                                   <m:sub>
                                     <m:r>
-                                      <a:rPr lang="ar-AE" sz="1600">
-                                        <a:latin typeface="Cambria Math" panose="02040503050406030204" pitchFamily="18" charset="0"/>
-                                      </a:rPr>
                                       <m:t>0</m:t>
                                     </m:r>
                                   </m:sub>
                                 </m:sSub>
                                 <m:r>
-                                  <a:rPr lang="ar-AE" sz="1600">
-                                    <a:latin typeface="Cambria Math" panose="02040503050406030204" pitchFamily="18" charset="0"/>
-                                  </a:rPr>
+                                  <m:rPr>
+                                    <m:sty m:val="p"/>
+                                  </m:rPr>
                                   <m:t>+</m:t>
                                 </m:r>
                                 <m:r>
-                                  <a:rPr lang="ar-AE" sz="1600">
-                                    <a:latin typeface="Cambria Math" panose="02040503050406030204" pitchFamily="18" charset="0"/>
-                                  </a:rPr>
-                                  <m:t>𝛥</m:t>
+                                  <m:t>Δ</m:t>
                                 </m:r>
                                 <m:sSup>
-                                  <m:sSupPr>
-                                    <m:ctrlPr>
-                                      <a:rPr lang="ar-AE" sz="1600" i="1">
-                                        <a:latin typeface="Cambria Math" panose="02040503050406030204" pitchFamily="18" charset="0"/>
-                                      </a:rPr>
-                                    </m:ctrlPr>
-                                  </m:sSupPr>
                                   <m:e>
                                     <m:r>
-                                      <a:rPr lang="ar-AE" sz="1600">
-                                        <a:latin typeface="Cambria Math" panose="02040503050406030204" pitchFamily="18" charset="0"/>
-                                      </a:rPr>
-                                      <m:t>𝐼</m:t>
+                                      <m:t>I</m:t>
                                     </m:r>
                                   </m:e>
                                   <m:sup>
                                     <m:r>
-                                      <a:rPr lang="ar-AE" sz="1600">
-                                        <a:latin typeface="Cambria Math" panose="02040503050406030204" pitchFamily="18" charset="0"/>
-                                      </a:rPr>
+                                      <m:rPr>
+                                        <m:sty m:val="p"/>
+                                      </m:rPr>
                                       <m:t>+</m:t>
                                     </m:r>
                                   </m:sup>
                                 </m:sSup>
                                 <m:d>
                                   <m:dPr>
-                                    <m:ctrlPr>
-                                      <a:rPr lang="ar-AE" sz="1600" i="1">
-                                        <a:latin typeface="Cambria Math" panose="02040503050406030204" pitchFamily="18" charset="0"/>
-                                      </a:rPr>
-                                    </m:ctrlPr>
+                                    <m:begChr m:val="("/>
+                                    <m:sepChr m:val=""/>
+                                    <m:endChr m:val=")"/>
+                                    <m:grow/>
                                   </m:dPr>
                                   <m:e>
                                     <m:sSub>
-                                      <m:sSubPr>
-                                        <m:ctrlPr>
-                                          <a:rPr lang="ar-AE" sz="1600" i="1">
-                                            <a:latin typeface="Cambria Math" panose="02040503050406030204" pitchFamily="18" charset="0"/>
-                                          </a:rPr>
-                                        </m:ctrlPr>
-                                      </m:sSubPr>
                                       <m:e>
                                         <m:r>
-                                          <a:rPr lang="ar-AE" sz="1600">
-                                            <a:latin typeface="Cambria Math" panose="02040503050406030204" pitchFamily="18" charset="0"/>
-                                          </a:rPr>
-                                          <m:t>𝜃</m:t>
+                                          <m:t>θ</m:t>
                                         </m:r>
                                       </m:e>
                                       <m:sub>
                                         <m:r>
-                                          <a:rPr lang="ar-AE" sz="1600">
-                                            <a:latin typeface="Cambria Math" panose="02040503050406030204" pitchFamily="18" charset="0"/>
-                                          </a:rPr>
                                           <m:t>1</m:t>
                                         </m:r>
                                       </m:sub>
                                     </m:sSub>
                                     <m:r>
-                                      <a:rPr lang="ar-AE" sz="1600">
-                                        <a:latin typeface="Cambria Math" panose="02040503050406030204" pitchFamily="18" charset="0"/>
-                                      </a:rPr>
+                                      <m:rPr>
+                                        <m:sty m:val="p"/>
+                                      </m:rPr>
                                       <m:t>,</m:t>
                                     </m:r>
                                     <m:sSub>
-                                      <m:sSubPr>
-                                        <m:ctrlPr>
-                                          <a:rPr lang="ar-AE" sz="1600" i="1">
-                                            <a:latin typeface="Cambria Math" panose="02040503050406030204" pitchFamily="18" charset="0"/>
-                                          </a:rPr>
-                                        </m:ctrlPr>
-                                      </m:sSubPr>
                                       <m:e>
                                         <m:r>
-                                          <a:rPr lang="ar-AE" sz="1600">
-                                            <a:latin typeface="Cambria Math" panose="02040503050406030204" pitchFamily="18" charset="0"/>
-                                          </a:rPr>
-                                          <m:t>𝐼</m:t>
+                                          <m:t>I</m:t>
                                         </m:r>
                                       </m:e>
                                       <m:sub>
                                         <m:r>
-                                          <a:rPr lang="ar-AE" sz="1600">
-                                            <a:latin typeface="Cambria Math" panose="02040503050406030204" pitchFamily="18" charset="0"/>
-                                          </a:rPr>
                                           <m:t>0</m:t>
                                         </m:r>
                                       </m:sub>
                                     </m:sSub>
                                     <m:r>
-                                      <a:rPr lang="ar-AE" sz="1600">
-                                        <a:latin typeface="Cambria Math" panose="02040503050406030204" pitchFamily="18" charset="0"/>
-                                      </a:rPr>
+                                      <m:rPr>
+                                        <m:sty m:val="p"/>
+                                      </m:rPr>
                                       <m:t>,</m:t>
                                     </m:r>
                                     <m:sSub>
-                                      <m:sSubPr>
-                                        <m:ctrlPr>
-                                          <a:rPr lang="ar-AE" sz="1600" i="1">
-                                            <a:latin typeface="Cambria Math" panose="02040503050406030204" pitchFamily="18" charset="0"/>
-                                          </a:rPr>
-                                        </m:ctrlPr>
-                                      </m:sSubPr>
                                       <m:e>
                                         <m:r>
-                                          <a:rPr lang="ar-AE" sz="1600">
-                                            <a:latin typeface="Cambria Math" panose="02040503050406030204" pitchFamily="18" charset="0"/>
-                                          </a:rPr>
-                                          <m:t>𝐿</m:t>
+                                          <m:t>L</m:t>
                                         </m:r>
                                       </m:e>
                                       <m:sub>
                                         <m:r>
-                                          <a:rPr lang="ar-AE" sz="1600">
-                                            <a:latin typeface="Cambria Math" panose="02040503050406030204" pitchFamily="18" charset="0"/>
-                                          </a:rPr>
-                                          <m:t>𝑀</m:t>
+                                          <m:t>M</m:t>
                                         </m:r>
                                         <m:r>
-                                          <a:rPr lang="ar-AE" sz="1600">
-                                            <a:latin typeface="Cambria Math" panose="02040503050406030204" pitchFamily="18" charset="0"/>
-                                          </a:rPr>
                                           <m:t>0</m:t>
                                         </m:r>
                                       </m:sub>
@@ -8631,74 +6875,41 @@
                             <m:mr>
                               <m:e>
                                 <m:sSub>
-                                  <m:sSubPr>
-                                    <m:ctrlPr>
-                                      <a:rPr lang="ar-AE" sz="1600" i="1">
-                                        <a:latin typeface="Cambria Math" panose="02040503050406030204" pitchFamily="18" charset="0"/>
-                                      </a:rPr>
-                                    </m:ctrlPr>
-                                  </m:sSubPr>
                                   <m:e>
                                     <m:r>
-                                      <a:rPr lang="ar-AE" sz="1600">
-                                        <a:latin typeface="Cambria Math" panose="02040503050406030204" pitchFamily="18" charset="0"/>
-                                      </a:rPr>
-                                      <m:t>𝐼</m:t>
+                                      <m:t>I</m:t>
                                     </m:r>
                                   </m:e>
                                   <m:sub>
                                     <m:r>
-                                      <a:rPr lang="ar-AE" sz="1600">
-                                        <a:latin typeface="Cambria Math" panose="02040503050406030204" pitchFamily="18" charset="0"/>
-                                      </a:rPr>
                                       <m:t>2</m:t>
                                     </m:r>
                                   </m:sub>
                                 </m:sSub>
                                 <m:r>
-                                  <a:rPr lang="ar-AE" sz="1600">
-                                    <a:latin typeface="Cambria Math" panose="02040503050406030204" pitchFamily="18" charset="0"/>
-                                  </a:rPr>
+                                  <m:rPr>
+                                    <m:sty m:val="p"/>
+                                  </m:rPr>
                                   <m:t>=</m:t>
                                 </m:r>
                                 <m:f>
                                   <m:fPr>
-                                    <m:ctrlPr>
-                                      <a:rPr lang="ar-AE" sz="1600" i="1">
-                                        <a:latin typeface="Cambria Math" panose="02040503050406030204" pitchFamily="18" charset="0"/>
-                                      </a:rPr>
-                                    </m:ctrlPr>
+                                    <m:type m:val="bar"/>
                                   </m:fPr>
                                   <m:num>
                                     <m:r>
-                                      <a:rPr lang="ar-AE" sz="1600">
-                                        <a:latin typeface="Cambria Math" panose="02040503050406030204" pitchFamily="18" charset="0"/>
-                                      </a:rPr>
                                       <m:t>2</m:t>
                                     </m:r>
                                   </m:num>
                                   <m:den>
                                     <m:sSub>
-                                      <m:sSubPr>
-                                        <m:ctrlPr>
-                                          <a:rPr lang="ar-AE" sz="1600" i="1">
-                                            <a:latin typeface="Cambria Math" panose="02040503050406030204" pitchFamily="18" charset="0"/>
-                                          </a:rPr>
-                                        </m:ctrlPr>
-                                      </m:sSubPr>
                                       <m:e>
                                         <m:r>
-                                          <a:rPr lang="ar-AE" sz="1600">
-                                            <a:latin typeface="Cambria Math" panose="02040503050406030204" pitchFamily="18" charset="0"/>
-                                          </a:rPr>
-                                          <m:t>𝜅</m:t>
+                                          <m:t>κ</m:t>
                                         </m:r>
                                       </m:e>
                                       <m:sub>
                                         <m:r>
-                                          <a:rPr lang="ar-AE" sz="1600">
-                                            <a:latin typeface="Cambria Math" panose="02040503050406030204" pitchFamily="18" charset="0"/>
-                                          </a:rPr>
                                           <m:t>2</m:t>
                                         </m:r>
                                       </m:sub>
@@ -8706,165 +6917,96 @@
                                   </m:den>
                                 </m:f>
                                 <m:sSub>
-                                  <m:sSubPr>
-                                    <m:ctrlPr>
-                                      <a:rPr lang="ar-AE" sz="1600" i="1">
-                                        <a:latin typeface="Cambria Math" panose="02040503050406030204" pitchFamily="18" charset="0"/>
-                                      </a:rPr>
-                                    </m:ctrlPr>
-                                  </m:sSubPr>
                                   <m:e>
                                     <m:r>
-                                      <a:rPr lang="ar-AE" sz="1600">
-                                        <a:latin typeface="Cambria Math" panose="02040503050406030204" pitchFamily="18" charset="0"/>
-                                      </a:rPr>
-                                      <m:t>𝐼</m:t>
+                                      <m:t>I</m:t>
                                     </m:r>
                                   </m:e>
                                   <m:sub>
                                     <m:r>
-                                      <a:rPr lang="ar-AE" sz="1600">
-                                        <a:latin typeface="Cambria Math" panose="02040503050406030204" pitchFamily="18" charset="0"/>
-                                      </a:rPr>
                                       <m:t>1</m:t>
                                     </m:r>
                                   </m:sub>
                                 </m:sSub>
                                 <m:r>
-                                  <a:rPr lang="ar-AE" sz="1600">
-                                    <a:latin typeface="Cambria Math" panose="02040503050406030204" pitchFamily="18" charset="0"/>
-                                  </a:rPr>
+                                  <m:rPr>
+                                    <m:sty m:val="p"/>
+                                  </m:rPr>
                                   <m:t>+</m:t>
                                 </m:r>
                                 <m:r>
-                                  <a:rPr lang="ar-AE" sz="1600">
-                                    <a:latin typeface="Cambria Math" panose="02040503050406030204" pitchFamily="18" charset="0"/>
-                                  </a:rPr>
-                                  <m:t>𝛥</m:t>
+                                  <m:t>Δ</m:t>
                                 </m:r>
                                 <m:sSup>
-                                  <m:sSupPr>
-                                    <m:ctrlPr>
-                                      <a:rPr lang="ar-AE" sz="1600" i="1">
-                                        <a:latin typeface="Cambria Math" panose="02040503050406030204" pitchFamily="18" charset="0"/>
-                                      </a:rPr>
-                                    </m:ctrlPr>
-                                  </m:sSupPr>
                                   <m:e>
                                     <m:r>
-                                      <a:rPr lang="ar-AE" sz="1600">
-                                        <a:latin typeface="Cambria Math" panose="02040503050406030204" pitchFamily="18" charset="0"/>
-                                      </a:rPr>
-                                      <m:t>𝐼</m:t>
+                                      <m:t>I</m:t>
                                     </m:r>
                                   </m:e>
                                   <m:sup>
                                     <m:r>
-                                      <a:rPr lang="ar-AE" sz="1600">
-                                        <a:latin typeface="Cambria Math" panose="02040503050406030204" pitchFamily="18" charset="0"/>
-                                      </a:rPr>
+                                      <m:rPr>
+                                        <m:sty m:val="p"/>
+                                      </m:rPr>
                                       <m:t>−</m:t>
                                     </m:r>
                                   </m:sup>
                                 </m:sSup>
                                 <m:d>
                                   <m:dPr>
-                                    <m:ctrlPr>
-                                      <a:rPr lang="ar-AE" sz="1600" i="1">
-                                        <a:latin typeface="Cambria Math" panose="02040503050406030204" pitchFamily="18" charset="0"/>
-                                      </a:rPr>
-                                    </m:ctrlPr>
+                                    <m:begChr m:val="("/>
+                                    <m:sepChr m:val=""/>
+                                    <m:endChr m:val=")"/>
+                                    <m:grow/>
                                   </m:dPr>
                                   <m:e>
                                     <m:sSub>
-                                      <m:sSubPr>
-                                        <m:ctrlPr>
-                                          <a:rPr lang="ar-AE" sz="1600" i="1">
-                                            <a:latin typeface="Cambria Math" panose="02040503050406030204" pitchFamily="18" charset="0"/>
-                                          </a:rPr>
-                                        </m:ctrlPr>
-                                      </m:sSubPr>
                                       <m:e>
                                         <m:r>
-                                          <a:rPr lang="ar-AE" sz="1600">
-                                            <a:latin typeface="Cambria Math" panose="02040503050406030204" pitchFamily="18" charset="0"/>
-                                          </a:rPr>
-                                          <m:t>𝜃</m:t>
+                                          <m:t>θ</m:t>
                                         </m:r>
                                       </m:e>
                                       <m:sub>
                                         <m:r>
-                                          <a:rPr lang="ar-AE" sz="1600">
-                                            <a:latin typeface="Cambria Math" panose="02040503050406030204" pitchFamily="18" charset="0"/>
-                                          </a:rPr>
                                           <m:t>2</m:t>
                                         </m:r>
                                       </m:sub>
                                     </m:sSub>
                                     <m:r>
-                                      <a:rPr lang="ar-AE" sz="1600">
-                                        <a:latin typeface="Cambria Math" panose="02040503050406030204" pitchFamily="18" charset="0"/>
-                                      </a:rPr>
+                                      <m:rPr>
+                                        <m:sty m:val="p"/>
+                                      </m:rPr>
                                       <m:t>,</m:t>
                                     </m:r>
                                     <m:sSub>
-                                      <m:sSubPr>
-                                        <m:ctrlPr>
-                                          <a:rPr lang="ar-AE" sz="1600" i="1">
-                                            <a:latin typeface="Cambria Math" panose="02040503050406030204" pitchFamily="18" charset="0"/>
-                                          </a:rPr>
-                                        </m:ctrlPr>
-                                      </m:sSubPr>
                                       <m:e>
                                         <m:r>
-                                          <a:rPr lang="ar-AE" sz="1600">
-                                            <a:latin typeface="Cambria Math" panose="02040503050406030204" pitchFamily="18" charset="0"/>
-                                          </a:rPr>
-                                          <m:t>𝐼</m:t>
+                                          <m:t>I</m:t>
                                         </m:r>
                                       </m:e>
                                       <m:sub>
                                         <m:r>
-                                          <a:rPr lang="ar-AE" sz="1600">
-                                            <a:latin typeface="Cambria Math" panose="02040503050406030204" pitchFamily="18" charset="0"/>
-                                          </a:rPr>
                                           <m:t>1</m:t>
                                         </m:r>
                                       </m:sub>
                                     </m:sSub>
                                     <m:r>
-                                      <a:rPr lang="ar-AE" sz="1600">
-                                        <a:latin typeface="Cambria Math" panose="02040503050406030204" pitchFamily="18" charset="0"/>
-                                      </a:rPr>
+                                      <m:rPr>
+                                        <m:sty m:val="p"/>
+                                      </m:rPr>
                                       <m:t>,</m:t>
                                     </m:r>
                                     <m:sSub>
-                                      <m:sSubPr>
-                                        <m:ctrlPr>
-                                          <a:rPr lang="ar-AE" sz="1600" i="1">
-                                            <a:latin typeface="Cambria Math" panose="02040503050406030204" pitchFamily="18" charset="0"/>
-                                          </a:rPr>
-                                        </m:ctrlPr>
-                                      </m:sSubPr>
                                       <m:e>
                                         <m:r>
-                                          <a:rPr lang="ar-AE" sz="1600">
-                                            <a:latin typeface="Cambria Math" panose="02040503050406030204" pitchFamily="18" charset="0"/>
-                                          </a:rPr>
-                                          <m:t>𝐿</m:t>
+                                          <m:t>L</m:t>
                                         </m:r>
                                       </m:e>
                                       <m:sub>
                                         <m:r>
-                                          <a:rPr lang="ar-AE" sz="1600">
-                                            <a:latin typeface="Cambria Math" panose="02040503050406030204" pitchFamily="18" charset="0"/>
-                                          </a:rPr>
-                                          <m:t>𝑀</m:t>
+                                          <m:t>M</m:t>
                                         </m:r>
                                         <m:r>
-                                          <a:rPr lang="ar-AE" sz="1600">
-                                            <a:latin typeface="Cambria Math" panose="02040503050406030204" pitchFamily="18" charset="0"/>
-                                          </a:rPr>
                                           <m:t>0</m:t>
                                         </m:r>
                                       </m:sub>
@@ -8872,9 +7014,9 @@
                                   </m:e>
                                 </m:d>
                                 <m:r>
-                                  <a:rPr lang="ar-AE" sz="1600">
-                                    <a:latin typeface="Cambria Math" panose="02040503050406030204" pitchFamily="18" charset="0"/>
-                                  </a:rPr>
+                                  <m:rPr>
+                                    <m:sty m:val="p"/>
+                                  </m:rPr>
                                   <m:t>,</m:t>
                                 </m:r>
                               </m:e>
@@ -8885,40 +7027,25 @@
                     </m:oMath>
                   </m:oMathPara>
                 </a14:m>
-                <a:endParaRPr lang="ar-AE" sz="1600" dirty="0"/>
               </a:p>
               <a:p>
-                <a:pPr marL="0" indent="0">
-                  <a:buFont typeface="Arial"/>
+                <a:pPr lvl="0" indent="0" marL="0">
                   <a:buNone/>
                 </a:pPr>
                 <a:r>
-                  <a:rPr lang="en-US" sz="1600" dirty="0"/>
+                  <a:rPr/>
                   <a:t>The coefficients </a:t>
                 </a:r>
                 <a14:m>
                   <m:oMath xmlns:m="http://schemas.openxmlformats.org/officeDocument/2006/math">
                     <m:sSub>
-                      <m:sSubPr>
-                        <m:ctrlPr>
-                          <a:rPr lang="ar-AE" sz="1600">
-                            <a:latin typeface="Cambria Math" panose="02040503050406030204" pitchFamily="18" charset="0"/>
-                          </a:rPr>
-                        </m:ctrlPr>
-                      </m:sSubPr>
                       <m:e>
                         <m:r>
-                          <a:rPr lang="ar-AE" sz="1600">
-                            <a:latin typeface="Cambria Math" panose="02040503050406030204" pitchFamily="18" charset="0"/>
-                          </a:rPr>
-                          <m:t>𝜅</m:t>
+                          <m:t>κ</m:t>
                         </m:r>
                       </m:e>
                       <m:sub>
                         <m:r>
-                          <a:rPr lang="ar-AE" sz="1600">
-                            <a:latin typeface="Cambria Math" panose="02040503050406030204" pitchFamily="18" charset="0"/>
-                          </a:rPr>
                           <m:t>1</m:t>
                         </m:r>
                       </m:sub>
@@ -8926,36 +7053,19 @@
                   </m:oMath>
                 </a14:m>
                 <a:r>
-                  <a:rPr lang="ar-AE" sz="1600" dirty="0"/>
-                  <a:t> </a:t>
-                </a:r>
-                <a:r>
-                  <a:rPr lang="en-US" sz="1600" dirty="0"/>
-                  <a:t>and </a:t>
+                  <a:rPr/>
+                  <a:t> and </a:t>
                 </a:r>
                 <a14:m>
                   <m:oMath xmlns:m="http://schemas.openxmlformats.org/officeDocument/2006/math">
                     <m:sSub>
-                      <m:sSubPr>
-                        <m:ctrlPr>
-                          <a:rPr lang="ar-AE" sz="1600">
-                            <a:latin typeface="Cambria Math" panose="02040503050406030204" pitchFamily="18" charset="0"/>
-                          </a:rPr>
-                        </m:ctrlPr>
-                      </m:sSubPr>
                       <m:e>
                         <m:r>
-                          <a:rPr lang="ar-AE" sz="1600">
-                            <a:latin typeface="Cambria Math" panose="02040503050406030204" pitchFamily="18" charset="0"/>
-                          </a:rPr>
-                          <m:t>𝜅</m:t>
+                          <m:t>κ</m:t>
                         </m:r>
                       </m:e>
                       <m:sub>
                         <m:r>
-                          <a:rPr lang="ar-AE" sz="1600">
-                            <a:latin typeface="Cambria Math" panose="02040503050406030204" pitchFamily="18" charset="0"/>
-                          </a:rPr>
                           <m:t>2</m:t>
                         </m:r>
                       </m:sub>
@@ -8963,53 +7073,28 @@
                   </m:oMath>
                 </a14:m>
                 <a:r>
-                  <a:rPr lang="ar-AE" sz="1600" dirty="0"/>
-                  <a:t> </a:t>
-                </a:r>
-                <a:r>
-                  <a:rPr lang="en-US" sz="1600" dirty="0"/>
-                  <a:t>reflect the north‐south asymmetry of the magnetic field at orbit bifurcations.</a:t>
+                  <a:rPr/>
+                  <a:t> reflect the north‐south asymmetry of the magnetic field at orbit bifurcations.</a:t>
                 </a:r>
               </a:p>
               <a:p>
-                <a:pPr marL="0" indent="0">
-                  <a:buFont typeface="Arial"/>
-                  <a:buNone/>
-                </a:pPr>
-                <a:endParaRPr lang="en-US" sz="1600" dirty="0"/>
-              </a:p>
-              <a:p>
-                <a:pPr marL="0" indent="0">
-                  <a:buFont typeface="Arial"/>
+                <a:pPr lvl="0" indent="0" marL="0">
                   <a:buNone/>
                 </a:pPr>
                 <a:r>
-                  <a:rPr lang="en-US" sz="1600" dirty="0"/>
+                  <a:rPr/>
                   <a:t>Drift orbit bifurcations produce the largest effect on particles with small initial values of the invariant </a:t>
                 </a:r>
                 <a14:m>
                   <m:oMath xmlns:m="http://schemas.openxmlformats.org/officeDocument/2006/math">
                     <m:sSub>
-                      <m:sSubPr>
-                        <m:ctrlPr>
-                          <a:rPr lang="ar-AE" sz="1600" i="1">
-                            <a:latin typeface="Cambria Math" panose="02040503050406030204" pitchFamily="18" charset="0"/>
-                          </a:rPr>
-                        </m:ctrlPr>
-                      </m:sSubPr>
                       <m:e>
                         <m:r>
-                          <a:rPr lang="ar-AE" sz="1600">
-                            <a:latin typeface="Cambria Math" panose="02040503050406030204" pitchFamily="18" charset="0"/>
-                          </a:rPr>
-                          <m:t>𝐼</m:t>
+                          <m:t>I</m:t>
                         </m:r>
                       </m:e>
                       <m:sub>
                         <m:r>
-                          <a:rPr lang="ar-AE" sz="1600">
-                            <a:latin typeface="Cambria Math" panose="02040503050406030204" pitchFamily="18" charset="0"/>
-                          </a:rPr>
                           <m:t>0</m:t>
                         </m:r>
                       </m:sub>
@@ -9017,17 +7102,12 @@
                   </m:oMath>
                 </a14:m>
                 <a:r>
-                  <a:rPr lang="ar-AE" sz="1600" dirty="0"/>
-                  <a:t> (</a:t>
-                </a:r>
-                <a:r>
-                  <a:rPr lang="en-US" sz="1600" dirty="0"/>
-                  <a:t>ballistic regime).</a:t>
+                  <a:rPr/>
+                  <a:t> (ballistic regime).</a:t>
                 </a:r>
               </a:p>
               <a:p>
-                <a:pPr marL="0" indent="0">
-                  <a:buFont typeface="Arial"/>
+                <a:pPr lvl="0" indent="0" marL="0">
                   <a:buNone/>
                 </a:pPr>
                 <a14:m>
@@ -9035,107 +7115,61 @@
                     <m:oMathParaPr>
                       <m:jc m:val="center"/>
                     </m:oMathParaPr>
-                    <m:oMath xmlns:m="http://schemas.openxmlformats.org/officeDocument/2006/math">
+                    <m:oMath>
                       <m:sSub>
-                        <m:sSubPr>
-                          <m:ctrlPr>
-                            <a:rPr lang="ar-AE" sz="1600" i="1">
-                              <a:latin typeface="Cambria Math" panose="02040503050406030204" pitchFamily="18" charset="0"/>
-                            </a:rPr>
-                          </m:ctrlPr>
-                        </m:sSubPr>
                         <m:e>
                           <m:r>
-                            <a:rPr lang="ar-AE" sz="1600">
-                              <a:latin typeface="Cambria Math" panose="02040503050406030204" pitchFamily="18" charset="0"/>
-                            </a:rPr>
-                            <m:t>𝐼</m:t>
+                            <m:t>I</m:t>
                           </m:r>
                         </m:e>
                         <m:sub>
                           <m:r>
-                            <a:rPr lang="ar-AE" sz="1600">
-                              <a:latin typeface="Cambria Math" panose="02040503050406030204" pitchFamily="18" charset="0"/>
-                            </a:rPr>
                             <m:t>2</m:t>
                           </m:r>
                         </m:sub>
                       </m:sSub>
                       <m:r>
-                        <a:rPr lang="ar-AE" sz="1600">
-                          <a:latin typeface="Cambria Math" panose="02040503050406030204" pitchFamily="18" charset="0"/>
-                        </a:rPr>
+                        <m:rPr>
+                          <m:sty m:val="p"/>
+                        </m:rPr>
                         <m:t>−</m:t>
                       </m:r>
                       <m:sSub>
-                        <m:sSubPr>
-                          <m:ctrlPr>
-                            <a:rPr lang="ar-AE" sz="1600" i="1">
-                              <a:latin typeface="Cambria Math" panose="02040503050406030204" pitchFamily="18" charset="0"/>
-                            </a:rPr>
-                          </m:ctrlPr>
-                        </m:sSubPr>
                         <m:e>
                           <m:r>
-                            <a:rPr lang="ar-AE" sz="1600">
-                              <a:latin typeface="Cambria Math" panose="02040503050406030204" pitchFamily="18" charset="0"/>
-                            </a:rPr>
-                            <m:t>𝐼</m:t>
+                            <m:t>I</m:t>
                           </m:r>
                         </m:e>
                         <m:sub>
                           <m:r>
-                            <a:rPr lang="ar-AE" sz="1600">
-                              <a:latin typeface="Cambria Math" panose="02040503050406030204" pitchFamily="18" charset="0"/>
-                            </a:rPr>
                             <m:t>0</m:t>
                           </m:r>
                         </m:sub>
                       </m:sSub>
                       <m:r>
-                        <a:rPr lang="ar-AE" sz="1600">
-                          <a:latin typeface="Cambria Math" panose="02040503050406030204" pitchFamily="18" charset="0"/>
-                        </a:rPr>
+                        <m:rPr>
+                          <m:sty m:val="p"/>
+                        </m:rPr>
                         <m:t>≃</m:t>
                       </m:r>
                       <m:f>
                         <m:fPr>
-                          <m:ctrlPr>
-                            <a:rPr lang="ar-AE" sz="1600" i="1">
-                              <a:latin typeface="Cambria Math" panose="02040503050406030204" pitchFamily="18" charset="0"/>
-                            </a:rPr>
-                          </m:ctrlPr>
+                          <m:type m:val="bar"/>
                         </m:fPr>
                         <m:num>
                           <m:r>
-                            <a:rPr lang="ar-AE" sz="1600">
-                              <a:latin typeface="Cambria Math" panose="02040503050406030204" pitchFamily="18" charset="0"/>
-                            </a:rPr>
                             <m:t>2</m:t>
                           </m:r>
                         </m:num>
                         <m:den>
                           <m:sSub>
-                            <m:sSubPr>
-                              <m:ctrlPr>
-                                <a:rPr lang="ar-AE" sz="1600" i="1">
-                                  <a:latin typeface="Cambria Math" panose="02040503050406030204" pitchFamily="18" charset="0"/>
-                                </a:rPr>
-                              </m:ctrlPr>
-                            </m:sSubPr>
                             <m:e>
                               <m:r>
-                                <a:rPr lang="ar-AE" sz="1600">
-                                  <a:latin typeface="Cambria Math" panose="02040503050406030204" pitchFamily="18" charset="0"/>
-                                </a:rPr>
-                                <m:t>𝑥</m:t>
+                                <m:t>x</m:t>
                               </m:r>
                             </m:e>
                             <m:sub>
                               <m:r>
-                                <a:rPr lang="ar-AE" sz="1600">
-                                  <a:latin typeface="Cambria Math" panose="02040503050406030204" pitchFamily="18" charset="0"/>
-                                </a:rPr>
                                 <m:t>2</m:t>
                               </m:r>
                             </m:sub>
@@ -9143,134 +7177,78 @@
                         </m:den>
                       </m:f>
                       <m:r>
-                        <a:rPr lang="ar-AE" sz="1600">
-                          <a:latin typeface="Cambria Math" panose="02040503050406030204" pitchFamily="18" charset="0"/>
-                        </a:rPr>
-                        <m:t>𝛥</m:t>
+                        <m:t>Δ</m:t>
                       </m:r>
                       <m:sSup>
-                        <m:sSupPr>
-                          <m:ctrlPr>
-                            <a:rPr lang="ar-AE" sz="1600" i="1">
-                              <a:latin typeface="Cambria Math" panose="02040503050406030204" pitchFamily="18" charset="0"/>
-                            </a:rPr>
-                          </m:ctrlPr>
-                        </m:sSupPr>
                         <m:e>
                           <m:r>
-                            <a:rPr lang="ar-AE" sz="1600">
-                              <a:latin typeface="Cambria Math" panose="02040503050406030204" pitchFamily="18" charset="0"/>
-                            </a:rPr>
-                            <m:t>𝐼</m:t>
+                            <m:t>I</m:t>
                           </m:r>
                         </m:e>
                         <m:sup>
                           <m:r>
-                            <a:rPr lang="ar-AE" sz="1600">
-                              <a:latin typeface="Cambria Math" panose="02040503050406030204" pitchFamily="18" charset="0"/>
-                            </a:rPr>
+                            <m:rPr>
+                              <m:sty m:val="p"/>
+                            </m:rPr>
                             <m:t>+</m:t>
                           </m:r>
                         </m:sup>
                       </m:sSup>
                       <m:d>
                         <m:dPr>
-                          <m:ctrlPr>
-                            <a:rPr lang="ar-AE" sz="1600" i="1">
-                              <a:latin typeface="Cambria Math" panose="02040503050406030204" pitchFamily="18" charset="0"/>
-                            </a:rPr>
-                          </m:ctrlPr>
+                          <m:begChr m:val="("/>
+                          <m:sepChr m:val=""/>
+                          <m:endChr m:val=")"/>
+                          <m:grow/>
                         </m:dPr>
                         <m:e>
                           <m:sSub>
-                            <m:sSubPr>
-                              <m:ctrlPr>
-                                <a:rPr lang="ar-AE" sz="1600" i="1">
-                                  <a:latin typeface="Cambria Math" panose="02040503050406030204" pitchFamily="18" charset="0"/>
-                                </a:rPr>
-                              </m:ctrlPr>
-                            </m:sSubPr>
                             <m:e>
                               <m:r>
-                                <a:rPr lang="ar-AE" sz="1600">
-                                  <a:latin typeface="Cambria Math" panose="02040503050406030204" pitchFamily="18" charset="0"/>
-                                </a:rPr>
-                                <m:t>𝜃</m:t>
+                                <m:t>θ</m:t>
                               </m:r>
                             </m:e>
                             <m:sub>
                               <m:r>
-                                <a:rPr lang="ar-AE" sz="1600">
-                                  <a:latin typeface="Cambria Math" panose="02040503050406030204" pitchFamily="18" charset="0"/>
-                                </a:rPr>
                                 <m:t>1</m:t>
                               </m:r>
                             </m:sub>
                           </m:sSub>
                           <m:r>
-                            <a:rPr lang="ar-AE" sz="1600">
-                              <a:latin typeface="Cambria Math" panose="02040503050406030204" pitchFamily="18" charset="0"/>
-                            </a:rPr>
+                            <m:rPr>
+                              <m:sty m:val="p"/>
+                            </m:rPr>
                             <m:t>,</m:t>
                           </m:r>
                           <m:sSub>
-                            <m:sSubPr>
-                              <m:ctrlPr>
-                                <a:rPr lang="ar-AE" sz="1600" i="1">
-                                  <a:latin typeface="Cambria Math" panose="02040503050406030204" pitchFamily="18" charset="0"/>
-                                </a:rPr>
-                              </m:ctrlPr>
-                            </m:sSubPr>
                             <m:e>
                               <m:r>
-                                <a:rPr lang="ar-AE" sz="1600">
-                                  <a:latin typeface="Cambria Math" panose="02040503050406030204" pitchFamily="18" charset="0"/>
-                                </a:rPr>
-                                <m:t>𝐼</m:t>
+                                <m:t>I</m:t>
                               </m:r>
                             </m:e>
                             <m:sub>
                               <m:r>
-                                <a:rPr lang="ar-AE" sz="1600">
-                                  <a:latin typeface="Cambria Math" panose="02040503050406030204" pitchFamily="18" charset="0"/>
-                                </a:rPr>
                                 <m:t>0</m:t>
                               </m:r>
                             </m:sub>
                           </m:sSub>
                           <m:r>
-                            <a:rPr lang="ar-AE" sz="1600">
-                              <a:latin typeface="Cambria Math" panose="02040503050406030204" pitchFamily="18" charset="0"/>
-                            </a:rPr>
+                            <m:rPr>
+                              <m:sty m:val="p"/>
+                            </m:rPr>
                             <m:t>,</m:t>
                           </m:r>
                           <m:sSub>
-                            <m:sSubPr>
-                              <m:ctrlPr>
-                                <a:rPr lang="ar-AE" sz="1600" i="1">
-                                  <a:latin typeface="Cambria Math" panose="02040503050406030204" pitchFamily="18" charset="0"/>
-                                </a:rPr>
-                              </m:ctrlPr>
-                            </m:sSubPr>
                             <m:e>
                               <m:r>
-                                <a:rPr lang="ar-AE" sz="1600">
-                                  <a:latin typeface="Cambria Math" panose="02040503050406030204" pitchFamily="18" charset="0"/>
-                                </a:rPr>
-                                <m:t>𝐿</m:t>
+                                <m:t>L</m:t>
                               </m:r>
                             </m:e>
                             <m:sub>
                               <m:r>
-                                <a:rPr lang="ar-AE" sz="1600">
-                                  <a:latin typeface="Cambria Math" panose="02040503050406030204" pitchFamily="18" charset="0"/>
-                                </a:rPr>
-                                <m:t>𝑀</m:t>
+                                <m:t>M</m:t>
                               </m:r>
                               <m:r>
-                                <a:rPr lang="ar-AE" sz="1600">
-                                  <a:latin typeface="Cambria Math" panose="02040503050406030204" pitchFamily="18" charset="0"/>
-                                </a:rPr>
                                 <m:t>0</m:t>
                               </m:r>
                             </m:sub>
@@ -9280,163 +7258,14 @@
                     </m:oMath>
                   </m:oMathPara>
                 </a14:m>
-                <a:endParaRPr lang="ar-AE" sz="1600" dirty="0"/>
               </a:p>
             </p:txBody>
           </p:sp>
         </mc:Choice>
-        <mc:Fallback>
-          <p:sp>
-            <p:nvSpPr>
-              <p:cNvPr id="11" name="Text Placeholder 3">
-                <a:extLst>
-                  <a:ext uri="{FF2B5EF4-FFF2-40B4-BE49-F238E27FC236}">
-                    <a16:creationId xmlns:a16="http://schemas.microsoft.com/office/drawing/2014/main" id="{8CD3E376-5C0B-4EBA-6B90-ADFFD634929D}"/>
-                  </a:ext>
-                </a:extLst>
-              </p:cNvPr>
-              <p:cNvSpPr txBox="1">
-                <a:spLocks noRot="1" noChangeAspect="1" noMove="1" noResize="1" noEditPoints="1" noAdjustHandles="1" noChangeArrowheads="1" noChangeShapeType="1" noTextEdit="1"/>
-              </p:cNvSpPr>
-              <p:nvPr/>
-            </p:nvSpPr>
-            <p:spPr>
-              <a:xfrm>
-                <a:off x="6146465" y="784236"/>
-                <a:ext cx="3008313" cy="4276651"/>
-              </a:xfrm>
-              <a:prstGeom prst="rect">
-                <a:avLst/>
-              </a:prstGeom>
-              <a:blipFill>
-                <a:blip r:embed="rId4"/>
-                <a:stretch>
-                  <a:fillRect l="-840" r="-2521"/>
-                </a:stretch>
-              </a:blipFill>
-            </p:spPr>
-            <p:txBody>
-              <a:bodyPr/>
-              <a:lstStyle/>
-              <a:p>
-                <a:r>
-                  <a:rPr lang="en-US">
-                    <a:noFill/>
-                  </a:rPr>
-                  <a:t> </a:t>
-                </a:r>
-              </a:p>
-            </p:txBody>
-          </p:sp>
-        </mc:Fallback>
       </mc:AlternateContent>
       <p:pic>
         <p:nvPicPr>
-          <p:cNvPr id="12" name="Picture 1" descr="images/jgra21351-fig-0006.png">
-            <a:extLst>
-              <a:ext uri="{FF2B5EF4-FFF2-40B4-BE49-F238E27FC236}">
-                <a16:creationId xmlns:a16="http://schemas.microsoft.com/office/drawing/2014/main" id="{FB42CA58-6A3D-C398-CC0E-0AD5A97D055F}"/>
-              </a:ext>
-            </a:extLst>
-          </p:cNvPr>
-          <p:cNvPicPr>
-            <a:picLocks noGrp="1" noChangeAspect="1"/>
-          </p:cNvPicPr>
-          <p:nvPr/>
-        </p:nvPicPr>
-        <p:blipFill>
-          <a:blip r:embed="rId3"/>
-          <a:srcRect l="67217"/>
-          <a:stretch/>
-        </p:blipFill>
-        <p:spPr bwMode="auto">
-          <a:xfrm>
-            <a:off x="3232087" y="980413"/>
-            <a:ext cx="2933538" cy="2849201"/>
-          </a:xfrm>
-          <a:prstGeom prst="rect">
-            <a:avLst/>
-          </a:prstGeom>
-          <a:noFill/>
-          <a:ln w="9525">
-            <a:noFill/>
-            <a:headEnd/>
-            <a:tailEnd/>
-          </a:ln>
-        </p:spPr>
-      </p:pic>
-    </p:spTree>
-  </p:cSld>
-  <p:clrMapOvr>
-    <a:masterClrMapping/>
-  </p:clrMapOvr>
-</p:sld>
-</file>
-
-<file path=ppt/slides/slide8.xml><?xml version="1.0" encoding="utf-8"?>
-<p:sld xmlns:a="http://schemas.openxmlformats.org/drawingml/2006/main" xmlns:r="http://schemas.openxmlformats.org/officeDocument/2006/relationships" xmlns:p="http://schemas.openxmlformats.org/presentationml/2006/main">
-  <p:cSld>
-    <p:spTree>
-      <p:nvGrpSpPr>
-        <p:cNvPr id="1" name="">
-          <a:extLst>
-            <a:ext uri="{FF2B5EF4-FFF2-40B4-BE49-F238E27FC236}">
-              <a16:creationId xmlns:a16="http://schemas.microsoft.com/office/drawing/2014/main" id="{D45B8FAA-5E2D-0943-6015-527720F0D8DE}"/>
-            </a:ext>
-          </a:extLst>
-        </p:cNvPr>
-        <p:cNvGrpSpPr/>
-        <p:nvPr/>
-      </p:nvGrpSpPr>
-      <p:grpSpPr>
-        <a:xfrm>
-          <a:off x="0" y="0"/>
-          <a:ext cx="0" cy="0"/>
-          <a:chOff x="0" y="0"/>
-          <a:chExt cx="0" cy="0"/>
-        </a:xfrm>
-      </p:grpSpPr>
-      <p:sp>
-        <p:nvSpPr>
-          <p:cNvPr id="2" name="Title 1">
-            <a:extLst>
-              <a:ext uri="{FF2B5EF4-FFF2-40B4-BE49-F238E27FC236}">
-                <a16:creationId xmlns:a16="http://schemas.microsoft.com/office/drawing/2014/main" id="{032E661D-699D-6813-A126-738E1A3B3262}"/>
-              </a:ext>
-            </a:extLst>
-          </p:cNvPr>
-          <p:cNvSpPr>
-            <a:spLocks noGrp="1"/>
-          </p:cNvSpPr>
-          <p:nvPr>
-            <p:ph type="title"/>
-          </p:nvPr>
-        </p:nvSpPr>
-        <p:spPr/>
-        <p:txBody>
-          <a:bodyPr>
-            <a:normAutofit fontScale="90000"/>
-          </a:bodyPr>
-          <a:lstStyle/>
-          <a:p>
-            <a:pPr marL="0" lvl="0" indent="0">
-              <a:buNone/>
-            </a:pPr>
-            <a:r>
-              <a:t>Long-Term Transport Due to Multiple Bifurcations</a:t>
-            </a:r>
-          </a:p>
-        </p:txBody>
-      </p:sp>
-      <p:pic>
-        <p:nvPicPr>
-          <p:cNvPr id="4" name="Picture 1" descr="images/jgra21351-fig-0007.png">
-            <a:extLst>
-              <a:ext uri="{FF2B5EF4-FFF2-40B4-BE49-F238E27FC236}">
-                <a16:creationId xmlns:a16="http://schemas.microsoft.com/office/drawing/2014/main" id="{E2E7369D-644D-684C-1E26-1B0A773D6A6E}"/>
-              </a:ext>
-            </a:extLst>
-          </p:cNvPr>
+          <p:cNvPr descr="images/jgra21351-fig-0006.png" id="0" name="Picture 1"/>
           <p:cNvPicPr>
             <a:picLocks noGrp="1" noChangeAspect="1"/>
           </p:cNvPicPr>
@@ -9450,7 +7279,114 @@
         </p:blipFill>
         <p:spPr bwMode="auto">
           <a:xfrm>
-            <a:off x="457200" y="2387480"/>
+            <a:off x="3568700" y="1333500"/>
+            <a:ext cx="5105400" cy="1625600"/>
+          </a:xfrm>
+          <a:prstGeom prst="rect">
+            <a:avLst/>
+          </a:prstGeom>
+          <a:noFill/>
+          <a:ln w="9525">
+            <a:noFill/>
+            <a:headEnd/>
+            <a:tailEnd/>
+          </a:ln>
+        </p:spPr>
+      </p:pic>
+      <p:sp>
+        <p:nvSpPr>
+          <p:cNvPr id="1" name="TextBox 3"/>
+          <p:cNvSpPr txBox="1"/>
+          <p:nvPr/>
+        </p:nvSpPr>
+        <p:spPr>
+          <a:xfrm>
+            <a:off x="3568700" y="4076700"/>
+            <a:ext cx="5105400" cy="508000"/>
+          </a:xfrm>
+          <a:prstGeom prst="rect">
+            <a:avLst/>
+          </a:prstGeom>
+          <a:noFill/>
+        </p:spPr>
+        <p:txBody>
+          <a:bodyPr/>
+          <a:lstStyle/>
+          <a:p>
+            <a:pPr lvl="0" indent="0" marL="0" algn="ctr">
+              <a:buNone/>
+            </a:pPr>
+            <a:r>
+              <a:rPr/>
+              <a:t>Distributions of the second invariant values (Ik+1) after one drift orbit around Earth (two drift orbit bifurcations) at different initial values of the invariant (Ik) and different locations in the bifurcating region (LM).</a:t>
+            </a:r>
+          </a:p>
+        </p:txBody>
+      </p:sp>
+    </p:spTree>
+  </p:cSld>
+</p:sld>
+</file>
+
+<file path=ppt/slides/slide8.xml><?xml version="1.0" encoding="utf-8"?>
+<p:sld xmlns:a="http://schemas.openxmlformats.org/drawingml/2006/main" xmlns:r="http://schemas.openxmlformats.org/officeDocument/2006/relationships" xmlns:p="http://schemas.openxmlformats.org/presentationml/2006/main">
+  <p:cSld>
+    <p:spTree>
+      <p:nvGrpSpPr>
+        <p:cNvPr id="1" name=""/>
+        <p:cNvGrpSpPr/>
+        <p:nvPr/>
+      </p:nvGrpSpPr>
+      <p:grpSpPr>
+        <a:xfrm>
+          <a:off x="0" y="0"/>
+          <a:ext cx="0" cy="0"/>
+          <a:chOff x="0" y="0"/>
+          <a:chExt cx="0" cy="0"/>
+        </a:xfrm>
+      </p:grpSpPr>
+      <p:sp>
+        <p:nvSpPr>
+          <p:cNvPr id="2" name="Title 1"/>
+          <p:cNvSpPr>
+            <a:spLocks noGrp="1"/>
+          </p:cNvSpPr>
+          <p:nvPr>
+            <p:ph type="title"/>
+          </p:nvPr>
+        </p:nvSpPr>
+        <p:spPr/>
+        <p:txBody>
+          <a:bodyPr/>
+          <a:lstStyle/>
+          <a:p>
+            <a:pPr lvl="0" indent="0" marL="0">
+              <a:buNone/>
+            </a:pPr>
+            <a:r>
+              <a:rPr/>
+              <a:t>Long-Term Transport Due to Multiple Bifurcations</a:t>
+            </a:r>
+          </a:p>
+        </p:txBody>
+      </p:sp>
+      <p:pic>
+        <p:nvPicPr>
+          <p:cNvPr descr="images/jgra21351-fig-0007.png" id="0" name="Picture 1"/>
+          <p:cNvPicPr>
+            <a:picLocks noGrp="1" noChangeAspect="1"/>
+          </p:cNvPicPr>
+          <p:nvPr/>
+        </p:nvPicPr>
+        <p:blipFill>
+          <a:blip r:embed="rId3"/>
+          <a:stretch>
+            <a:fillRect/>
+          </a:stretch>
+        </p:blipFill>
+        <p:spPr bwMode="auto">
+          <a:xfrm>
+            <a:off x="457200" y="1346200"/>
             <a:ext cx="8229600" cy="2565400"/>
           </a:xfrm>
           <a:prstGeom prst="rect">
@@ -9466,19 +7402,13 @@
       </p:pic>
       <p:sp>
         <p:nvSpPr>
-          <p:cNvPr id="5" name="TextBox 3">
-            <a:extLst>
-              <a:ext uri="{FF2B5EF4-FFF2-40B4-BE49-F238E27FC236}">
-                <a16:creationId xmlns:a16="http://schemas.microsoft.com/office/drawing/2014/main" id="{0236A743-8328-165C-18AB-A119C8712CA0}"/>
-              </a:ext>
-            </a:extLst>
-          </p:cNvPr>
+          <p:cNvPr id="1" name="TextBox 3"/>
           <p:cNvSpPr txBox="1"/>
           <p:nvPr/>
         </p:nvSpPr>
         <p:spPr>
           <a:xfrm>
-            <a:off x="457200" y="4829600"/>
+            <a:off x="457200" y="4076700"/>
             <a:ext cx="8229600" cy="508000"/>
           </a:xfrm>
           <a:prstGeom prst="rect">
@@ -9490,11 +7420,11 @@
           <a:bodyPr/>
           <a:lstStyle/>
           <a:p>
-            <a:pPr marL="0" lvl="0" indent="0" algn="ctr">
+            <a:pPr lvl="0" indent="0" marL="0" algn="ctr">
               <a:buNone/>
             </a:pPr>
             <a:r>
-              <a:rPr dirty="0"/>
+              <a:rPr/>
               <a:t>Radial transport of radiation belt electrons due to drift orbit bifurcations</a:t>
             </a:r>
           </a:p>
@@ -9504,13 +7434,7 @@
         <mc:Choice xmlns:a14="http://schemas.microsoft.com/office/drawing/2010/main" Requires="a14">
           <p:sp>
             <p:nvSpPr>
-              <p:cNvPr id="3" name="Content Placeholder 2">
-                <a:extLst>
-                  <a:ext uri="{FF2B5EF4-FFF2-40B4-BE49-F238E27FC236}">
-                    <a16:creationId xmlns:a16="http://schemas.microsoft.com/office/drawing/2014/main" id="{015C0FC6-9C69-00BE-BE82-BA80BB3F8176}"/>
-                  </a:ext>
-                </a:extLst>
-              </p:cNvPr>
+              <p:cNvPr id="3" name="Content Placeholder 2"/>
               <p:cNvSpPr>
                 <a:spLocks noGrp="1"/>
               </p:cNvSpPr>
@@ -9518,17 +7442,12 @@
                 <p:ph idx="1"/>
               </p:nvPr>
             </p:nvSpPr>
-            <p:spPr>
-              <a:xfrm>
-                <a:off x="1143000" y="870267"/>
-                <a:ext cx="6858000" cy="2895527"/>
-              </a:xfrm>
-            </p:spPr>
+            <p:spPr/>
             <p:txBody>
               <a:bodyPr/>
               <a:lstStyle/>
               <a:p>
-                <a:pPr marL="0" lvl="0" indent="0">
+                <a:pPr lvl="0" indent="0" marL="0">
                   <a:buNone/>
                 </a:pPr>
                 <a14:m>
@@ -9536,210 +7455,137 @@
                     <m:oMathParaPr>
                       <m:jc m:val="center"/>
                     </m:oMathParaPr>
-                    <m:oMath xmlns:m="http://schemas.openxmlformats.org/officeDocument/2006/math">
+                    <m:oMath>
                       <m:d>
                         <m:dPr>
                           <m:begChr m:val="{"/>
+                          <m:sepChr m:val=""/>
                           <m:endChr m:val=""/>
-                          <m:ctrlPr>
-                            <a:rPr>
-                              <a:latin typeface="Cambria Math" panose="02040503050406030204" pitchFamily="18" charset="0"/>
-                            </a:rPr>
-                          </m:ctrlPr>
+                          <m:grow/>
                         </m:dPr>
                         <m:e>
                           <m:m>
                             <m:mPr>
+                              <m:baseJc m:val="center"/>
                               <m:plcHide m:val="on"/>
                               <m:mcs>
                                 <m:mc>
                                   <m:mcPr>
+                                    <m:mcJc m:val="left"/>
                                     <m:count m:val="1"/>
-                                    <m:mcJc m:val="center"/>
                                   </m:mcPr>
                                 </m:mc>
                               </m:mcs>
-                              <m:ctrlPr>
-                                <a:rPr>
-                                  <a:latin typeface="Cambria Math" panose="02040503050406030204" pitchFamily="18" charset="0"/>
-                                </a:rPr>
-                              </m:ctrlPr>
                             </m:mPr>
                             <m:mr>
                               <m:e>
                                 <m:sSub>
-                                  <m:sSubPr>
-                                    <m:ctrlPr>
-                                      <a:rPr>
-                                        <a:latin typeface="Cambria Math" panose="02040503050406030204" pitchFamily="18" charset="0"/>
-                                      </a:rPr>
-                                    </m:ctrlPr>
-                                  </m:sSubPr>
                                   <m:e>
                                     <m:r>
-                                      <a:rPr>
-                                        <a:latin typeface="Cambria Math" panose="02040503050406030204" pitchFamily="18" charset="0"/>
-                                      </a:rPr>
-                                      <m:t>𝐼</m:t>
+                                      <m:t>I</m:t>
                                     </m:r>
                                   </m:e>
                                   <m:sub>
                                     <m:r>
-                                      <a:rPr>
-                                        <a:latin typeface="Cambria Math" panose="02040503050406030204" pitchFamily="18" charset="0"/>
-                                      </a:rPr>
-                                      <m:t>𝑘</m:t>
+                                      <m:t>k</m:t>
                                     </m:r>
                                     <m:r>
-                                      <a:rPr>
-                                        <a:latin typeface="Cambria Math" panose="02040503050406030204" pitchFamily="18" charset="0"/>
-                                      </a:rPr>
-                                      <m:t>+1</m:t>
+                                      <m:rPr>
+                                        <m:sty m:val="p"/>
+                                      </m:rPr>
+                                      <m:t>+</m:t>
+                                    </m:r>
+                                    <m:r>
+                                      <m:t>1</m:t>
                                     </m:r>
                                   </m:sub>
                                 </m:sSub>
                                 <m:r>
-                                  <a:rPr>
-                                    <a:latin typeface="Cambria Math" panose="02040503050406030204" pitchFamily="18" charset="0"/>
-                                  </a:rPr>
+                                  <m:rPr>
+                                    <m:sty m:val="p"/>
+                                  </m:rPr>
                                   <m:t>=</m:t>
                                 </m:r>
                                 <m:sSub>
-                                  <m:sSubPr>
-                                    <m:ctrlPr>
-                                      <a:rPr i="1">
-                                        <a:latin typeface="Cambria Math" panose="02040503050406030204" pitchFamily="18" charset="0"/>
-                                      </a:rPr>
-                                    </m:ctrlPr>
-                                  </m:sSubPr>
                                   <m:e>
                                     <m:r>
-                                      <a:rPr>
-                                        <a:latin typeface="Cambria Math" panose="02040503050406030204" pitchFamily="18" charset="0"/>
-                                      </a:rPr>
-                                      <m:t>𝐼</m:t>
+                                      <m:t>I</m:t>
                                     </m:r>
                                   </m:e>
                                   <m:sub>
                                     <m:r>
-                                      <a:rPr>
-                                        <a:latin typeface="Cambria Math" panose="02040503050406030204" pitchFamily="18" charset="0"/>
-                                      </a:rPr>
-                                      <m:t>𝑘</m:t>
+                                      <m:t>k</m:t>
                                     </m:r>
                                   </m:sub>
                                 </m:sSub>
                                 <m:r>
-                                  <a:rPr>
-                                    <a:latin typeface="Cambria Math" panose="02040503050406030204" pitchFamily="18" charset="0"/>
-                                  </a:rPr>
+                                  <m:rPr>
+                                    <m:sty m:val="p"/>
+                                  </m:rPr>
                                   <m:t>+</m:t>
                                 </m:r>
                                 <m:r>
-                                  <a:rPr>
-                                    <a:latin typeface="Cambria Math" panose="02040503050406030204" pitchFamily="18" charset="0"/>
-                                  </a:rPr>
-                                  <m:t>𝛥</m:t>
+                                  <m:t>Δ</m:t>
                                 </m:r>
                                 <m:r>
-                                  <a:rPr>
-                                    <a:latin typeface="Cambria Math" panose="02040503050406030204" pitchFamily="18" charset="0"/>
-                                  </a:rPr>
-                                  <m:t>𝐼</m:t>
+                                  <m:t>I</m:t>
                                 </m:r>
                                 <m:d>
                                   <m:dPr>
-                                    <m:ctrlPr>
-                                      <a:rPr i="1">
-                                        <a:latin typeface="Cambria Math" panose="02040503050406030204" pitchFamily="18" charset="0"/>
-                                      </a:rPr>
-                                    </m:ctrlPr>
+                                    <m:begChr m:val="("/>
+                                    <m:sepChr m:val=""/>
+                                    <m:endChr m:val=")"/>
+                                    <m:grow/>
                                   </m:dPr>
                                   <m:e>
                                     <m:sSub>
-                                      <m:sSubPr>
-                                        <m:ctrlPr>
-                                          <a:rPr i="1">
-                                            <a:latin typeface="Cambria Math" panose="02040503050406030204" pitchFamily="18" charset="0"/>
-                                          </a:rPr>
-                                        </m:ctrlPr>
-                                      </m:sSubPr>
                                       <m:e>
                                         <m:r>
-                                          <a:rPr>
-                                            <a:latin typeface="Cambria Math" panose="02040503050406030204" pitchFamily="18" charset="0"/>
-                                          </a:rPr>
-                                          <m:t>𝜃</m:t>
+                                          <m:t>θ</m:t>
                                         </m:r>
                                       </m:e>
                                       <m:sub>
                                         <m:r>
-                                          <a:rPr>
-                                            <a:latin typeface="Cambria Math" panose="02040503050406030204" pitchFamily="18" charset="0"/>
-                                          </a:rPr>
-                                          <m:t>𝑘</m:t>
+                                          <m:t>k</m:t>
                                         </m:r>
                                       </m:sub>
                                     </m:sSub>
                                     <m:r>
-                                      <a:rPr>
-                                        <a:latin typeface="Cambria Math" panose="02040503050406030204" pitchFamily="18" charset="0"/>
-                                      </a:rPr>
+                                      <m:rPr>
+                                        <m:sty m:val="p"/>
+                                      </m:rPr>
                                       <m:t>,</m:t>
                                     </m:r>
                                     <m:sSub>
-                                      <m:sSubPr>
-                                        <m:ctrlPr>
-                                          <a:rPr i="1">
-                                            <a:latin typeface="Cambria Math" panose="02040503050406030204" pitchFamily="18" charset="0"/>
-                                          </a:rPr>
-                                        </m:ctrlPr>
-                                      </m:sSubPr>
                                       <m:e>
                                         <m:r>
-                                          <a:rPr>
-                                            <a:latin typeface="Cambria Math" panose="02040503050406030204" pitchFamily="18" charset="0"/>
-                                          </a:rPr>
-                                          <m:t>𝐼</m:t>
+                                          <m:t>I</m:t>
                                         </m:r>
                                       </m:e>
                                       <m:sub>
                                         <m:r>
-                                          <a:rPr>
-                                            <a:latin typeface="Cambria Math" panose="02040503050406030204" pitchFamily="18" charset="0"/>
-                                          </a:rPr>
-                                          <m:t>𝑘</m:t>
+                                          <m:t>k</m:t>
                                         </m:r>
                                       </m:sub>
                                     </m:sSub>
                                     <m:r>
-                                      <a:rPr>
-                                        <a:latin typeface="Cambria Math" panose="02040503050406030204" pitchFamily="18" charset="0"/>
-                                      </a:rPr>
+                                      <m:rPr>
+                                        <m:sty m:val="p"/>
+                                      </m:rPr>
                                       <m:t>,</m:t>
                                     </m:r>
                                     <m:sSub>
-                                      <m:sSubPr>
-                                        <m:ctrlPr>
-                                          <a:rPr i="1">
-                                            <a:latin typeface="Cambria Math" panose="02040503050406030204" pitchFamily="18" charset="0"/>
-                                          </a:rPr>
-                                        </m:ctrlPr>
-                                      </m:sSubPr>
                                       <m:e>
                                         <m:r>
-                                          <a:rPr>
-                                            <a:latin typeface="Cambria Math" panose="02040503050406030204" pitchFamily="18" charset="0"/>
-                                          </a:rPr>
-                                          <m:t>𝐿</m:t>
+                                          <m:t>L</m:t>
                                         </m:r>
                                       </m:e>
                                       <m:sub>
                                         <m:r>
-                                          <a:rPr>
-                                            <a:latin typeface="Cambria Math" panose="02040503050406030204" pitchFamily="18" charset="0"/>
-                                          </a:rPr>
-                                          <m:t>𝑀𝑘</m:t>
+                                          <m:t>M</m:t>
+                                        </m:r>
+                                        <m:r>
+                                          <m:t>k</m:t>
                                         </m:r>
                                       </m:sub>
                                     </m:sSub>
@@ -9750,178 +7596,118 @@
                             <m:mr>
                               <m:e>
                                 <m:sSub>
-                                  <m:sSubPr>
-                                    <m:ctrlPr>
-                                      <a:rPr i="1">
-                                        <a:latin typeface="Cambria Math" panose="02040503050406030204" pitchFamily="18" charset="0"/>
-                                      </a:rPr>
-                                    </m:ctrlPr>
-                                  </m:sSubPr>
                                   <m:e>
                                     <m:r>
-                                      <a:rPr>
-                                        <a:latin typeface="Cambria Math" panose="02040503050406030204" pitchFamily="18" charset="0"/>
-                                      </a:rPr>
-                                      <m:t>𝐿</m:t>
+                                      <m:t>L</m:t>
                                     </m:r>
                                   </m:e>
                                   <m:sub>
                                     <m:r>
-                                      <a:rPr>
-                                        <a:latin typeface="Cambria Math" panose="02040503050406030204" pitchFamily="18" charset="0"/>
-                                      </a:rPr>
-                                      <m:t>𝑀𝑘</m:t>
+                                      <m:t>M</m:t>
                                     </m:r>
                                     <m:r>
-                                      <a:rPr>
-                                        <a:latin typeface="Cambria Math" panose="02040503050406030204" pitchFamily="18" charset="0"/>
-                                      </a:rPr>
-                                      <m:t>+1</m:t>
+                                      <m:t>k</m:t>
+                                    </m:r>
+                                    <m:r>
+                                      <m:rPr>
+                                        <m:sty m:val="p"/>
+                                      </m:rPr>
+                                      <m:t>+</m:t>
+                                    </m:r>
+                                    <m:r>
+                                      <m:t>1</m:t>
                                     </m:r>
                                   </m:sub>
                                 </m:sSub>
                                 <m:r>
-                                  <a:rPr>
-                                    <a:latin typeface="Cambria Math" panose="02040503050406030204" pitchFamily="18" charset="0"/>
-                                  </a:rPr>
+                                  <m:rPr>
+                                    <m:sty m:val="p"/>
+                                  </m:rPr>
                                   <m:t>=</m:t>
                                 </m:r>
                                 <m:sSub>
-                                  <m:sSubPr>
-                                    <m:ctrlPr>
-                                      <a:rPr i="1">
-                                        <a:latin typeface="Cambria Math" panose="02040503050406030204" pitchFamily="18" charset="0"/>
-                                      </a:rPr>
-                                    </m:ctrlPr>
-                                  </m:sSubPr>
                                   <m:e>
                                     <m:r>
-                                      <a:rPr>
-                                        <a:latin typeface="Cambria Math" panose="02040503050406030204" pitchFamily="18" charset="0"/>
-                                      </a:rPr>
-                                      <m:t>𝐿</m:t>
+                                      <m:t>L</m:t>
                                     </m:r>
                                   </m:e>
                                   <m:sub>
                                     <m:r>
-                                      <a:rPr>
-                                        <a:latin typeface="Cambria Math" panose="02040503050406030204" pitchFamily="18" charset="0"/>
-                                      </a:rPr>
-                                      <m:t>𝑀𝑘</m:t>
+                                      <m:t>M</m:t>
+                                    </m:r>
+                                    <m:r>
+                                      <m:t>k</m:t>
                                     </m:r>
                                   </m:sub>
                                 </m:sSub>
                                 <m:r>
-                                  <a:rPr>
-                                    <a:latin typeface="Cambria Math" panose="02040503050406030204" pitchFamily="18" charset="0"/>
-                                  </a:rPr>
+                                  <m:rPr>
+                                    <m:sty m:val="p"/>
+                                  </m:rPr>
                                   <m:t>+</m:t>
                                 </m:r>
                                 <m:r>
-                                  <a:rPr>
-                                    <a:latin typeface="Cambria Math" panose="02040503050406030204" pitchFamily="18" charset="0"/>
-                                  </a:rPr>
-                                  <m:t>𝛥</m:t>
+                                  <m:t>Δ</m:t>
                                 </m:r>
                                 <m:r>
-                                  <a:rPr>
-                                    <a:latin typeface="Cambria Math" panose="02040503050406030204" pitchFamily="18" charset="0"/>
-                                  </a:rPr>
-                                  <m:t>𝐿</m:t>
+                                  <m:t>L</m:t>
                                 </m:r>
                                 <m:d>
                                   <m:dPr>
-                                    <m:ctrlPr>
-                                      <a:rPr i="1">
-                                        <a:latin typeface="Cambria Math" panose="02040503050406030204" pitchFamily="18" charset="0"/>
-                                      </a:rPr>
-                                    </m:ctrlPr>
+                                    <m:begChr m:val="("/>
+                                    <m:sepChr m:val=""/>
+                                    <m:endChr m:val=")"/>
+                                    <m:grow/>
                                   </m:dPr>
                                   <m:e>
                                     <m:sSub>
-                                      <m:sSubPr>
-                                        <m:ctrlPr>
-                                          <a:rPr i="1">
-                                            <a:latin typeface="Cambria Math" panose="02040503050406030204" pitchFamily="18" charset="0"/>
-                                          </a:rPr>
-                                        </m:ctrlPr>
-                                      </m:sSubPr>
                                       <m:e>
                                         <m:r>
-                                          <a:rPr>
-                                            <a:latin typeface="Cambria Math" panose="02040503050406030204" pitchFamily="18" charset="0"/>
-                                          </a:rPr>
-                                          <m:t>𝜃</m:t>
+                                          <m:t>θ</m:t>
                                         </m:r>
                                       </m:e>
                                       <m:sub>
                                         <m:r>
-                                          <a:rPr>
-                                            <a:latin typeface="Cambria Math" panose="02040503050406030204" pitchFamily="18" charset="0"/>
-                                          </a:rPr>
-                                          <m:t>𝑘</m:t>
+                                          <m:t>k</m:t>
                                         </m:r>
                                       </m:sub>
                                     </m:sSub>
                                     <m:r>
-                                      <a:rPr>
-                                        <a:latin typeface="Cambria Math" panose="02040503050406030204" pitchFamily="18" charset="0"/>
-                                      </a:rPr>
+                                      <m:rPr>
+                                        <m:sty m:val="p"/>
+                                      </m:rPr>
                                       <m:t>,</m:t>
                                     </m:r>
                                     <m:sSub>
-                                      <m:sSubPr>
-                                        <m:ctrlPr>
-                                          <a:rPr i="1">
-                                            <a:latin typeface="Cambria Math" panose="02040503050406030204" pitchFamily="18" charset="0"/>
-                                          </a:rPr>
-                                        </m:ctrlPr>
-                                      </m:sSubPr>
                                       <m:e>
                                         <m:r>
-                                          <a:rPr>
-                                            <a:latin typeface="Cambria Math" panose="02040503050406030204" pitchFamily="18" charset="0"/>
-                                          </a:rPr>
-                                          <m:t>𝐼</m:t>
+                                          <m:t>I</m:t>
                                         </m:r>
                                       </m:e>
                                       <m:sub>
                                         <m:r>
-                                          <a:rPr>
-                                            <a:latin typeface="Cambria Math" panose="02040503050406030204" pitchFamily="18" charset="0"/>
-                                          </a:rPr>
-                                          <m:t>𝑘</m:t>
+                                          <m:t>k</m:t>
                                         </m:r>
                                       </m:sub>
                                     </m:sSub>
                                     <m:r>
-                                      <a:rPr>
-                                        <a:latin typeface="Cambria Math" panose="02040503050406030204" pitchFamily="18" charset="0"/>
-                                      </a:rPr>
+                                      <m:rPr>
+                                        <m:sty m:val="p"/>
+                                      </m:rPr>
                                       <m:t>,</m:t>
                                     </m:r>
                                     <m:sSub>
-                                      <m:sSubPr>
-                                        <m:ctrlPr>
-                                          <a:rPr i="1">
-                                            <a:latin typeface="Cambria Math" panose="02040503050406030204" pitchFamily="18" charset="0"/>
-                                          </a:rPr>
-                                        </m:ctrlPr>
-                                      </m:sSubPr>
                                       <m:e>
                                         <m:r>
-                                          <a:rPr>
-                                            <a:latin typeface="Cambria Math" panose="02040503050406030204" pitchFamily="18" charset="0"/>
-                                          </a:rPr>
-                                          <m:t>𝐿</m:t>
+                                          <m:t>L</m:t>
                                         </m:r>
                                       </m:e>
                                       <m:sub>
                                         <m:r>
-                                          <a:rPr>
-                                            <a:latin typeface="Cambria Math" panose="02040503050406030204" pitchFamily="18" charset="0"/>
-                                          </a:rPr>
-                                          <m:t>𝑀𝑘</m:t>
+                                          <m:t>M</m:t>
+                                        </m:r>
+                                        <m:r>
+                                          <m:t>k</m:t>
                                         </m:r>
                                       </m:sub>
                                     </m:sSub>
@@ -9932,105 +7718,73 @@
                             <m:mr>
                               <m:e>
                                 <m:sSub>
-                                  <m:sSubPr>
-                                    <m:ctrlPr>
-                                      <a:rPr i="1">
-                                        <a:latin typeface="Cambria Math" panose="02040503050406030204" pitchFamily="18" charset="0"/>
-                                      </a:rPr>
-                                    </m:ctrlPr>
-                                  </m:sSubPr>
                                   <m:e>
                                     <m:r>
-                                      <a:rPr>
-                                        <a:latin typeface="Cambria Math" panose="02040503050406030204" pitchFamily="18" charset="0"/>
-                                      </a:rPr>
-                                      <m:t>𝜃</m:t>
+                                      <m:t>θ</m:t>
                                     </m:r>
                                   </m:e>
                                   <m:sub>
                                     <m:r>
-                                      <a:rPr>
-                                        <a:latin typeface="Cambria Math" panose="02040503050406030204" pitchFamily="18" charset="0"/>
-                                      </a:rPr>
-                                      <m:t>𝑘</m:t>
+                                      <m:t>k</m:t>
                                     </m:r>
                                     <m:r>
-                                      <a:rPr>
-                                        <a:latin typeface="Cambria Math" panose="02040503050406030204" pitchFamily="18" charset="0"/>
-                                      </a:rPr>
-                                      <m:t>+1</m:t>
+                                      <m:rPr>
+                                        <m:sty m:val="p"/>
+                                      </m:rPr>
+                                      <m:t>+</m:t>
+                                    </m:r>
+                                    <m:r>
+                                      <m:t>1</m:t>
                                     </m:r>
                                   </m:sub>
                                 </m:sSub>
                                 <m:r>
-                                  <a:rPr>
-                                    <a:latin typeface="Cambria Math" panose="02040503050406030204" pitchFamily="18" charset="0"/>
-                                  </a:rPr>
+                                  <m:rPr>
+                                    <m:sty m:val="p"/>
+                                  </m:rPr>
                                   <m:t>=</m:t>
                                 </m:r>
                                 <m:sSub>
-                                  <m:sSubPr>
-                                    <m:ctrlPr>
-                                      <a:rPr i="1">
-                                        <a:latin typeface="Cambria Math" panose="02040503050406030204" pitchFamily="18" charset="0"/>
-                                      </a:rPr>
-                                    </m:ctrlPr>
-                                  </m:sSubPr>
                                   <m:e>
                                     <m:r>
-                                      <a:rPr>
-                                        <a:latin typeface="Cambria Math" panose="02040503050406030204" pitchFamily="18" charset="0"/>
-                                      </a:rPr>
-                                      <m:t>𝜃</m:t>
+                                      <m:t>θ</m:t>
                                     </m:r>
                                   </m:e>
                                   <m:sub>
                                     <m:r>
-                                      <a:rPr>
-                                        <a:latin typeface="Cambria Math" panose="02040503050406030204" pitchFamily="18" charset="0"/>
-                                      </a:rPr>
-                                      <m:t>𝑘</m:t>
+                                      <m:t>k</m:t>
                                     </m:r>
                                   </m:sub>
                                 </m:sSub>
                                 <m:r>
-                                  <a:rPr>
-                                    <a:latin typeface="Cambria Math" panose="02040503050406030204" pitchFamily="18" charset="0"/>
-                                  </a:rPr>
+                                  <m:rPr>
+                                    <m:sty m:val="p"/>
+                                  </m:rPr>
                                   <m:t>+</m:t>
                                 </m:r>
                                 <m:r>
-                                  <a:rPr>
-                                    <a:latin typeface="Cambria Math" panose="02040503050406030204" pitchFamily="18" charset="0"/>
-                                  </a:rPr>
-                                  <m:t>𝛥𝜃</m:t>
+                                  <m:t>Δ</m:t>
                                 </m:r>
                                 <m:r>
-                                  <a:rPr>
-                                    <a:latin typeface="Cambria Math" panose="02040503050406030204" pitchFamily="18" charset="0"/>
-                                  </a:rPr>
+                                  <m:t>θ</m:t>
+                                </m:r>
+                                <m:r>
                                   <m:t> </m:t>
                                 </m:r>
                                 <m:r>
                                   <m:rPr>
                                     <m:sty m:val="p"/>
                                   </m:rPr>
-                                  <a:rPr>
-                                    <a:latin typeface="Cambria Math" panose="02040503050406030204" pitchFamily="18" charset="0"/>
-                                  </a:rPr>
                                   <m:t>mod</m:t>
                                 </m:r>
                                 <m:r>
-                                  <a:rPr>
-                                    <a:latin typeface="Cambria Math" panose="02040503050406030204" pitchFamily="18" charset="0"/>
-                                  </a:rPr>
-                                  <m:t> 2</m:t>
+                                  <m:t> </m:t>
                                 </m:r>
                                 <m:r>
-                                  <a:rPr>
-                                    <a:latin typeface="Cambria Math" panose="02040503050406030204" pitchFamily="18" charset="0"/>
-                                  </a:rPr>
-                                  <m:t>𝜋</m:t>
+                                  <m:t>2</m:t>
+                                </m:r>
+                                <m:r>
+                                  <m:t>π</m:t>
                                 </m:r>
                               </m:e>
                             </m:mr>
@@ -10040,65 +7794,13 @@
                     </m:oMath>
                   </m:oMathPara>
                 </a14:m>
-                <a:endParaRPr dirty="0"/>
               </a:p>
             </p:txBody>
           </p:sp>
         </mc:Choice>
-        <mc:Fallback>
-          <p:sp>
-            <p:nvSpPr>
-              <p:cNvPr id="3" name="Content Placeholder 2">
-                <a:extLst>
-                  <a:ext uri="{FF2B5EF4-FFF2-40B4-BE49-F238E27FC236}">
-                    <a16:creationId xmlns:a16="http://schemas.microsoft.com/office/drawing/2014/main" id="{015C0FC6-9C69-00BE-BE82-BA80BB3F8176}"/>
-                  </a:ext>
-                </a:extLst>
-              </p:cNvPr>
-              <p:cNvSpPr>
-                <a:spLocks noGrp="1" noRot="1" noChangeAspect="1" noMove="1" noResize="1" noEditPoints="1" noAdjustHandles="1" noChangeArrowheads="1" noChangeShapeType="1" noTextEdit="1"/>
-              </p:cNvSpPr>
-              <p:nvPr>
-                <p:ph idx="1"/>
-              </p:nvPr>
-            </p:nvSpPr>
-            <p:spPr>
-              <a:xfrm>
-                <a:off x="1143000" y="870267"/>
-                <a:ext cx="6858000" cy="2895527"/>
-              </a:xfrm>
-              <a:blipFill>
-                <a:blip r:embed="rId4"/>
-                <a:stretch>
-                  <a:fillRect l="-18854" t="-108734" b="-106550"/>
-                </a:stretch>
-              </a:blipFill>
-            </p:spPr>
-            <p:txBody>
-              <a:bodyPr/>
-              <a:lstStyle/>
-              <a:p>
-                <a:r>
-                  <a:rPr lang="en-US">
-                    <a:noFill/>
-                  </a:rPr>
-                  <a:t> </a:t>
-                </a:r>
-              </a:p>
-            </p:txBody>
-          </p:sp>
-        </mc:Fallback>
       </mc:AlternateContent>
     </p:spTree>
-    <p:extLst>
-      <p:ext uri="{BB962C8B-B14F-4D97-AF65-F5344CB8AC3E}">
-        <p14:creationId xmlns:p14="http://schemas.microsoft.com/office/powerpoint/2010/main" val="560933073"/>
-      </p:ext>
-    </p:extLst>
   </p:cSld>
-  <p:clrMapOvr>
-    <a:masterClrMapping/>
-  </p:clrMapOvr>
 </p:sld>
 </file>
 
@@ -10134,10 +7836,11 @@
           <a:bodyPr/>
           <a:lstStyle/>
           <a:p>
-            <a:pPr marL="0" lvl="0" indent="0">
+            <a:pPr lvl="0" indent="0" marL="0">
               <a:buNone/>
             </a:pPr>
             <a:r>
+              <a:rPr/>
               <a:t>Electron losses due to drift orbit bifurcations</a:t>
             </a:r>
           </a:p>
@@ -10145,7 +7848,7 @@
       </p:sp>
       <p:pic>
         <p:nvPicPr>
-          <p:cNvPr id="3" name="Picture 1" descr="images/jgra21351-fig-0008.png"/>
+          <p:cNvPr descr="images/jgra21351-fig-0008.png" id="0" name="Picture 1"/>
           <p:cNvPicPr>
             <a:picLocks noGrp="1" noChangeAspect="1"/>
           </p:cNvPicPr>
@@ -10175,7 +7878,7 @@
       </p:pic>
       <p:sp>
         <p:nvSpPr>
-          <p:cNvPr id="4" name="TextBox 3"/>
+          <p:cNvPr id="1" name="TextBox 3"/>
           <p:cNvSpPr txBox="1"/>
           <p:nvPr/>
         </p:nvSpPr>
@@ -10193,10 +7896,11 @@
           <a:bodyPr/>
           <a:lstStyle/>
           <a:p>
-            <a:pPr marL="0" lvl="0" indent="0" algn="ctr">
+            <a:pPr lvl="0" indent="0" marL="0" algn="ctr">
               <a:buNone/>
             </a:pPr>
             <a:r>
+              <a:rPr/>
               <a:t>Magnetopause escape and atmospheric losses due to current sheet scattering produced by drift orbit bifurcations.</a:t>
             </a:r>
           </a:p>
@@ -10204,9 +7908,6 @@
       </p:sp>
     </p:spTree>
   </p:cSld>
-  <p:clrMapOvr>
-    <a:masterClrMapping/>
-  </p:clrMapOvr>
 </p:sld>
 </file>
 
